--- a/プロジェクト実験　中間発表/プロジェクト実験中間発表.pptx
+++ b/プロジェクト実験　中間発表/プロジェクト実験中間発表.pptx
@@ -171,6 +171,44 @@
             <a:effectLst/>
           </c:spPr>
           <c:invertIfNegative val="0"/>
+          <c:dPt>
+            <c:idx val="1"/>
+            <c:invertIfNegative val="0"/>
+            <c:bubble3D val="0"/>
+            <c:spPr>
+              <a:solidFill>
+                <a:schemeClr val="accent4"/>
+              </a:solidFill>
+              <a:ln>
+                <a:noFill/>
+              </a:ln>
+              <a:effectLst/>
+            </c:spPr>
+            <c:extLst>
+              <c:ext xmlns:c16="http://schemas.microsoft.com/office/drawing/2014/chart" uri="{C3380CC4-5D6E-409C-BE32-E72D297353CC}">
+                <c16:uniqueId val="{00000001-9461-4418-A6C8-7F8BF4BCD1E5}"/>
+              </c:ext>
+            </c:extLst>
+          </c:dPt>
+          <c:dPt>
+            <c:idx val="2"/>
+            <c:invertIfNegative val="0"/>
+            <c:bubble3D val="0"/>
+            <c:spPr>
+              <a:solidFill>
+                <a:schemeClr val="accent2"/>
+              </a:solidFill>
+              <a:ln>
+                <a:noFill/>
+              </a:ln>
+              <a:effectLst/>
+            </c:spPr>
+            <c:extLst>
+              <c:ext xmlns:c16="http://schemas.microsoft.com/office/drawing/2014/chart" uri="{C3380CC4-5D6E-409C-BE32-E72D297353CC}">
+                <c16:uniqueId val="{00000000-9461-4418-A6C8-7F8BF4BCD1E5}"/>
+              </c:ext>
+            </c:extLst>
+          </c:dPt>
           <c:cat>
             <c:strRef>
               <c:f>Sheet1!$A$1:$A$3</c:f>
@@ -1507,7 +1545,7 @@
           <a:p>
             <a:fld id="{4A270F9C-5D17-4C12-AD78-18BABC3D1868}" type="slidenum">
               <a:rPr kumimoji="1" lang="ja-JP" altLang="en-US" smtClean="0"/>
-              <a:t>11</a:t>
+              <a:t>3</a:t>
             </a:fld>
             <a:endParaRPr kumimoji="1" lang="ja-JP" altLang="en-US"/>
           </a:p>
@@ -1516,7 +1554,7 @@
     </p:spTree>
     <p:extLst>
       <p:ext uri="{BB962C8B-B14F-4D97-AF65-F5344CB8AC3E}">
-        <p14:creationId xmlns:p14="http://schemas.microsoft.com/office/powerpoint/2010/main" val="1530640712"/>
+        <p14:creationId xmlns:p14="http://schemas.microsoft.com/office/powerpoint/2010/main" val="1999454354"/>
       </p:ext>
     </p:extLst>
   </p:cSld>
@@ -1591,7 +1629,7 @@
           <a:p>
             <a:fld id="{4A270F9C-5D17-4C12-AD78-18BABC3D1868}" type="slidenum">
               <a:rPr kumimoji="1" lang="ja-JP" altLang="en-US" smtClean="0"/>
-              <a:t>12</a:t>
+              <a:t>5</a:t>
             </a:fld>
             <a:endParaRPr kumimoji="1" lang="ja-JP" altLang="en-US"/>
           </a:p>
@@ -1600,7 +1638,7 @@
     </p:spTree>
     <p:extLst>
       <p:ext uri="{BB962C8B-B14F-4D97-AF65-F5344CB8AC3E}">
-        <p14:creationId xmlns:p14="http://schemas.microsoft.com/office/powerpoint/2010/main" val="2484287665"/>
+        <p14:creationId xmlns:p14="http://schemas.microsoft.com/office/powerpoint/2010/main" val="3439623714"/>
       </p:ext>
     </p:extLst>
   </p:cSld>
@@ -1675,6 +1713,174 @@
           <a:p>
             <a:fld id="{4A270F9C-5D17-4C12-AD78-18BABC3D1868}" type="slidenum">
               <a:rPr kumimoji="1" lang="ja-JP" altLang="en-US" smtClean="0"/>
+              <a:t>11</a:t>
+            </a:fld>
+            <a:endParaRPr kumimoji="1" lang="ja-JP" altLang="en-US"/>
+          </a:p>
+        </p:txBody>
+      </p:sp>
+    </p:spTree>
+    <p:extLst>
+      <p:ext uri="{BB962C8B-B14F-4D97-AF65-F5344CB8AC3E}">
+        <p14:creationId xmlns:p14="http://schemas.microsoft.com/office/powerpoint/2010/main" val="1530640712"/>
+      </p:ext>
+    </p:extLst>
+  </p:cSld>
+  <p:clrMapOvr>
+    <a:masterClrMapping/>
+  </p:clrMapOvr>
+</p:notes>
+</file>
+
+<file path=ppt/notesSlides/notesSlide5.xml><?xml version="1.0" encoding="utf-8"?>
+<p:notes xmlns:a="http://schemas.openxmlformats.org/drawingml/2006/main" xmlns:r="http://schemas.openxmlformats.org/officeDocument/2006/relationships" xmlns:p="http://schemas.openxmlformats.org/presentationml/2006/main">
+  <p:cSld>
+    <p:spTree>
+      <p:nvGrpSpPr>
+        <p:cNvPr id="1" name=""/>
+        <p:cNvGrpSpPr/>
+        <p:nvPr/>
+      </p:nvGrpSpPr>
+      <p:grpSpPr>
+        <a:xfrm>
+          <a:off x="0" y="0"/>
+          <a:ext cx="0" cy="0"/>
+          <a:chOff x="0" y="0"/>
+          <a:chExt cx="0" cy="0"/>
+        </a:xfrm>
+      </p:grpSpPr>
+      <p:sp>
+        <p:nvSpPr>
+          <p:cNvPr id="2" name="スライド イメージ プレースホルダー 1"/>
+          <p:cNvSpPr>
+            <a:spLocks noGrp="1" noRot="1" noChangeAspect="1"/>
+          </p:cNvSpPr>
+          <p:nvPr>
+            <p:ph type="sldImg"/>
+          </p:nvPr>
+        </p:nvSpPr>
+        <p:spPr/>
+      </p:sp>
+      <p:sp>
+        <p:nvSpPr>
+          <p:cNvPr id="3" name="ノート プレースホルダー 2"/>
+          <p:cNvSpPr>
+            <a:spLocks noGrp="1"/>
+          </p:cNvSpPr>
+          <p:nvPr>
+            <p:ph type="body" idx="1"/>
+          </p:nvPr>
+        </p:nvSpPr>
+        <p:spPr/>
+        <p:txBody>
+          <a:bodyPr/>
+          <a:lstStyle/>
+          <a:p>
+            <a:endParaRPr kumimoji="1" lang="ja-JP" altLang="en-US" dirty="0"/>
+          </a:p>
+        </p:txBody>
+      </p:sp>
+      <p:sp>
+        <p:nvSpPr>
+          <p:cNvPr id="4" name="スライド番号プレースホルダー 3"/>
+          <p:cNvSpPr>
+            <a:spLocks noGrp="1"/>
+          </p:cNvSpPr>
+          <p:nvPr>
+            <p:ph type="sldNum" sz="quarter" idx="10"/>
+          </p:nvPr>
+        </p:nvSpPr>
+        <p:spPr/>
+        <p:txBody>
+          <a:bodyPr/>
+          <a:lstStyle/>
+          <a:p>
+            <a:fld id="{4A270F9C-5D17-4C12-AD78-18BABC3D1868}" type="slidenum">
+              <a:rPr kumimoji="1" lang="ja-JP" altLang="en-US" smtClean="0"/>
+              <a:t>12</a:t>
+            </a:fld>
+            <a:endParaRPr kumimoji="1" lang="ja-JP" altLang="en-US"/>
+          </a:p>
+        </p:txBody>
+      </p:sp>
+    </p:spTree>
+    <p:extLst>
+      <p:ext uri="{BB962C8B-B14F-4D97-AF65-F5344CB8AC3E}">
+        <p14:creationId xmlns:p14="http://schemas.microsoft.com/office/powerpoint/2010/main" val="2484287665"/>
+      </p:ext>
+    </p:extLst>
+  </p:cSld>
+  <p:clrMapOvr>
+    <a:masterClrMapping/>
+  </p:clrMapOvr>
+</p:notes>
+</file>
+
+<file path=ppt/notesSlides/notesSlide6.xml><?xml version="1.0" encoding="utf-8"?>
+<p:notes xmlns:a="http://schemas.openxmlformats.org/drawingml/2006/main" xmlns:r="http://schemas.openxmlformats.org/officeDocument/2006/relationships" xmlns:p="http://schemas.openxmlformats.org/presentationml/2006/main">
+  <p:cSld>
+    <p:spTree>
+      <p:nvGrpSpPr>
+        <p:cNvPr id="1" name=""/>
+        <p:cNvGrpSpPr/>
+        <p:nvPr/>
+      </p:nvGrpSpPr>
+      <p:grpSpPr>
+        <a:xfrm>
+          <a:off x="0" y="0"/>
+          <a:ext cx="0" cy="0"/>
+          <a:chOff x="0" y="0"/>
+          <a:chExt cx="0" cy="0"/>
+        </a:xfrm>
+      </p:grpSpPr>
+      <p:sp>
+        <p:nvSpPr>
+          <p:cNvPr id="2" name="スライド イメージ プレースホルダー 1"/>
+          <p:cNvSpPr>
+            <a:spLocks noGrp="1" noRot="1" noChangeAspect="1"/>
+          </p:cNvSpPr>
+          <p:nvPr>
+            <p:ph type="sldImg"/>
+          </p:nvPr>
+        </p:nvSpPr>
+        <p:spPr/>
+      </p:sp>
+      <p:sp>
+        <p:nvSpPr>
+          <p:cNvPr id="3" name="ノート プレースホルダー 2"/>
+          <p:cNvSpPr>
+            <a:spLocks noGrp="1"/>
+          </p:cNvSpPr>
+          <p:nvPr>
+            <p:ph type="body" idx="1"/>
+          </p:nvPr>
+        </p:nvSpPr>
+        <p:spPr/>
+        <p:txBody>
+          <a:bodyPr/>
+          <a:lstStyle/>
+          <a:p>
+            <a:endParaRPr kumimoji="1" lang="ja-JP" altLang="en-US" dirty="0"/>
+          </a:p>
+        </p:txBody>
+      </p:sp>
+      <p:sp>
+        <p:nvSpPr>
+          <p:cNvPr id="4" name="スライド番号プレースホルダー 3"/>
+          <p:cNvSpPr>
+            <a:spLocks noGrp="1"/>
+          </p:cNvSpPr>
+          <p:nvPr>
+            <p:ph type="sldNum" sz="quarter" idx="10"/>
+          </p:nvPr>
+        </p:nvSpPr>
+        <p:spPr/>
+        <p:txBody>
+          <a:bodyPr/>
+          <a:lstStyle/>
+          <a:p>
+            <a:fld id="{4A270F9C-5D17-4C12-AD78-18BABC3D1868}" type="slidenum">
+              <a:rPr kumimoji="1" lang="ja-JP" altLang="en-US" smtClean="0"/>
               <a:t>13</a:t>
             </a:fld>
             <a:endParaRPr kumimoji="1" lang="ja-JP" altLang="en-US"/>
@@ -1694,7 +1900,91 @@
 </p:notes>
 </file>
 
-<file path=ppt/notesSlides/notesSlide5.xml><?xml version="1.0" encoding="utf-8"?>
+<file path=ppt/notesSlides/notesSlide7.xml><?xml version="1.0" encoding="utf-8"?>
+<p:notes xmlns:a="http://schemas.openxmlformats.org/drawingml/2006/main" xmlns:r="http://schemas.openxmlformats.org/officeDocument/2006/relationships" xmlns:p="http://schemas.openxmlformats.org/presentationml/2006/main">
+  <p:cSld>
+    <p:spTree>
+      <p:nvGrpSpPr>
+        <p:cNvPr id="1" name=""/>
+        <p:cNvGrpSpPr/>
+        <p:nvPr/>
+      </p:nvGrpSpPr>
+      <p:grpSpPr>
+        <a:xfrm>
+          <a:off x="0" y="0"/>
+          <a:ext cx="0" cy="0"/>
+          <a:chOff x="0" y="0"/>
+          <a:chExt cx="0" cy="0"/>
+        </a:xfrm>
+      </p:grpSpPr>
+      <p:sp>
+        <p:nvSpPr>
+          <p:cNvPr id="2" name="スライド イメージ プレースホルダー 1"/>
+          <p:cNvSpPr>
+            <a:spLocks noGrp="1" noRot="1" noChangeAspect="1"/>
+          </p:cNvSpPr>
+          <p:nvPr>
+            <p:ph type="sldImg"/>
+          </p:nvPr>
+        </p:nvSpPr>
+        <p:spPr/>
+      </p:sp>
+      <p:sp>
+        <p:nvSpPr>
+          <p:cNvPr id="3" name="ノート プレースホルダー 2"/>
+          <p:cNvSpPr>
+            <a:spLocks noGrp="1"/>
+          </p:cNvSpPr>
+          <p:nvPr>
+            <p:ph type="body" idx="1"/>
+          </p:nvPr>
+        </p:nvSpPr>
+        <p:spPr/>
+        <p:txBody>
+          <a:bodyPr/>
+          <a:lstStyle/>
+          <a:p>
+            <a:endParaRPr kumimoji="1" lang="ja-JP" altLang="en-US" dirty="0"/>
+          </a:p>
+        </p:txBody>
+      </p:sp>
+      <p:sp>
+        <p:nvSpPr>
+          <p:cNvPr id="4" name="スライド番号プレースホルダー 3"/>
+          <p:cNvSpPr>
+            <a:spLocks noGrp="1"/>
+          </p:cNvSpPr>
+          <p:nvPr>
+            <p:ph type="sldNum" sz="quarter" idx="10"/>
+          </p:nvPr>
+        </p:nvSpPr>
+        <p:spPr/>
+        <p:txBody>
+          <a:bodyPr/>
+          <a:lstStyle/>
+          <a:p>
+            <a:fld id="{4A270F9C-5D17-4C12-AD78-18BABC3D1868}" type="slidenum">
+              <a:rPr kumimoji="1" lang="ja-JP" altLang="en-US" smtClean="0"/>
+              <a:t>18</a:t>
+            </a:fld>
+            <a:endParaRPr kumimoji="1" lang="ja-JP" altLang="en-US"/>
+          </a:p>
+        </p:txBody>
+      </p:sp>
+    </p:spTree>
+    <p:extLst>
+      <p:ext uri="{BB962C8B-B14F-4D97-AF65-F5344CB8AC3E}">
+        <p14:creationId xmlns:p14="http://schemas.microsoft.com/office/powerpoint/2010/main" val="1092011269"/>
+      </p:ext>
+    </p:extLst>
+  </p:cSld>
+  <p:clrMapOvr>
+    <a:masterClrMapping/>
+  </p:clrMapOvr>
+</p:notes>
+</file>
+
+<file path=ppt/notesSlides/notesSlide8.xml><?xml version="1.0" encoding="utf-8"?>
 <p:notes xmlns:a="http://schemas.openxmlformats.org/drawingml/2006/main" xmlns:r="http://schemas.openxmlformats.org/officeDocument/2006/relationships" xmlns:p="http://schemas.openxmlformats.org/presentationml/2006/main">
   <p:cSld>
     <p:spTree>
@@ -8770,7 +9060,7 @@
           <a:lstStyle/>
           <a:p>
             <a:r>
-              <a:rPr kumimoji="1" lang="ja-JP" altLang="en-US" sz="5400">
+              <a:rPr kumimoji="1" lang="ja-JP" altLang="en-US" sz="5400" dirty="0">
                 <a:latin typeface="Hiragino Kaku Gothic Pro W3" panose="020B0300000000000000" pitchFamily="34" charset="-128"/>
                 <a:ea typeface="Hiragino Kaku Gothic Pro W3" panose="020B0300000000000000" pitchFamily="34" charset="-128"/>
               </a:rPr>
@@ -8783,7 +9073,7 @@
               </a:rPr>
             </a:br>
             <a:r>
-              <a:rPr kumimoji="1" lang="ja-JP" altLang="en-US" sz="5400">
+              <a:rPr kumimoji="1" lang="ja-JP" altLang="en-US" sz="5400" dirty="0">
                 <a:latin typeface="Hiragino Kaku Gothic Pro W3" panose="020B0300000000000000" pitchFamily="34" charset="-128"/>
                 <a:ea typeface="Hiragino Kaku Gothic Pro W3" panose="020B0300000000000000" pitchFamily="34" charset="-128"/>
               </a:rPr>
@@ -8797,21 +9087,21 @@
               <a:t>B1</a:t>
             </a:r>
             <a:r>
-              <a:rPr kumimoji="1" lang="ja-JP" altLang="en-US" sz="5400">
+              <a:rPr kumimoji="1" lang="ja-JP" altLang="en-US" sz="5400" dirty="0">
                 <a:latin typeface="Hiragino Kaku Gothic Pro W3" panose="020B0300000000000000" pitchFamily="34" charset="-128"/>
                 <a:ea typeface="Hiragino Kaku Gothic Pro W3" panose="020B0300000000000000" pitchFamily="34" charset="-128"/>
               </a:rPr>
               <a:t>班</a:t>
             </a:r>
             <a:r>
-              <a:rPr lang="ja-JP" altLang="en-US" sz="5400">
+              <a:rPr lang="ja-JP" altLang="en-US" sz="5400" dirty="0">
                 <a:latin typeface="Hiragino Kaku Gothic Pro W3" panose="020B0300000000000000" pitchFamily="34" charset="-128"/>
                 <a:ea typeface="Hiragino Kaku Gothic Pro W3" panose="020B0300000000000000" pitchFamily="34" charset="-128"/>
               </a:rPr>
               <a:t>　</a:t>
             </a:r>
             <a:r>
-              <a:rPr kumimoji="1" lang="ja-JP" altLang="en-US" sz="5400">
+              <a:rPr kumimoji="1" lang="ja-JP" altLang="en-US" sz="5400" dirty="0">
                 <a:latin typeface="Hiragino Kaku Gothic Pro W3" panose="020B0300000000000000" pitchFamily="34" charset="-128"/>
                 <a:ea typeface="Hiragino Kaku Gothic Pro W3" panose="020B0300000000000000" pitchFamily="34" charset="-128"/>
               </a:rPr>
@@ -9217,43 +9507,47 @@
             <a:r>
               <a:rPr lang="en-US" altLang="ja-JP" sz="2400" dirty="0">
                 <a:latin typeface="DIN Alternate" panose="020B0500000000000000"/>
-                <a:ea typeface="Hiragino Kaku Gothic Pro W3" panose="020B0300000000000000" pitchFamily="34" charset="-128"/>
+                <a:ea typeface="Hiragino Kaku Gothic Pro W3" panose="020B0300000000000000"/>
               </a:rPr>
               <a:t>Microsoft</a:t>
             </a:r>
             <a:r>
               <a:rPr lang="ja-JP" altLang="en-US" sz="2400" dirty="0">
                 <a:latin typeface="Hiragino Kaku Gothic Pro W3" panose="020B0300000000000000" pitchFamily="34" charset="-128"/>
-                <a:ea typeface="Hiragino Kaku Gothic Pro W3" panose="020B0300000000000000" pitchFamily="34" charset="-128"/>
+                <a:ea typeface="Hiragino Kaku Gothic Pro W3" panose="020B0300000000000000"/>
               </a:rPr>
               <a:t>の</a:t>
             </a:r>
             <a:r>
               <a:rPr lang="en-US" altLang="ja-JP" sz="2400" dirty="0">
                 <a:latin typeface="DIN Alternate" panose="020B0500000000000000"/>
-                <a:ea typeface="Hiragino Kaku Gothic Pro W3" panose="020B0300000000000000" pitchFamily="34" charset="-128"/>
+                <a:ea typeface="Hiragino Kaku Gothic Pro W3" panose="020B0300000000000000"/>
               </a:rPr>
               <a:t>OSS</a:t>
             </a:r>
           </a:p>
           <a:p>
             <a:r>
-              <a:rPr lang="ja-JP" altLang="en-US" sz="2400" dirty="0"/>
+              <a:rPr lang="ja-JP" altLang="en-US" sz="2400" dirty="0">
+                <a:ea typeface="Hiragino Kaku Gothic Pro W3" panose="020B0300000000000000"/>
+              </a:rPr>
               <a:t>複数の決定木で学習させる手法</a:t>
             </a:r>
-            <a:endParaRPr lang="en-US" altLang="ja-JP" sz="2400" dirty="0"/>
+            <a:endParaRPr lang="en-US" altLang="ja-JP" sz="2400" dirty="0">
+              <a:ea typeface="Hiragino Kaku Gothic Pro W3" panose="020B0300000000000000"/>
+            </a:endParaRPr>
           </a:p>
           <a:p>
             <a:r>
               <a:rPr lang="ja-JP" altLang="en-US" sz="2400" dirty="0">
                 <a:latin typeface="Hiragino Kaku Gothic Pro W3" panose="020B0300000000000000" pitchFamily="34" charset="-128"/>
-                <a:ea typeface="Hiragino Kaku Gothic Pro W3" panose="020B0300000000000000" pitchFamily="34" charset="-128"/>
+                <a:ea typeface="Hiragino Kaku Gothic Pro W3" panose="020B0300000000000000"/>
               </a:rPr>
               <a:t>特徴量の重要度を出力できる</a:t>
             </a:r>
             <a:endParaRPr lang="en-US" altLang="ja-JP" sz="2400" dirty="0">
               <a:latin typeface="Hiragino Kaku Gothic Pro W3" panose="020B0300000000000000" pitchFamily="34" charset="-128"/>
-              <a:ea typeface="Hiragino Kaku Gothic Pro W3" panose="020B0300000000000000" pitchFamily="34" charset="-128"/>
+              <a:ea typeface="Hiragino Kaku Gothic Pro W3" panose="020B0300000000000000"/>
             </a:endParaRPr>
           </a:p>
         </p:txBody>
@@ -9329,7 +9623,9 @@
           <a:p>
             <a:pPr algn="ctr"/>
             <a:r>
-              <a:rPr kumimoji="1" lang="ja-JP" altLang="en-US" dirty="0"/>
+              <a:rPr kumimoji="1" lang="ja-JP" altLang="en-US" dirty="0">
+                <a:ea typeface="Hiragino Kaku Gothic Pro W3" panose="020B0300000000000000"/>
+              </a:rPr>
               <a:t>畳み込みニューラルネットワークの例</a:t>
             </a:r>
           </a:p>
@@ -9408,14 +9704,19 @@
             <a:r>
               <a:rPr kumimoji="1" lang="en-US" altLang="ja-JP" dirty="0" err="1">
                 <a:latin typeface="DIN Alternate"/>
+                <a:ea typeface="Hiragino Kaku Gothic Pro W3" panose="020B0300000000000000"/>
               </a:rPr>
               <a:t>LightGBM</a:t>
             </a:r>
             <a:r>
-              <a:rPr kumimoji="1" lang="ja-JP" altLang="en-US" dirty="0"/>
+              <a:rPr kumimoji="1" lang="ja-JP" altLang="en-US" dirty="0">
+                <a:ea typeface="Hiragino Kaku Gothic Pro W3" panose="020B0300000000000000"/>
+              </a:rPr>
               <a:t>の基本アルゴリズム</a:t>
             </a:r>
-            <a:endParaRPr kumimoji="1" lang="en-US" altLang="ja-JP" dirty="0"/>
+            <a:endParaRPr kumimoji="1" lang="en-US" altLang="ja-JP" dirty="0">
+              <a:ea typeface="Hiragino Kaku Gothic Pro W3" panose="020B0300000000000000"/>
+            </a:endParaRPr>
           </a:p>
         </p:txBody>
       </p:sp>
@@ -9433,7 +9734,7 @@
         </p:nvSpPr>
         <p:spPr>
           <a:xfrm>
-            <a:off x="7224981" y="5984374"/>
+            <a:off x="7224981" y="6335386"/>
             <a:ext cx="4520789" cy="369332"/>
           </a:xfrm>
           <a:prstGeom prst="rect">
@@ -9700,7 +10001,19 @@
             </a:pPr>
             <a:r>
               <a:rPr lang="ja-JP" altLang="en-US" dirty="0"/>
-              <a:t>基本的に外部データを使用せずに精度の向上を目指す</a:t>
+              <a:t>基本的に</a:t>
+            </a:r>
+            <a:r>
+              <a:rPr lang="ja-JP" altLang="en-US" b="1" dirty="0">
+                <a:solidFill>
+                  <a:schemeClr val="accent2"/>
+                </a:solidFill>
+              </a:rPr>
+              <a:t>外部データを使用せず</a:t>
+            </a:r>
+            <a:r>
+              <a:rPr lang="ja-JP" altLang="en-US" dirty="0"/>
+              <a:t>に精度の向上を目指す</a:t>
             </a:r>
             <a:endParaRPr lang="en-US" altLang="ja-JP" dirty="0"/>
           </a:p>
@@ -9712,15 +10025,35 @@
             </a:pPr>
             <a:r>
               <a:rPr lang="ja-JP" altLang="en-US" dirty="0"/>
-              <a:t>また、意図的に検証データに寄せる</a:t>
-            </a:r>
-            <a:r>
-              <a:rPr lang="en-US" altLang="ja-JP" dirty="0"/>
+              <a:t>また、</a:t>
+            </a:r>
+            <a:r>
+              <a:rPr lang="ja-JP" altLang="en-US" b="1" dirty="0">
+                <a:solidFill>
+                  <a:schemeClr val="accent2"/>
+                </a:solidFill>
+              </a:rPr>
+              <a:t>意図的に検証データに寄せる</a:t>
+            </a:r>
+            <a:r>
+              <a:rPr lang="en-US" altLang="ja-JP" b="1" dirty="0">
+                <a:solidFill>
+                  <a:schemeClr val="accent2"/>
+                </a:solidFill>
+              </a:rPr>
               <a:t>(Leakage)</a:t>
             </a:r>
             <a:r>
+              <a:rPr lang="ja-JP" altLang="en-US" b="1" dirty="0">
+                <a:solidFill>
+                  <a:schemeClr val="accent2"/>
+                </a:solidFill>
+              </a:rPr>
+              <a:t>行為</a:t>
+            </a:r>
+            <a:r>
               <a:rPr lang="ja-JP" altLang="en-US" dirty="0"/>
-              <a:t>行為を禁止</a:t>
+              <a:t>を禁止</a:t>
             </a:r>
             <a:endParaRPr lang="en-US" altLang="ja-JP" dirty="0"/>
           </a:p>
@@ -10506,8 +10839,8 @@
         </p:blipFill>
         <p:spPr>
           <a:xfrm>
-            <a:off x="8628997" y="1457167"/>
-            <a:ext cx="2965201" cy="2035762"/>
+            <a:off x="8790480" y="1440772"/>
+            <a:ext cx="2630022" cy="1805644"/>
           </a:xfrm>
           <a:prstGeom prst="rect">
             <a:avLst/>
@@ -10536,8 +10869,8 @@
         </p:blipFill>
         <p:spPr>
           <a:xfrm>
-            <a:off x="5821578" y="1457167"/>
-            <a:ext cx="2807419" cy="2205354"/>
+            <a:off x="6330410" y="1440773"/>
+            <a:ext cx="2298587" cy="1805644"/>
           </a:xfrm>
           <a:prstGeom prst="rect">
             <a:avLst/>
@@ -10577,8 +10910,8 @@
         </p:blipFill>
         <p:spPr>
           <a:xfrm>
-            <a:off x="6195016" y="3662521"/>
-            <a:ext cx="4867962" cy="1361237"/>
+            <a:off x="6504077" y="3527105"/>
+            <a:ext cx="3883841" cy="1086045"/>
           </a:xfrm>
           <a:prstGeom prst="rect">
             <a:avLst/>
@@ -10618,8 +10951,8 @@
         </p:blipFill>
         <p:spPr>
           <a:xfrm>
-            <a:off x="6680419" y="5193350"/>
-            <a:ext cx="4220122" cy="1465244"/>
+            <a:off x="6504077" y="4984728"/>
+            <a:ext cx="3509935" cy="1218664"/>
           </a:xfrm>
           <a:prstGeom prst="rect">
             <a:avLst/>
@@ -10747,7 +11080,7 @@
           <a:p>
             <a:r>
               <a:rPr lang="ja-JP" altLang="en-US" dirty="0"/>
-              <a:t>精度が高かった手法</a:t>
+              <a:t>認識精度が高かった手法</a:t>
             </a:r>
             <a:endParaRPr kumimoji="1" lang="ja-JP" altLang="en-US" dirty="0"/>
           </a:p>
@@ -10790,14 +11123,22 @@
               <a:t>マッチング　</a:t>
             </a:r>
             <a:r>
-              <a:rPr kumimoji="1" lang="en-US" altLang="ja-JP" dirty="0"/>
+              <a:rPr kumimoji="1" lang="en-US" altLang="ja-JP" b="1" dirty="0"/>
               <a:t>79%</a:t>
             </a:r>
           </a:p>
           <a:p>
             <a:pPr lvl="1"/>
             <a:r>
+              <a:rPr lang="ja-JP" altLang="en-US" dirty="0">
+                <a:latin typeface="DIN Alternate" panose="020B0500000000000000"/>
+                <a:ea typeface="Hiragino Kaku Gothic Pro W3" panose="020B0300000000000000"/>
+              </a:rPr>
+              <a:t>エッジ検出後の</a:t>
+            </a:r>
+            <a:r>
               <a:rPr lang="en-US" altLang="ja-JP" dirty="0">
+                <a:latin typeface="DIN Alternate" panose="020B0500000000000000"/>
                 <a:ea typeface="Hiragino Kaku Gothic Pro W3" panose="020B0300000000000000"/>
               </a:rPr>
               <a:t>DCT</a:t>
@@ -10822,7 +11163,7 @@
               <a:t>　</a:t>
             </a:r>
             <a:r>
-              <a:rPr kumimoji="1" lang="en-US" altLang="ja-JP" dirty="0"/>
+              <a:rPr kumimoji="1" lang="en-US" altLang="ja-JP" b="1" dirty="0"/>
               <a:t>62%</a:t>
             </a:r>
           </a:p>
@@ -10874,7 +11215,7 @@
               <a:t>ピクセルマッチング　</a:t>
             </a:r>
             <a:r>
-              <a:rPr lang="en-US" altLang="ja-JP" dirty="0"/>
+              <a:rPr lang="en-US" altLang="ja-JP" b="1" dirty="0"/>
               <a:t>50%</a:t>
             </a:r>
           </a:p>
@@ -10911,7 +11252,7 @@
           <p:nvPr>
             <p:extLst>
               <p:ext uri="{D42A27DB-BD31-4B8C-83A1-F6EECF244321}">
-                <p14:modId xmlns:p14="http://schemas.microsoft.com/office/powerpoint/2010/main" val="1248216839"/>
+                <p14:modId xmlns:p14="http://schemas.microsoft.com/office/powerpoint/2010/main" val="2004681767"/>
               </p:ext>
             </p:extLst>
           </p:nvPr>
@@ -11128,7 +11469,22 @@
               <a:rPr lang="ja-JP" altLang="en-US" dirty="0">
                 <a:ea typeface="Hiragino Kaku Gothic Pro W3" panose="020B0300000000000000"/>
               </a:rPr>
-              <a:t>程度は学習データから乖離していることがわかる</a:t>
+              <a:t>程度は間違えているので、</a:t>
+            </a:r>
+            <a:r>
+              <a:rPr lang="ja-JP" altLang="en-US" b="1" dirty="0">
+                <a:solidFill>
+                  <a:schemeClr val="accent2"/>
+                </a:solidFill>
+                <a:ea typeface="Hiragino Kaku Gothic Pro W3" panose="020B0300000000000000"/>
+              </a:rPr>
+              <a:t>過学習</a:t>
+            </a:r>
+            <a:r>
+              <a:rPr lang="ja-JP" altLang="en-US" dirty="0">
+                <a:ea typeface="Hiragino Kaku Gothic Pro W3" panose="020B0300000000000000"/>
+              </a:rPr>
+              <a:t>してしまっている</a:t>
             </a:r>
             <a:endParaRPr lang="en-US" altLang="ja-JP" dirty="0">
               <a:ea typeface="Hiragino Kaku Gothic Pro W3" panose="020B0300000000000000"/>
@@ -12073,7 +12429,7 @@
               <a:rPr lang="ja-JP" altLang="en-US" dirty="0">
                 <a:ea typeface="Hiragino Kaku Gothic Pro W3" panose="020B0300000000000000"/>
               </a:rPr>
-              <a:t>このように独立なデータをもっと特徴量として抽出する必要がある</a:t>
+              <a:t>このように固有のデータをもっと特徴量として抽出する必要がある</a:t>
             </a:r>
             <a:endParaRPr lang="en-US" altLang="ja-JP" dirty="0">
               <a:ea typeface="Hiragino Kaku Gothic Pro W3" panose="020B0300000000000000"/>
@@ -12255,24 +12611,24 @@
               </a:lnSpc>
             </a:pPr>
             <a:r>
-              <a:rPr lang="ja-JP" altLang="en-US">
+              <a:rPr lang="ja-JP" altLang="en-US" dirty="0">
                 <a:ea typeface="Hiragino Kaku Gothic Pro W3" panose="020B0300000000000000"/>
               </a:rPr>
               <a:t>データベースとクエリを</a:t>
             </a:r>
             <a:r>
-              <a:rPr lang="en-US" altLang="ja-JP">
+              <a:rPr lang="en-US" altLang="ja-JP" dirty="0">
                 <a:ea typeface="Hiragino Kaku Gothic Pro W3" panose="020B0300000000000000"/>
               </a:rPr>
               <a:t>GUI</a:t>
             </a:r>
             <a:r>
-              <a:rPr lang="ja-JP" altLang="en-US">
+              <a:rPr lang="ja-JP" altLang="en-US" dirty="0">
                 <a:ea typeface="Hiragino Kaku Gothic Pro W3" panose="020B0300000000000000"/>
               </a:rPr>
               <a:t>で操作</a:t>
             </a:r>
-            <a:endParaRPr lang="en-US" altLang="ja-JP">
+            <a:endParaRPr lang="en-US" altLang="ja-JP" dirty="0">
               <a:ea typeface="Hiragino Kaku Gothic Pro W3" panose="020B0300000000000000"/>
             </a:endParaRPr>
           </a:p>
@@ -12283,12 +12639,12 @@
               </a:lnSpc>
             </a:pPr>
             <a:r>
-              <a:rPr lang="ja-JP" altLang="en-US">
+              <a:rPr lang="ja-JP" altLang="en-US" dirty="0">
                 <a:ea typeface="Hiragino Kaku Gothic Pro W3" panose="020B0300000000000000"/>
               </a:rPr>
               <a:t>認識精度が最も良いアルゴリズムを適用</a:t>
             </a:r>
-            <a:endParaRPr lang="en-US" altLang="ja-JP">
+            <a:endParaRPr lang="en-US" altLang="ja-JP" dirty="0">
               <a:ea typeface="Hiragino Kaku Gothic Pro W3" panose="020B0300000000000000"/>
             </a:endParaRPr>
           </a:p>
@@ -12298,7 +12654,7 @@
                 <a:spcPct val="150000"/>
               </a:lnSpc>
             </a:pPr>
-            <a:endParaRPr lang="en-US" altLang="ja-JP">
+            <a:endParaRPr lang="en-US" altLang="ja-JP" dirty="0">
               <a:ea typeface="Hiragino Kaku Gothic Pro W3" panose="020B0300000000000000"/>
             </a:endParaRPr>
           </a:p>
@@ -12309,12 +12665,12 @@
               </a:lnSpc>
             </a:pPr>
             <a:r>
-              <a:rPr lang="ja-JP" altLang="en-US">
+              <a:rPr lang="ja-JP" altLang="en-US" dirty="0">
                 <a:ea typeface="Hiragino Kaku Gothic Pro W3" panose="020B0300000000000000"/>
               </a:rPr>
               <a:t>追加機能</a:t>
             </a:r>
-            <a:endParaRPr lang="en-US" altLang="ja-JP">
+            <a:endParaRPr lang="en-US" altLang="ja-JP" dirty="0">
               <a:ea typeface="Hiragino Kaku Gothic Pro W3" panose="020B0300000000000000"/>
             </a:endParaRPr>
           </a:p>
@@ -12325,12 +12681,12 @@
               </a:lnSpc>
             </a:pPr>
             <a:r>
-              <a:rPr lang="ja-JP" altLang="en-US">
+              <a:rPr lang="ja-JP" altLang="en-US" dirty="0">
                 <a:ea typeface="Hiragino Kaku Gothic Pro W3" panose="020B0300000000000000"/>
               </a:rPr>
               <a:t>カメラで顔登録する機能</a:t>
             </a:r>
-            <a:endParaRPr lang="en-US" altLang="ja-JP">
+            <a:endParaRPr lang="en-US" altLang="ja-JP" dirty="0">
               <a:ea typeface="Hiragino Kaku Gothic Pro W3" panose="020B0300000000000000"/>
             </a:endParaRPr>
           </a:p>
@@ -12341,12 +12697,12 @@
               </a:lnSpc>
             </a:pPr>
             <a:r>
-              <a:rPr lang="ja-JP" altLang="en-US">
+              <a:rPr lang="ja-JP" altLang="en-US" dirty="0">
                 <a:ea typeface="Hiragino Kaku Gothic Pro W3" panose="020B0300000000000000"/>
               </a:rPr>
               <a:t>顔の読み取りでロック解除など</a:t>
             </a:r>
-            <a:endParaRPr lang="en-US" altLang="ja-JP">
+            <a:endParaRPr lang="en-US" altLang="ja-JP" dirty="0">
               <a:ea typeface="Hiragino Kaku Gothic Pro W3" panose="020B0300000000000000"/>
             </a:endParaRPr>
           </a:p>
@@ -12357,14 +12713,14 @@
               </a:lnSpc>
             </a:pPr>
             <a:r>
-              <a:rPr lang="en-US" altLang="ja-JP">
+              <a:rPr lang="en-US" altLang="ja-JP" dirty="0">
                 <a:latin typeface="DIN Alternate" panose="020B0500000000000000"/>
                 <a:ea typeface="Hiragino Kaku Gothic Pro W3" panose="020B0300000000000000"/>
               </a:rPr>
               <a:t>GUI</a:t>
             </a:r>
             <a:r>
-              <a:rPr lang="ja-JP" altLang="en-US">
+              <a:rPr lang="ja-JP" altLang="en-US" dirty="0">
                 <a:ea typeface="Hiragino Kaku Gothic Pro W3" panose="020B0300000000000000"/>
               </a:rPr>
               <a:t>改善</a:t>
@@ -12634,6 +12990,17 @@
               <a:rPr lang="en-US" altLang="ja-JP" dirty="0"/>
               <a:t>)</a:t>
             </a:r>
+          </a:p>
+          <a:p>
+            <a:pPr>
+              <a:lnSpc>
+                <a:spcPct val="150000"/>
+              </a:lnSpc>
+            </a:pPr>
+            <a:r>
+              <a:rPr kumimoji="1" lang="ja-JP" altLang="en-US" dirty="0"/>
+              <a:t>未登録の場合未登録だと判定する機能</a:t>
+            </a:r>
             <a:endParaRPr kumimoji="1" lang="en-US" altLang="ja-JP" dirty="0"/>
           </a:p>
           <a:p>
@@ -12918,7 +13285,7 @@
           <a:lstStyle/>
           <a:p>
             <a:r>
-              <a:rPr kumimoji="1" lang="ja-JP" altLang="en-US"/>
+              <a:rPr kumimoji="1" lang="ja-JP" altLang="en-US" dirty="0"/>
               <a:t>実験目的</a:t>
             </a:r>
           </a:p>
@@ -12943,12 +13310,12 @@
         <p:spPr>
           <a:xfrm>
             <a:off x="838200" y="1825625"/>
-            <a:ext cx="10515600" cy="3831463"/>
+            <a:ext cx="9717350" cy="3831463"/>
           </a:xfrm>
         </p:spPr>
         <p:txBody>
           <a:bodyPr>
-            <a:normAutofit fontScale="92500" lnSpcReduction="10000"/>
+            <a:normAutofit fontScale="92500" lnSpcReduction="20000"/>
           </a:bodyPr>
           <a:lstStyle/>
           <a:p>
@@ -12960,7 +13327,20 @@
             </a:pPr>
             <a:r>
               <a:rPr lang="ja-JP" altLang="en-US" sz="3200" dirty="0"/>
-              <a:t>「キムタクに一番似ているのは誰か」という疑問や、「顔をパスワードの代わりとして利用したい」と言った要求に答えるシステムを開発する。代表的なパターン識別手法 </a:t>
+              <a:t>「キムタクに一番似ているのは誰か」という疑問や、「顔をパスワードの代わりとして利用したい」と言った要求に答えるシステムを開発する。代表的なパターン</a:t>
+            </a:r>
+            <a:endParaRPr lang="en-US" altLang="ja-JP" sz="3200" dirty="0"/>
+          </a:p>
+          <a:p>
+            <a:pPr marL="0" indent="0">
+              <a:lnSpc>
+                <a:spcPct val="170000"/>
+              </a:lnSpc>
+              <a:buNone/>
+            </a:pPr>
+            <a:r>
+              <a:rPr lang="ja-JP" altLang="en-US" sz="3200" dirty="0"/>
+              <a:t>識別手法 </a:t>
             </a:r>
             <a:r>
               <a:rPr lang="en-US" altLang="ja-JP" sz="3200" dirty="0"/>
@@ -12976,7 +13356,20 @@
             </a:r>
             <a:r>
               <a:rPr lang="ja-JP" altLang="en-US" sz="3200" dirty="0"/>
-              <a:t>を学びながら、高速で認識率のよいアルゴリズムを作成する。</a:t>
+              <a:t>を学びながら、</a:t>
+            </a:r>
+            <a:endParaRPr lang="en-US" altLang="ja-JP" sz="3200" dirty="0"/>
+          </a:p>
+          <a:p>
+            <a:pPr marL="0" indent="0">
+              <a:lnSpc>
+                <a:spcPct val="170000"/>
+              </a:lnSpc>
+              <a:buNone/>
+            </a:pPr>
+            <a:r>
+              <a:rPr lang="ja-JP" altLang="en-US" sz="3200" dirty="0"/>
+              <a:t>高速で認識率のよいアルゴリズムを作成する。</a:t>
             </a:r>
             <a:endParaRPr lang="en-US" altLang="ja-JP" dirty="0"/>
           </a:p>
@@ -13858,7 +14251,7 @@
           <a:lstStyle/>
           <a:p>
             <a:r>
-              <a:rPr kumimoji="1" lang="ja-JP" altLang="en-US"/>
+              <a:rPr kumimoji="1" lang="ja-JP" altLang="en-US" dirty="0"/>
               <a:t>使用データセット</a:t>
             </a:r>
           </a:p>
@@ -13945,10 +14338,10 @@
               <a:buChar char="Ø"/>
             </a:pPr>
             <a:r>
-              <a:rPr lang="ja-JP" altLang="en-US" sz="3400" dirty="0"/>
+              <a:rPr lang="ja-JP" altLang="en-US" sz="3600" dirty="0"/>
               <a:t>人によって枚数は異なる</a:t>
             </a:r>
-            <a:endParaRPr lang="en-US" altLang="ja-JP" sz="3400" dirty="0"/>
+            <a:endParaRPr lang="en-US" altLang="ja-JP" sz="3600" dirty="0"/>
           </a:p>
           <a:p>
             <a:pPr lvl="1">
@@ -13956,22 +14349,34 @@
               <a:buChar char="Ø"/>
             </a:pPr>
             <a:r>
-              <a:rPr lang="en-US" altLang="ja-JP" sz="3400" dirty="0"/>
+              <a:rPr lang="en-US" altLang="ja-JP" sz="3600" dirty="0"/>
               <a:t>58</a:t>
             </a:r>
             <a:r>
-              <a:rPr lang="ja-JP" altLang="en-US" sz="3400" dirty="0"/>
+              <a:rPr lang="ja-JP" altLang="en-US" sz="3600" dirty="0"/>
               <a:t>枚の内</a:t>
             </a:r>
             <a:r>
-              <a:rPr lang="en-US" altLang="ja-JP" sz="3400" dirty="0"/>
+              <a:rPr lang="en-US" altLang="ja-JP" sz="3600" dirty="0"/>
               <a:t>2</a:t>
             </a:r>
             <a:r>
-              <a:rPr lang="ja-JP" altLang="en-US" sz="3400" dirty="0"/>
-              <a:t>枚は登録されていない人物</a:t>
-            </a:r>
-            <a:endParaRPr lang="en-US" altLang="ja-JP" sz="3800" dirty="0"/>
+              <a:rPr lang="ja-JP" altLang="en-US" sz="3600" dirty="0"/>
+              <a:t>枚は</a:t>
+            </a:r>
+            <a:r>
+              <a:rPr lang="ja-JP" altLang="en-US" sz="3600" b="1" dirty="0">
+                <a:solidFill>
+                  <a:schemeClr val="accent2"/>
+                </a:solidFill>
+              </a:rPr>
+              <a:t>登録されていない</a:t>
+            </a:r>
+            <a:r>
+              <a:rPr lang="ja-JP" altLang="en-US" sz="3600" dirty="0"/>
+              <a:t>人物</a:t>
+            </a:r>
+            <a:endParaRPr lang="en-US" altLang="ja-JP" sz="3600" dirty="0"/>
           </a:p>
           <a:p>
             <a:pPr>
@@ -13980,38 +14385,70 @@
               </a:lnSpc>
             </a:pPr>
             <a:r>
-              <a:rPr lang="ja-JP" altLang="en-US" sz="3800" dirty="0"/>
-              <a:t>正答率は正解数</a:t>
-            </a:r>
-            <a:r>
-              <a:rPr lang="en-US" altLang="ja-JP" sz="3800" dirty="0"/>
+              <a:rPr lang="ja-JP" altLang="en-US" sz="3600" dirty="0"/>
+              <a:t>認識精度は「</a:t>
+            </a:r>
+            <a:r>
+              <a:rPr lang="ja-JP" altLang="en-US" sz="3600" b="1" dirty="0">
+                <a:solidFill>
+                  <a:schemeClr val="accent2"/>
+                </a:solidFill>
+              </a:rPr>
+              <a:t>正解数</a:t>
+            </a:r>
+            <a:r>
+              <a:rPr lang="en-US" altLang="ja-JP" sz="3600" b="1" dirty="0">
+                <a:solidFill>
+                  <a:schemeClr val="accent2"/>
+                </a:solidFill>
+              </a:rPr>
               <a:t>÷</a:t>
             </a:r>
             <a:r>
-              <a:rPr lang="ja-JP" altLang="en-US" sz="3800" dirty="0"/>
-              <a:t>クエリデータ数</a:t>
-            </a:r>
-            <a:r>
-              <a:rPr lang="en-US" altLang="ja-JP" sz="3800" dirty="0">
+              <a:rPr lang="ja-JP" altLang="en-US" sz="3600" b="1" dirty="0">
+                <a:solidFill>
+                  <a:schemeClr val="accent2"/>
+                </a:solidFill>
+              </a:rPr>
+              <a:t>クエリ数</a:t>
+            </a:r>
+            <a:r>
+              <a:rPr lang="en-US" altLang="ja-JP" sz="3600" b="1" dirty="0">
+                <a:solidFill>
+                  <a:schemeClr val="accent2"/>
+                </a:solidFill>
                 <a:ea typeface="Hiragino Kaku Gothic Pro W3" panose="020B0300000000000000"/>
               </a:rPr>
               <a:t>(</a:t>
             </a:r>
             <a:r>
-              <a:rPr lang="en-US" altLang="ja-JP" sz="3800" dirty="0"/>
+              <a:rPr lang="en-US" altLang="ja-JP" sz="3600" b="1" dirty="0">
+                <a:solidFill>
+                  <a:schemeClr val="accent2"/>
+                </a:solidFill>
+              </a:rPr>
               <a:t>58</a:t>
             </a:r>
             <a:r>
-              <a:rPr lang="en-US" altLang="ja-JP" sz="3800" dirty="0">
+              <a:rPr lang="en-US" altLang="ja-JP" sz="3600" b="1" dirty="0">
+                <a:solidFill>
+                  <a:schemeClr val="accent2"/>
+                </a:solidFill>
                 <a:ea typeface="Hiragino Kaku Gothic Pro W3" panose="020B0300000000000000"/>
               </a:rPr>
               <a:t>)</a:t>
             </a:r>
             <a:r>
-              <a:rPr lang="ja-JP" altLang="en-US" sz="3800" dirty="0"/>
+              <a:rPr lang="ja-JP" altLang="en-US" sz="3600" dirty="0">
+                <a:ea typeface="Hiragino Kaku Gothic Pro W3" panose="020B0300000000000000"/>
+              </a:rPr>
+              <a:t>」</a:t>
+            </a:r>
+            <a:r>
+              <a:rPr lang="ja-JP" altLang="en-US" sz="3600" dirty="0"/>
               <a:t>で計算</a:t>
             </a:r>
-            <a:endParaRPr lang="en-US" altLang="ja-JP" sz="3800" dirty="0"/>
+            <a:endParaRPr lang="en-US" altLang="ja-JP" sz="3600" dirty="0"/>
           </a:p>
         </p:txBody>
       </p:sp>
@@ -15606,8 +16043,8 @@
         </p:nvSpPr>
         <p:spPr>
           <a:xfrm>
-            <a:off x="594215" y="5241283"/>
-            <a:ext cx="5416868" cy="830997"/>
+            <a:off x="1155604" y="5135557"/>
+            <a:ext cx="3358612" cy="461665"/>
           </a:xfrm>
           <a:prstGeom prst="rect">
             <a:avLst/>
@@ -15622,41 +16059,24 @@
           <a:p>
             <a:pPr algn="ctr"/>
             <a:r>
-              <a:rPr kumimoji="1" lang="en-US" altLang="ja-JP" sz="2400" dirty="0" err="1">
+              <a:rPr lang="en-US" altLang="ja-JP" sz="2400" dirty="0">
                 <a:latin typeface="DIN Alternate" panose="020B0500000000000000"/>
                 <a:ea typeface="Hiragino Kaku Gothic Pro W3" panose="020B0300000000000000"/>
               </a:rPr>
-              <a:t>Haar</a:t>
-            </a:r>
-            <a:r>
-              <a:rPr kumimoji="1" lang="en-US" altLang="ja-JP" sz="2400" dirty="0">
+              <a:t>OpenCV</a:t>
+            </a:r>
+            <a:r>
+              <a:rPr lang="ja-JP" altLang="en-US" sz="2400" dirty="0">
                 <a:latin typeface="DIN Alternate" panose="020B0500000000000000"/>
                 <a:ea typeface="Hiragino Kaku Gothic Pro W3" panose="020B0300000000000000"/>
               </a:rPr>
-              <a:t>-Like</a:t>
-            </a:r>
-            <a:r>
-              <a:rPr kumimoji="1" lang="ja-JP" altLang="en-US" sz="2400" dirty="0">
-                <a:ea typeface="Hiragino Kaku Gothic Pro W3" panose="020B0300000000000000"/>
-              </a:rPr>
-              <a:t>特徴</a:t>
+              <a:t>で顔を切り出し</a:t>
             </a:r>
             <a:endParaRPr lang="en-US" altLang="ja-JP" sz="2400" dirty="0">
+              <a:latin typeface="DIN Alternate" panose="020B0500000000000000"/>
               <a:ea typeface="Hiragino Kaku Gothic Pro W3" panose="020B0300000000000000"/>
             </a:endParaRPr>
           </a:p>
-          <a:p>
-            <a:pPr algn="ctr"/>
-            <a:r>
-              <a:rPr lang="ja-JP" altLang="en-US" sz="2400" dirty="0">
-                <a:ea typeface="Hiragino Kaku Gothic Pro W3" panose="020B0300000000000000"/>
-              </a:rPr>
-              <a:t>検出領域の明暗差により特徴を捉える</a:t>
-            </a:r>
-            <a:endParaRPr kumimoji="1" lang="ja-JP" altLang="en-US" sz="2400" dirty="0">
-              <a:ea typeface="Hiragino Kaku Gothic Pro W3" panose="020B0300000000000000"/>
-            </a:endParaRPr>
-          </a:p>
         </p:txBody>
       </p:sp>
       <p:sp>
@@ -15673,8 +16093,8 @@
         </p:nvSpPr>
         <p:spPr>
           <a:xfrm>
-            <a:off x="1571735" y="5952320"/>
-            <a:ext cx="3118339" cy="584775"/>
+            <a:off x="760650" y="6392446"/>
+            <a:ext cx="5592933" cy="338554"/>
           </a:xfrm>
           <a:prstGeom prst="rect">
             <a:avLst/>
@@ -15692,28 +16112,7 @@
               <a:rPr lang="en" altLang="ja-JP" sz="1600" dirty="0">
                 <a:latin typeface="DIN Alternate" panose="020B0500000000000000"/>
               </a:rPr>
-              <a:t>OpenCV Face Detection: Visualized</a:t>
-            </a:r>
-          </a:p>
-          <a:p>
-            <a:pPr algn="r"/>
-            <a:r>
-              <a:rPr lang="en" altLang="ja-JP" sz="1600" dirty="0">
-                <a:latin typeface="DIN Alternate" panose="020B0500000000000000"/>
-              </a:rPr>
-              <a:t>https://</a:t>
-            </a:r>
-            <a:r>
-              <a:rPr lang="en" altLang="ja-JP" sz="1600" dirty="0" err="1">
-                <a:latin typeface="DIN Alternate" panose="020B0500000000000000"/>
-              </a:rPr>
-              <a:t>vimeo.com</a:t>
-            </a:r>
-            <a:r>
-              <a:rPr lang="en" altLang="ja-JP" sz="1600" dirty="0">
-                <a:latin typeface="DIN Alternate" panose="020B0500000000000000"/>
-              </a:rPr>
-              <a:t>/12774628</a:t>
+              <a:t>OpenCV Face Detection: Visualized  https://vimeo.com/12774628</a:t>
             </a:r>
             <a:endParaRPr kumimoji="1" lang="ja-JP" altLang="en-US" sz="1600" dirty="0">
               <a:latin typeface="DIN Alternate" panose="020B0500000000000000"/>
@@ -15727,36 +16126,6 @@
             <a:extLst>
               <a:ext uri="{FF2B5EF4-FFF2-40B4-BE49-F238E27FC236}">
                 <a16:creationId xmlns:a16="http://schemas.microsoft.com/office/drawing/2014/main" id="{27FEBE8D-2D90-F14C-A76E-F652F1EFD5E5}"/>
-              </a:ext>
-            </a:extLst>
-          </p:cNvPr>
-          <p:cNvPicPr>
-            <a:picLocks noChangeAspect="1"/>
-          </p:cNvPicPr>
-          <p:nvPr/>
-        </p:nvPicPr>
-        <p:blipFill>
-          <a:blip r:embed="rId2"/>
-          <a:stretch>
-            <a:fillRect/>
-          </a:stretch>
-        </p:blipFill>
-        <p:spPr>
-          <a:xfrm>
-            <a:off x="1915225" y="2565435"/>
-            <a:ext cx="2774849" cy="2675848"/>
-          </a:xfrm>
-          <a:prstGeom prst="rect">
-            <a:avLst/>
-          </a:prstGeom>
-        </p:spPr>
-      </p:pic>
-      <p:pic>
-        <p:nvPicPr>
-          <p:cNvPr id="15" name="図 14">
-            <a:extLst>
-              <a:ext uri="{FF2B5EF4-FFF2-40B4-BE49-F238E27FC236}">
-                <a16:creationId xmlns:a16="http://schemas.microsoft.com/office/drawing/2014/main" id="{952D341B-D8B1-B84C-834B-7AFD9B48E793}"/>
               </a:ext>
             </a:extLst>
           </p:cNvPr>
@@ -15773,7 +16142,37 @@
         </p:blipFill>
         <p:spPr>
           <a:xfrm>
-            <a:off x="7033846" y="2565435"/>
+            <a:off x="1447486" y="2459709"/>
+            <a:ext cx="2774849" cy="2675848"/>
+          </a:xfrm>
+          <a:prstGeom prst="rect">
+            <a:avLst/>
+          </a:prstGeom>
+        </p:spPr>
+      </p:pic>
+      <p:pic>
+        <p:nvPicPr>
+          <p:cNvPr id="15" name="図 14">
+            <a:extLst>
+              <a:ext uri="{FF2B5EF4-FFF2-40B4-BE49-F238E27FC236}">
+                <a16:creationId xmlns:a16="http://schemas.microsoft.com/office/drawing/2014/main" id="{952D341B-D8B1-B84C-834B-7AFD9B48E793}"/>
+              </a:ext>
+            </a:extLst>
+          </p:cNvPr>
+          <p:cNvPicPr>
+            <a:picLocks noChangeAspect="1"/>
+          </p:cNvPicPr>
+          <p:nvPr/>
+        </p:nvPicPr>
+        <p:blipFill>
+          <a:blip r:embed="rId4"/>
+          <a:stretch>
+            <a:fillRect/>
+          </a:stretch>
+        </p:blipFill>
+        <p:spPr>
+          <a:xfrm>
+            <a:off x="7033846" y="2455024"/>
             <a:ext cx="3592747" cy="2675848"/>
           </a:xfrm>
           <a:prstGeom prst="rect">
@@ -15795,8 +16194,8 @@
         </p:nvSpPr>
         <p:spPr>
           <a:xfrm>
-            <a:off x="6737338" y="5241282"/>
-            <a:ext cx="4185762" cy="830997"/>
+            <a:off x="6952944" y="5135556"/>
+            <a:ext cx="3754554" cy="461665"/>
           </a:xfrm>
           <a:prstGeom prst="rect">
             <a:avLst/>
@@ -15827,18 +16226,6 @@
               <a:ea typeface="Hiragino Kaku Gothic Pro W3" panose="020B0300000000000000"/>
             </a:endParaRPr>
           </a:p>
-          <a:p>
-            <a:pPr algn="ctr"/>
-            <a:r>
-              <a:rPr lang="ja-JP" altLang="en-US" sz="2400" dirty="0">
-                <a:ea typeface="Hiragino Kaku Gothic Pro W3" panose="020B0300000000000000"/>
-              </a:rPr>
-              <a:t>点の座標から顔をトリミング</a:t>
-            </a:r>
-            <a:endParaRPr kumimoji="1" lang="ja-JP" altLang="en-US" sz="2400" dirty="0">
-              <a:ea typeface="Hiragino Kaku Gothic Pro W3" panose="020B0300000000000000"/>
-            </a:endParaRPr>
-          </a:p>
         </p:txBody>
       </p:sp>
       <p:sp>
@@ -15855,7 +16242,7 @@
         </p:nvSpPr>
         <p:spPr>
           <a:xfrm>
-            <a:off x="7627823" y="6154321"/>
+            <a:off x="8014403" y="6392446"/>
             <a:ext cx="2998770" cy="338554"/>
           </a:xfrm>
           <a:prstGeom prst="rect">
@@ -15943,6 +16330,168 @@
           <a:p>
             <a:pPr algn="ctr"/>
             <a:endParaRPr kumimoji="1" lang="ja-JP" altLang="en-US"/>
+          </a:p>
+        </p:txBody>
+      </p:sp>
+      <p:sp>
+        <p:nvSpPr>
+          <p:cNvPr id="6" name="正方形/長方形 5">
+            <a:extLst>
+              <a:ext uri="{FF2B5EF4-FFF2-40B4-BE49-F238E27FC236}">
+                <a16:creationId xmlns:a16="http://schemas.microsoft.com/office/drawing/2014/main" id="{5A349E19-1C75-446E-A2ED-371273D1852A}"/>
+              </a:ext>
+            </a:extLst>
+          </p:cNvPr>
+          <p:cNvSpPr/>
+          <p:nvPr/>
+        </p:nvSpPr>
+        <p:spPr>
+          <a:xfrm>
+            <a:off x="7033846" y="5597221"/>
+            <a:ext cx="4959885" cy="707886"/>
+          </a:xfrm>
+          <a:prstGeom prst="rect">
+            <a:avLst/>
+          </a:prstGeom>
+        </p:spPr>
+        <p:txBody>
+          <a:bodyPr wrap="square">
+            <a:spAutoFit/>
+          </a:bodyPr>
+          <a:lstStyle/>
+          <a:p>
+            <a:pPr marL="285750" indent="-285750">
+              <a:buFont typeface="Arial" panose="020B0604020202020204" pitchFamily="34" charset="0"/>
+              <a:buChar char="•"/>
+            </a:pPr>
+            <a:r>
+              <a:rPr lang="ja-JP" altLang="en-US" sz="2000" dirty="0">
+                <a:ea typeface="Hiragino Kaku Gothic Pro W3" panose="020B0300000000000000"/>
+              </a:rPr>
+              <a:t>全体</a:t>
+            </a:r>
+            <a:r>
+              <a:rPr lang="en-US" altLang="ja-JP" sz="2000" dirty="0">
+                <a:ea typeface="Hiragino Kaku Gothic Pro W3" panose="020B0300000000000000"/>
+              </a:rPr>
+              <a:t>/</a:t>
+            </a:r>
+            <a:r>
+              <a:rPr lang="ja-JP" altLang="en-US" sz="2000" dirty="0">
+                <a:ea typeface="Hiragino Kaku Gothic Pro W3" panose="020B0300000000000000"/>
+              </a:rPr>
+              <a:t>部位ごとのトリミングも可能</a:t>
+            </a:r>
+            <a:endParaRPr lang="en-US" altLang="ja-JP" sz="2000" dirty="0">
+              <a:ea typeface="Hiragino Kaku Gothic Pro W3" panose="020B0300000000000000"/>
+            </a:endParaRPr>
+          </a:p>
+          <a:p>
+            <a:pPr marL="285750" indent="-285750">
+              <a:buFont typeface="Arial" panose="020B0604020202020204" pitchFamily="34" charset="0"/>
+              <a:buChar char="•"/>
+            </a:pPr>
+            <a:r>
+              <a:rPr lang="ja-JP" altLang="en-US" sz="2000" dirty="0">
+                <a:ea typeface="Hiragino Kaku Gothic Pro W3" panose="020B0300000000000000"/>
+              </a:rPr>
+              <a:t>点の座標から特徴抽出</a:t>
+            </a:r>
+          </a:p>
+        </p:txBody>
+      </p:sp>
+      <p:sp>
+        <p:nvSpPr>
+          <p:cNvPr id="9" name="正方形/長方形 8">
+            <a:extLst>
+              <a:ext uri="{FF2B5EF4-FFF2-40B4-BE49-F238E27FC236}">
+                <a16:creationId xmlns:a16="http://schemas.microsoft.com/office/drawing/2014/main" id="{313D5E84-E01F-458D-AF16-86E0A87E7B85}"/>
+              </a:ext>
+            </a:extLst>
+          </p:cNvPr>
+          <p:cNvSpPr/>
+          <p:nvPr/>
+        </p:nvSpPr>
+        <p:spPr>
+          <a:xfrm>
+            <a:off x="1155604" y="5515283"/>
+            <a:ext cx="5197979" cy="707886"/>
+          </a:xfrm>
+          <a:prstGeom prst="rect">
+            <a:avLst/>
+          </a:prstGeom>
+        </p:spPr>
+        <p:txBody>
+          <a:bodyPr wrap="square">
+            <a:spAutoFit/>
+          </a:bodyPr>
+          <a:lstStyle/>
+          <a:p>
+            <a:pPr marL="342900" indent="-342900">
+              <a:buFont typeface="Arial" panose="020B0604020202020204" pitchFamily="34" charset="0"/>
+              <a:buChar char="•"/>
+            </a:pPr>
+            <a:r>
+              <a:rPr lang="en-US" altLang="ja-JP" sz="2000" dirty="0">
+                <a:latin typeface="DIN Alternate" panose="020B0500000000000000"/>
+                <a:ea typeface="Hiragino Kaku Gothic Pro W3" panose="020B0300000000000000"/>
+              </a:rPr>
+              <a:t>cascade</a:t>
+            </a:r>
+            <a:r>
+              <a:rPr lang="ja-JP" altLang="en-US" sz="2000" dirty="0">
+                <a:latin typeface="DIN Alternate" panose="020B0500000000000000"/>
+                <a:ea typeface="Hiragino Kaku Gothic Pro W3" panose="020B0300000000000000"/>
+              </a:rPr>
+              <a:t>分類器</a:t>
+            </a:r>
+            <a:r>
+              <a:rPr lang="en-US" altLang="ja-JP" sz="2000" dirty="0">
+                <a:latin typeface="DIN Alternate" panose="020B0500000000000000"/>
+                <a:ea typeface="Hiragino Kaku Gothic Pro W3" panose="020B0300000000000000"/>
+              </a:rPr>
+              <a:t>(</a:t>
+            </a:r>
+            <a:r>
+              <a:rPr lang="en-US" altLang="ja-JP" sz="2000" dirty="0" err="1">
+                <a:latin typeface="DIN Alternate" panose="020B0500000000000000"/>
+                <a:ea typeface="Hiragino Kaku Gothic Pro W3" panose="020B0300000000000000"/>
+              </a:rPr>
+              <a:t>Haar</a:t>
+            </a:r>
+            <a:r>
+              <a:rPr lang="en-US" altLang="ja-JP" sz="2000" dirty="0">
+                <a:latin typeface="DIN Alternate" panose="020B0500000000000000"/>
+                <a:ea typeface="Hiragino Kaku Gothic Pro W3" panose="020B0300000000000000"/>
+              </a:rPr>
+              <a:t>-Like</a:t>
+            </a:r>
+            <a:r>
+              <a:rPr lang="ja-JP" altLang="en-US" sz="2000" dirty="0">
+                <a:latin typeface="DIN Alternate" panose="020B0500000000000000"/>
+                <a:ea typeface="Hiragino Kaku Gothic Pro W3" panose="020B0300000000000000"/>
+              </a:rPr>
+              <a:t>特徴</a:t>
+            </a:r>
+            <a:r>
+              <a:rPr lang="en-US" altLang="ja-JP" sz="2000" dirty="0">
+                <a:latin typeface="DIN Alternate" panose="020B0500000000000000"/>
+                <a:ea typeface="Hiragino Kaku Gothic Pro W3" panose="020B0300000000000000"/>
+              </a:rPr>
+              <a:t>)</a:t>
+            </a:r>
+          </a:p>
+          <a:p>
+            <a:pPr marL="342900" indent="-342900">
+              <a:buFont typeface="Arial" panose="020B0604020202020204" pitchFamily="34" charset="0"/>
+              <a:buChar char="•"/>
+            </a:pPr>
+            <a:r>
+              <a:rPr lang="ja-JP" altLang="en-US" sz="2000" dirty="0">
+                <a:ea typeface="Hiragino Kaku Gothic Pro W3" panose="020B0300000000000000"/>
+              </a:rPr>
+              <a:t>検出領域の明暗差により特徴を捉える</a:t>
+            </a:r>
           </a:p>
         </p:txBody>
       </p:sp>
@@ -17178,7 +17727,12 @@
             <p:ph sz="half" idx="1"/>
           </p:nvPr>
         </p:nvSpPr>
-        <p:spPr/>
+        <p:spPr>
+          <a:xfrm>
+            <a:off x="838200" y="1825625"/>
+            <a:ext cx="5433680" cy="4351338"/>
+          </a:xfrm>
+        </p:spPr>
         <p:txBody>
           <a:bodyPr/>
           <a:lstStyle/>
@@ -17205,6 +17759,19 @@
               <a:latin typeface="Hiragino Kaku Gothic Pro W3" panose="020B0300000000000000" pitchFamily="34" charset="-128"/>
               <a:ea typeface="Hiragino Kaku Gothic Pro W3" panose="020B0300000000000000" pitchFamily="34" charset="-128"/>
             </a:endParaRPr>
+          </a:p>
+          <a:p>
+            <a:pPr lvl="1">
+              <a:buFont typeface="Wingdings" pitchFamily="2" charset="2"/>
+              <a:buChar char="Ø"/>
+            </a:pPr>
+            <a:r>
+              <a:rPr lang="en-US" altLang="ja-JP" sz="2600" b="1" dirty="0">
+                <a:latin typeface="DIN Alternate" panose="020B0500000000000000"/>
+                <a:ea typeface="Hiragino Kaku Gothic Pro W3" panose="020B0300000000000000" pitchFamily="34" charset="-128"/>
+              </a:rPr>
+              <a:t>NN</a:t>
+            </a:r>
           </a:p>
           <a:p>
             <a:pPr lvl="1">
@@ -17231,7 +17798,7 @@
           <a:p>
             <a:r>
               <a:rPr lang="ja-JP" altLang="en-US" dirty="0"/>
-              <a:t>前処理で出した特徴量を使用</a:t>
+              <a:t>前処理で出力した特徴量を使用</a:t>
             </a:r>
             <a:endParaRPr lang="en-US" altLang="ja-JP" dirty="0"/>
           </a:p>

--- a/プロジェクト実験　中間発表/プロジェクト実験中間発表.pptx
+++ b/プロジェクト実験　中間発表/プロジェクト実験中間発表.pptx
@@ -6,7 +6,7 @@
     <p:sldMasterId id="2147483660" r:id="rId2"/>
   </p:sldMasterIdLst>
   <p:notesMasterIdLst>
-    <p:notesMasterId r:id="rId25"/>
+    <p:notesMasterId r:id="rId26"/>
   </p:notesMasterIdLst>
   <p:sldIdLst>
     <p:sldId id="256" r:id="rId3"/>
@@ -23,14 +23,15 @@
     <p:sldId id="264" r:id="rId14"/>
     <p:sldId id="279" r:id="rId15"/>
     <p:sldId id="277" r:id="rId16"/>
-    <p:sldId id="278" r:id="rId17"/>
-    <p:sldId id="282" r:id="rId18"/>
-    <p:sldId id="283" r:id="rId19"/>
-    <p:sldId id="265" r:id="rId20"/>
-    <p:sldId id="271" r:id="rId21"/>
-    <p:sldId id="274" r:id="rId22"/>
-    <p:sldId id="275" r:id="rId23"/>
-    <p:sldId id="276" r:id="rId24"/>
+    <p:sldId id="284" r:id="rId17"/>
+    <p:sldId id="278" r:id="rId18"/>
+    <p:sldId id="282" r:id="rId19"/>
+    <p:sldId id="283" r:id="rId20"/>
+    <p:sldId id="265" r:id="rId21"/>
+    <p:sldId id="271" r:id="rId22"/>
+    <p:sldId id="274" r:id="rId23"/>
+    <p:sldId id="275" r:id="rId24"/>
+    <p:sldId id="276" r:id="rId25"/>
   </p:sldIdLst>
   <p:sldSz cx="12192000" cy="6858000"/>
   <p:notesSz cx="6858000" cy="9144000"/>
@@ -1097,7 +1098,7 @@
           <a:p>
             <a:fld id="{FF1647EB-3155-494F-BA82-C3F1D9480B24}" type="datetimeFigureOut">
               <a:rPr kumimoji="1" lang="ja-JP" altLang="en-US" smtClean="0"/>
-              <a:t>2018/11/25</a:t>
+              <a:t>2018/11/27</a:t>
             </a:fld>
             <a:endParaRPr kumimoji="1" lang="ja-JP" altLang="en-US"/>
           </a:p>
@@ -1440,7 +1441,7 @@
           <a:bodyPr/>
           <a:lstStyle/>
           <a:p>
-            <a:endParaRPr kumimoji="1" lang="ja-JP" altLang="en-US" dirty="0"/>
+            <a:endParaRPr kumimoji="1" lang="ja-JP" altLang="en-US"/>
           </a:p>
         </p:txBody>
       </p:sp>
@@ -1451,7 +1452,7 @@
             <a:spLocks noGrp="1"/>
           </p:cNvSpPr>
           <p:nvPr>
-            <p:ph type="sldNum" sz="quarter" idx="10"/>
+            <p:ph type="sldNum" sz="quarter" idx="5"/>
           </p:nvPr>
         </p:nvSpPr>
         <p:spPr/>
@@ -1461,7 +1462,7 @@
           <a:p>
             <a:fld id="{4A270F9C-5D17-4C12-AD78-18BABC3D1868}" type="slidenum">
               <a:rPr kumimoji="1" lang="ja-JP" altLang="en-US" smtClean="0"/>
-              <a:t>2</a:t>
+              <a:t>1</a:t>
             </a:fld>
             <a:endParaRPr kumimoji="1" lang="ja-JP" altLang="en-US"/>
           </a:p>
@@ -1470,7 +1471,7 @@
     </p:spTree>
     <p:extLst>
       <p:ext uri="{BB962C8B-B14F-4D97-AF65-F5344CB8AC3E}">
-        <p14:creationId xmlns:p14="http://schemas.microsoft.com/office/powerpoint/2010/main" val="1296571338"/>
+        <p14:creationId xmlns:p14="http://schemas.microsoft.com/office/powerpoint/2010/main" val="2196588975"/>
       </p:ext>
     </p:extLst>
   </p:cSld>
@@ -1545,7 +1546,7 @@
           <a:p>
             <a:fld id="{4A270F9C-5D17-4C12-AD78-18BABC3D1868}" type="slidenum">
               <a:rPr kumimoji="1" lang="ja-JP" altLang="en-US" smtClean="0"/>
-              <a:t>3</a:t>
+              <a:t>2</a:t>
             </a:fld>
             <a:endParaRPr kumimoji="1" lang="ja-JP" altLang="en-US"/>
           </a:p>
@@ -1554,7 +1555,7 @@
     </p:spTree>
     <p:extLst>
       <p:ext uri="{BB962C8B-B14F-4D97-AF65-F5344CB8AC3E}">
-        <p14:creationId xmlns:p14="http://schemas.microsoft.com/office/powerpoint/2010/main" val="1999454354"/>
+        <p14:creationId xmlns:p14="http://schemas.microsoft.com/office/powerpoint/2010/main" val="1296571338"/>
       </p:ext>
     </p:extLst>
   </p:cSld>
@@ -1629,7 +1630,7 @@
           <a:p>
             <a:fld id="{4A270F9C-5D17-4C12-AD78-18BABC3D1868}" type="slidenum">
               <a:rPr kumimoji="1" lang="ja-JP" altLang="en-US" smtClean="0"/>
-              <a:t>5</a:t>
+              <a:t>3</a:t>
             </a:fld>
             <a:endParaRPr kumimoji="1" lang="ja-JP" altLang="en-US"/>
           </a:p>
@@ -1638,7 +1639,7 @@
     </p:spTree>
     <p:extLst>
       <p:ext uri="{BB962C8B-B14F-4D97-AF65-F5344CB8AC3E}">
-        <p14:creationId xmlns:p14="http://schemas.microsoft.com/office/powerpoint/2010/main" val="3439623714"/>
+        <p14:creationId xmlns:p14="http://schemas.microsoft.com/office/powerpoint/2010/main" val="1999454354"/>
       </p:ext>
     </p:extLst>
   </p:cSld>
@@ -1713,7 +1714,7 @@
           <a:p>
             <a:fld id="{4A270F9C-5D17-4C12-AD78-18BABC3D1868}" type="slidenum">
               <a:rPr kumimoji="1" lang="ja-JP" altLang="en-US" smtClean="0"/>
-              <a:t>11</a:t>
+              <a:t>5</a:t>
             </a:fld>
             <a:endParaRPr kumimoji="1" lang="ja-JP" altLang="en-US"/>
           </a:p>
@@ -1722,7 +1723,7 @@
     </p:spTree>
     <p:extLst>
       <p:ext uri="{BB962C8B-B14F-4D97-AF65-F5344CB8AC3E}">
-        <p14:creationId xmlns:p14="http://schemas.microsoft.com/office/powerpoint/2010/main" val="1530640712"/>
+        <p14:creationId xmlns:p14="http://schemas.microsoft.com/office/powerpoint/2010/main" val="3439623714"/>
       </p:ext>
     </p:extLst>
   </p:cSld>
@@ -1797,7 +1798,7 @@
           <a:p>
             <a:fld id="{4A270F9C-5D17-4C12-AD78-18BABC3D1868}" type="slidenum">
               <a:rPr kumimoji="1" lang="ja-JP" altLang="en-US" smtClean="0"/>
-              <a:t>12</a:t>
+              <a:t>11</a:t>
             </a:fld>
             <a:endParaRPr kumimoji="1" lang="ja-JP" altLang="en-US"/>
           </a:p>
@@ -1806,7 +1807,7 @@
     </p:spTree>
     <p:extLst>
       <p:ext uri="{BB962C8B-B14F-4D97-AF65-F5344CB8AC3E}">
-        <p14:creationId xmlns:p14="http://schemas.microsoft.com/office/powerpoint/2010/main" val="2484287665"/>
+        <p14:creationId xmlns:p14="http://schemas.microsoft.com/office/powerpoint/2010/main" val="1530640712"/>
       </p:ext>
     </p:extLst>
   </p:cSld>
@@ -1881,7 +1882,7 @@
           <a:p>
             <a:fld id="{4A270F9C-5D17-4C12-AD78-18BABC3D1868}" type="slidenum">
               <a:rPr kumimoji="1" lang="ja-JP" altLang="en-US" smtClean="0"/>
-              <a:t>13</a:t>
+              <a:t>12</a:t>
             </a:fld>
             <a:endParaRPr kumimoji="1" lang="ja-JP" altLang="en-US"/>
           </a:p>
@@ -1890,7 +1891,7 @@
     </p:spTree>
     <p:extLst>
       <p:ext uri="{BB962C8B-B14F-4D97-AF65-F5344CB8AC3E}">
-        <p14:creationId xmlns:p14="http://schemas.microsoft.com/office/powerpoint/2010/main" val="3637180170"/>
+        <p14:creationId xmlns:p14="http://schemas.microsoft.com/office/powerpoint/2010/main" val="2484287665"/>
       </p:ext>
     </p:extLst>
   </p:cSld>
@@ -1965,7 +1966,7 @@
           <a:p>
             <a:fld id="{4A270F9C-5D17-4C12-AD78-18BABC3D1868}" type="slidenum">
               <a:rPr kumimoji="1" lang="ja-JP" altLang="en-US" smtClean="0"/>
-              <a:t>18</a:t>
+              <a:t>13</a:t>
             </a:fld>
             <a:endParaRPr kumimoji="1" lang="ja-JP" altLang="en-US"/>
           </a:p>
@@ -1974,7 +1975,7 @@
     </p:spTree>
     <p:extLst>
       <p:ext uri="{BB962C8B-B14F-4D97-AF65-F5344CB8AC3E}">
-        <p14:creationId xmlns:p14="http://schemas.microsoft.com/office/powerpoint/2010/main" val="1092011269"/>
+        <p14:creationId xmlns:p14="http://schemas.microsoft.com/office/powerpoint/2010/main" val="3637180170"/>
       </p:ext>
     </p:extLst>
   </p:cSld>
@@ -2049,7 +2050,7 @@
           <a:p>
             <a:fld id="{4A270F9C-5D17-4C12-AD78-18BABC3D1868}" type="slidenum">
               <a:rPr kumimoji="1" lang="ja-JP" altLang="en-US" smtClean="0"/>
-              <a:t>22</a:t>
+              <a:t>19</a:t>
             </a:fld>
             <a:endParaRPr kumimoji="1" lang="ja-JP" altLang="en-US"/>
           </a:p>
@@ -2058,7 +2059,91 @@
     </p:spTree>
     <p:extLst>
       <p:ext uri="{BB962C8B-B14F-4D97-AF65-F5344CB8AC3E}">
-        <p14:creationId xmlns:p14="http://schemas.microsoft.com/office/powerpoint/2010/main" val="3739736901"/>
+        <p14:creationId xmlns:p14="http://schemas.microsoft.com/office/powerpoint/2010/main" val="1092011269"/>
+      </p:ext>
+    </p:extLst>
+  </p:cSld>
+  <p:clrMapOvr>
+    <a:masterClrMapping/>
+  </p:clrMapOvr>
+</p:notes>
+</file>
+
+<file path=ppt/notesSlides/notesSlide9.xml><?xml version="1.0" encoding="utf-8"?>
+<p:notes xmlns:a="http://schemas.openxmlformats.org/drawingml/2006/main" xmlns:r="http://schemas.openxmlformats.org/officeDocument/2006/relationships" xmlns:p="http://schemas.openxmlformats.org/presentationml/2006/main">
+  <p:cSld>
+    <p:spTree>
+      <p:nvGrpSpPr>
+        <p:cNvPr id="1" name=""/>
+        <p:cNvGrpSpPr/>
+        <p:nvPr/>
+      </p:nvGrpSpPr>
+      <p:grpSpPr>
+        <a:xfrm>
+          <a:off x="0" y="0"/>
+          <a:ext cx="0" cy="0"/>
+          <a:chOff x="0" y="0"/>
+          <a:chExt cx="0" cy="0"/>
+        </a:xfrm>
+      </p:grpSpPr>
+      <p:sp>
+        <p:nvSpPr>
+          <p:cNvPr id="2" name="スライド イメージ プレースホルダー 1"/>
+          <p:cNvSpPr>
+            <a:spLocks noGrp="1" noRot="1" noChangeAspect="1"/>
+          </p:cNvSpPr>
+          <p:nvPr>
+            <p:ph type="sldImg"/>
+          </p:nvPr>
+        </p:nvSpPr>
+        <p:spPr/>
+      </p:sp>
+      <p:sp>
+        <p:nvSpPr>
+          <p:cNvPr id="3" name="ノート プレースホルダー 2"/>
+          <p:cNvSpPr>
+            <a:spLocks noGrp="1"/>
+          </p:cNvSpPr>
+          <p:nvPr>
+            <p:ph type="body" idx="1"/>
+          </p:nvPr>
+        </p:nvSpPr>
+        <p:spPr/>
+        <p:txBody>
+          <a:bodyPr/>
+          <a:lstStyle/>
+          <a:p>
+            <a:endParaRPr kumimoji="1" lang="ja-JP" altLang="en-US" dirty="0"/>
+          </a:p>
+        </p:txBody>
+      </p:sp>
+      <p:sp>
+        <p:nvSpPr>
+          <p:cNvPr id="4" name="スライド番号プレースホルダー 3"/>
+          <p:cNvSpPr>
+            <a:spLocks noGrp="1"/>
+          </p:cNvSpPr>
+          <p:nvPr>
+            <p:ph type="sldNum" sz="quarter" idx="10"/>
+          </p:nvPr>
+        </p:nvSpPr>
+        <p:spPr/>
+        <p:txBody>
+          <a:bodyPr/>
+          <a:lstStyle/>
+          <a:p>
+            <a:fld id="{4A270F9C-5D17-4C12-AD78-18BABC3D1868}" type="slidenum">
+              <a:rPr kumimoji="1" lang="ja-JP" altLang="en-US" smtClean="0"/>
+              <a:t>23</a:t>
+            </a:fld>
+            <a:endParaRPr kumimoji="1" lang="ja-JP" altLang="en-US"/>
+          </a:p>
+        </p:txBody>
+      </p:sp>
+    </p:spTree>
+    <p:extLst>
+      <p:ext uri="{BB962C8B-B14F-4D97-AF65-F5344CB8AC3E}">
+        <p14:creationId xmlns:p14="http://schemas.microsoft.com/office/powerpoint/2010/main" val="2039230639"/>
       </p:ext>
     </p:extLst>
   </p:cSld>
@@ -2221,7 +2306,7 @@
           <a:p>
             <a:fld id="{E7D511BB-4569-984B-89A7-0CAB83200160}" type="datetimeFigureOut">
               <a:rPr kumimoji="1" lang="ja-JP" altLang="en-US" smtClean="0"/>
-              <a:t>2018/11/25</a:t>
+              <a:t>2018/11/27</a:t>
             </a:fld>
             <a:endParaRPr kumimoji="1" lang="ja-JP" altLang="en-US"/>
           </a:p>
@@ -2426,7 +2511,7 @@
           <a:p>
             <a:fld id="{E7D511BB-4569-984B-89A7-0CAB83200160}" type="datetimeFigureOut">
               <a:rPr kumimoji="1" lang="ja-JP" altLang="en-US" smtClean="0"/>
-              <a:t>2018/11/25</a:t>
+              <a:t>2018/11/27</a:t>
             </a:fld>
             <a:endParaRPr kumimoji="1" lang="ja-JP" altLang="en-US"/>
           </a:p>
@@ -2641,7 +2726,7 @@
           <a:p>
             <a:fld id="{E7D511BB-4569-984B-89A7-0CAB83200160}" type="datetimeFigureOut">
               <a:rPr kumimoji="1" lang="ja-JP" altLang="en-US" smtClean="0"/>
-              <a:t>2018/11/25</a:t>
+              <a:t>2018/11/27</a:t>
             </a:fld>
             <a:endParaRPr kumimoji="1" lang="ja-JP" altLang="en-US"/>
           </a:p>
@@ -2861,7 +2946,7 @@
           <a:p>
             <a:fld id="{33261070-0EEB-F446-BBEF-DA4E29C9CA29}" type="datetimeFigureOut">
               <a:rPr kumimoji="1" lang="ja-JP" altLang="en-US" smtClean="0"/>
-              <a:t>2018/11/25</a:t>
+              <a:t>2018/11/27</a:t>
             </a:fld>
             <a:endParaRPr kumimoji="1" lang="ja-JP" altLang="en-US"/>
           </a:p>
@@ -3066,7 +3151,7 @@
           <a:p>
             <a:fld id="{33261070-0EEB-F446-BBEF-DA4E29C9CA29}" type="datetimeFigureOut">
               <a:rPr kumimoji="1" lang="ja-JP" altLang="en-US" smtClean="0"/>
-              <a:t>2018/11/25</a:t>
+              <a:t>2018/11/27</a:t>
             </a:fld>
             <a:endParaRPr kumimoji="1" lang="ja-JP" altLang="en-US"/>
           </a:p>
@@ -3376,7 +3461,7 @@
           <a:p>
             <a:fld id="{33261070-0EEB-F446-BBEF-DA4E29C9CA29}" type="datetimeFigureOut">
               <a:rPr kumimoji="1" lang="ja-JP" altLang="en-US" smtClean="0"/>
-              <a:t>2018/11/25</a:t>
+              <a:t>2018/11/27</a:t>
             </a:fld>
             <a:endParaRPr kumimoji="1" lang="ja-JP" altLang="en-US"/>
           </a:p>
@@ -3655,7 +3740,7 @@
           <a:p>
             <a:fld id="{33261070-0EEB-F446-BBEF-DA4E29C9CA29}" type="datetimeFigureOut">
               <a:rPr kumimoji="1" lang="ja-JP" altLang="en-US" smtClean="0"/>
-              <a:t>2018/11/25</a:t>
+              <a:t>2018/11/27</a:t>
             </a:fld>
             <a:endParaRPr kumimoji="1" lang="ja-JP" altLang="en-US"/>
           </a:p>
@@ -4151,7 +4236,7 @@
           <a:p>
             <a:fld id="{33261070-0EEB-F446-BBEF-DA4E29C9CA29}" type="datetimeFigureOut">
               <a:rPr kumimoji="1" lang="ja-JP" altLang="en-US" smtClean="0"/>
-              <a:t>2018/11/25</a:t>
+              <a:t>2018/11/27</a:t>
             </a:fld>
             <a:endParaRPr kumimoji="1" lang="ja-JP" altLang="en-US"/>
           </a:p>
@@ -4292,7 +4377,7 @@
           <a:p>
             <a:fld id="{33261070-0EEB-F446-BBEF-DA4E29C9CA29}" type="datetimeFigureOut">
               <a:rPr kumimoji="1" lang="ja-JP" altLang="en-US" smtClean="0"/>
-              <a:t>2018/11/25</a:t>
+              <a:t>2018/11/27</a:t>
             </a:fld>
             <a:endParaRPr kumimoji="1" lang="ja-JP" altLang="en-US"/>
           </a:p>
@@ -4405,7 +4490,7 @@
           <a:p>
             <a:fld id="{33261070-0EEB-F446-BBEF-DA4E29C9CA29}" type="datetimeFigureOut">
               <a:rPr kumimoji="1" lang="ja-JP" altLang="en-US" smtClean="0"/>
-              <a:t>2018/11/25</a:t>
+              <a:t>2018/11/27</a:t>
             </a:fld>
             <a:endParaRPr kumimoji="1" lang="ja-JP" altLang="en-US"/>
           </a:p>
@@ -4758,7 +4843,7 @@
           <a:p>
             <a:fld id="{33261070-0EEB-F446-BBEF-DA4E29C9CA29}" type="datetimeFigureOut">
               <a:rPr kumimoji="1" lang="ja-JP" altLang="en-US" smtClean="0"/>
-              <a:t>2018/11/25</a:t>
+              <a:t>2018/11/27</a:t>
             </a:fld>
             <a:endParaRPr kumimoji="1" lang="ja-JP" altLang="en-US"/>
           </a:p>
@@ -4963,7 +5048,7 @@
           <a:p>
             <a:fld id="{E7D511BB-4569-984B-89A7-0CAB83200160}" type="datetimeFigureOut">
               <a:rPr kumimoji="1" lang="ja-JP" altLang="en-US" smtClean="0"/>
-              <a:t>2018/11/25</a:t>
+              <a:t>2018/11/27</a:t>
             </a:fld>
             <a:endParaRPr kumimoji="1" lang="ja-JP" altLang="en-US"/>
           </a:p>
@@ -5286,7 +5371,7 @@
           <a:p>
             <a:fld id="{33261070-0EEB-F446-BBEF-DA4E29C9CA29}" type="datetimeFigureOut">
               <a:rPr kumimoji="1" lang="ja-JP" altLang="en-US" smtClean="0"/>
-              <a:t>2018/11/25</a:t>
+              <a:t>2018/11/27</a:t>
             </a:fld>
             <a:endParaRPr kumimoji="1" lang="ja-JP" altLang="en-US"/>
           </a:p>
@@ -5491,7 +5576,7 @@
           <a:p>
             <a:fld id="{33261070-0EEB-F446-BBEF-DA4E29C9CA29}" type="datetimeFigureOut">
               <a:rPr kumimoji="1" lang="ja-JP" altLang="en-US" smtClean="0"/>
-              <a:t>2018/11/25</a:t>
+              <a:t>2018/11/27</a:t>
             </a:fld>
             <a:endParaRPr kumimoji="1" lang="ja-JP" altLang="en-US"/>
           </a:p>
@@ -5706,7 +5791,7 @@
           <a:p>
             <a:fld id="{33261070-0EEB-F446-BBEF-DA4E29C9CA29}" type="datetimeFigureOut">
               <a:rPr kumimoji="1" lang="ja-JP" altLang="en-US" smtClean="0"/>
-              <a:t>2018/11/25</a:t>
+              <a:t>2018/11/27</a:t>
             </a:fld>
             <a:endParaRPr kumimoji="1" lang="ja-JP" altLang="en-US"/>
           </a:p>
@@ -6016,7 +6101,7 @@
           <a:p>
             <a:fld id="{E7D511BB-4569-984B-89A7-0CAB83200160}" type="datetimeFigureOut">
               <a:rPr kumimoji="1" lang="ja-JP" altLang="en-US" smtClean="0"/>
-              <a:t>2018/11/25</a:t>
+              <a:t>2018/11/27</a:t>
             </a:fld>
             <a:endParaRPr kumimoji="1" lang="ja-JP" altLang="en-US"/>
           </a:p>
@@ -6295,7 +6380,7 @@
           <a:p>
             <a:fld id="{E7D511BB-4569-984B-89A7-0CAB83200160}" type="datetimeFigureOut">
               <a:rPr kumimoji="1" lang="ja-JP" altLang="en-US" smtClean="0"/>
-              <a:t>2018/11/25</a:t>
+              <a:t>2018/11/27</a:t>
             </a:fld>
             <a:endParaRPr kumimoji="1" lang="ja-JP" altLang="en-US"/>
           </a:p>
@@ -6791,7 +6876,7 @@
           <a:p>
             <a:fld id="{E7D511BB-4569-984B-89A7-0CAB83200160}" type="datetimeFigureOut">
               <a:rPr kumimoji="1" lang="ja-JP" altLang="en-US" smtClean="0"/>
-              <a:t>2018/11/25</a:t>
+              <a:t>2018/11/27</a:t>
             </a:fld>
             <a:endParaRPr kumimoji="1" lang="ja-JP" altLang="en-US"/>
           </a:p>
@@ -6932,7 +7017,7 @@
           <a:p>
             <a:fld id="{E7D511BB-4569-984B-89A7-0CAB83200160}" type="datetimeFigureOut">
               <a:rPr kumimoji="1" lang="ja-JP" altLang="en-US" smtClean="0"/>
-              <a:t>2018/11/25</a:t>
+              <a:t>2018/11/27</a:t>
             </a:fld>
             <a:endParaRPr kumimoji="1" lang="ja-JP" altLang="en-US"/>
           </a:p>
@@ -7045,7 +7130,7 @@
           <a:p>
             <a:fld id="{E7D511BB-4569-984B-89A7-0CAB83200160}" type="datetimeFigureOut">
               <a:rPr kumimoji="1" lang="ja-JP" altLang="en-US" smtClean="0"/>
-              <a:t>2018/11/25</a:t>
+              <a:t>2018/11/27</a:t>
             </a:fld>
             <a:endParaRPr kumimoji="1" lang="ja-JP" altLang="en-US"/>
           </a:p>
@@ -7398,7 +7483,7 @@
           <a:p>
             <a:fld id="{E7D511BB-4569-984B-89A7-0CAB83200160}" type="datetimeFigureOut">
               <a:rPr kumimoji="1" lang="ja-JP" altLang="en-US" smtClean="0"/>
-              <a:t>2018/11/25</a:t>
+              <a:t>2018/11/27</a:t>
             </a:fld>
             <a:endParaRPr kumimoji="1" lang="ja-JP" altLang="en-US"/>
           </a:p>
@@ -7721,7 +7806,7 @@
           <a:p>
             <a:fld id="{E7D511BB-4569-984B-89A7-0CAB83200160}" type="datetimeFigureOut">
               <a:rPr kumimoji="1" lang="ja-JP" altLang="en-US" smtClean="0"/>
-              <a:t>2018/11/25</a:t>
+              <a:t>2018/11/27</a:t>
             </a:fld>
             <a:endParaRPr kumimoji="1" lang="ja-JP" altLang="en-US"/>
           </a:p>
@@ -7969,7 +8054,7 @@
           <a:p>
             <a:fld id="{E7D511BB-4569-984B-89A7-0CAB83200160}" type="datetimeFigureOut">
               <a:rPr kumimoji="1" lang="ja-JP" altLang="en-US" smtClean="0"/>
-              <a:t>2018/11/25</a:t>
+              <a:t>2018/11/27</a:t>
             </a:fld>
             <a:endParaRPr kumimoji="1" lang="ja-JP" altLang="en-US"/>
           </a:p>
@@ -8067,10 +8152,10 @@
       </p:sp>
       <p:sp>
         <p:nvSpPr>
-          <p:cNvPr id="8" name="ProgressBarBG">
-            <a:extLst>
-              <a:ext uri="{FF2B5EF4-FFF2-40B4-BE49-F238E27FC236}">
-                <a16:creationId xmlns:a16="http://schemas.microsoft.com/office/drawing/2014/main" id="{89166A2C-CBA9-4CF8-9C7D-B925ACE171DB}"/>
+          <p:cNvPr id="7" name="ProgressBarBG">
+            <a:extLst>
+              <a:ext uri="{FF2B5EF4-FFF2-40B4-BE49-F238E27FC236}">
+                <a16:creationId xmlns:a16="http://schemas.microsoft.com/office/drawing/2014/main" id="{5CDC4766-46F1-FA4D-9708-083DD266D8F5}"/>
               </a:ext>
             </a:extLst>
           </p:cNvPr>
@@ -8614,7 +8699,7 @@
           <a:p>
             <a:fld id="{33261070-0EEB-F446-BBEF-DA4E29C9CA29}" type="datetimeFigureOut">
               <a:rPr kumimoji="1" lang="ja-JP" altLang="en-US" smtClean="0"/>
-              <a:t>2018/11/25</a:t>
+              <a:t>2018/11/27</a:t>
             </a:fld>
             <a:endParaRPr kumimoji="1" lang="ja-JP" altLang="en-US"/>
           </a:p>
@@ -9081,7 +9166,7 @@
             </a:r>
             <a:r>
               <a:rPr kumimoji="1" lang="en-US" altLang="ja-JP" sz="5400" dirty="0">
-                <a:latin typeface="Hiragino Kaku Gothic Pro W3" panose="020B0300000000000000" pitchFamily="34" charset="-128"/>
+                <a:latin typeface="DIN Alternate" panose="020B0500000000000000" pitchFamily="34" charset="0"/>
                 <a:ea typeface="Hiragino Kaku Gothic Pro W3" panose="020B0300000000000000" pitchFamily="34" charset="-128"/>
               </a:rPr>
               <a:t>B1</a:t>
@@ -9128,8 +9213,8 @@
         </p:nvSpPr>
         <p:spPr>
           <a:xfrm>
-            <a:off x="3668486" y="4994851"/>
-            <a:ext cx="4855028" cy="1133241"/>
+            <a:off x="3668486" y="4572004"/>
+            <a:ext cx="4855028" cy="1830412"/>
           </a:xfrm>
         </p:spPr>
         <p:txBody>
@@ -9139,6 +9224,26 @@
           <a:lstStyle/>
           <a:p>
             <a:r>
+              <a:rPr lang="en-US" altLang="ja-JP" sz="2800" dirty="0">
+                <a:latin typeface="DIN Alternate" panose="020B0500000000000000" pitchFamily="34" charset="0"/>
+              </a:rPr>
+              <a:t>2018/11/29(</a:t>
+            </a:r>
+            <a:r>
+              <a:rPr lang="ja-JP" altLang="en-US" sz="2800">
+                <a:latin typeface="DIN Alternate" panose="020B0500000000000000" pitchFamily="34" charset="0"/>
+              </a:rPr>
+              <a:t>木</a:t>
+            </a:r>
+            <a:r>
+              <a:rPr lang="en-US" altLang="ja-JP" sz="2800" dirty="0">
+                <a:latin typeface="DIN Alternate" panose="020B0500000000000000" pitchFamily="34" charset="0"/>
+              </a:rPr>
+              <a:t>)</a:t>
+            </a:r>
+          </a:p>
+          <a:p>
+            <a:r>
               <a:rPr lang="ja-JP" altLang="en-US" sz="2800"/>
               <a:t>伊藤広樹　　</a:t>
             </a:r>
@@ -9166,10 +9271,10 @@
       </p:sp>
       <p:sp>
         <p:nvSpPr>
-          <p:cNvPr id="5" name="ProgressBar">
-            <a:extLst>
-              <a:ext uri="{FF2B5EF4-FFF2-40B4-BE49-F238E27FC236}">
-                <a16:creationId xmlns:a16="http://schemas.microsoft.com/office/drawing/2014/main" id="{52F9B347-9757-499E-89CB-E354BDD367BC}"/>
+          <p:cNvPr id="4" name="ProgressBar">
+            <a:extLst>
+              <a:ext uri="{FF2B5EF4-FFF2-40B4-BE49-F238E27FC236}">
+                <a16:creationId xmlns:a16="http://schemas.microsoft.com/office/drawing/2014/main" id="{8167ABA4-2DF3-184A-8E96-9EF79A3B50FD}"/>
               </a:ext>
             </a:extLst>
           </p:cNvPr>
@@ -9179,7 +9284,7 @@
         <p:spPr>
           <a:xfrm>
             <a:off x="0" y="6731000"/>
-            <a:ext cx="641684" cy="127000"/>
+            <a:ext cx="609600" cy="127000"/>
           </a:xfrm>
           <a:prstGeom prst="rect">
             <a:avLst/>
@@ -9492,7 +9597,7 @@
         <p:spPr>
           <a:xfrm>
             <a:off x="6819567" y="4124296"/>
-            <a:ext cx="4493538" cy="1200329"/>
+            <a:ext cx="4839786" cy="1200329"/>
           </a:xfrm>
           <a:prstGeom prst="rect">
             <a:avLst/>
@@ -9504,6 +9609,10 @@
           </a:bodyPr>
           <a:lstStyle/>
           <a:p>
+            <a:pPr marL="342900" indent="-342900">
+              <a:buFont typeface="Arial" panose="020B0604020202020204" pitchFamily="34" charset="0"/>
+              <a:buChar char="•"/>
+            </a:pPr>
             <a:r>
               <a:rPr lang="en-US" altLang="ja-JP" sz="2400" dirty="0">
                 <a:latin typeface="DIN Alternate" panose="020B0500000000000000"/>
@@ -9527,6 +9636,10 @@
             </a:r>
           </a:p>
           <a:p>
+            <a:pPr marL="342900" indent="-342900">
+              <a:buFont typeface="Arial" panose="020B0604020202020204" pitchFamily="34" charset="0"/>
+              <a:buChar char="•"/>
+            </a:pPr>
             <a:r>
               <a:rPr lang="ja-JP" altLang="en-US" sz="2400" dirty="0">
                 <a:ea typeface="Hiragino Kaku Gothic Pro W3" panose="020B0300000000000000"/>
@@ -9538,6 +9651,10 @@
             </a:endParaRPr>
           </a:p>
           <a:p>
+            <a:pPr marL="342900" indent="-342900">
+              <a:buFont typeface="Arial" panose="020B0604020202020204" pitchFamily="34" charset="0"/>
+              <a:buChar char="•"/>
+            </a:pPr>
             <a:r>
               <a:rPr lang="ja-JP" altLang="en-US" sz="2400" dirty="0">
                 <a:latin typeface="Hiragino Kaku Gothic Pro W3" panose="020B0300000000000000" pitchFamily="34" charset="-128"/>
@@ -9734,7 +9851,7 @@
         </p:nvSpPr>
         <p:spPr>
           <a:xfrm>
-            <a:off x="7224981" y="6335386"/>
+            <a:off x="6846154" y="6296197"/>
             <a:ext cx="4520789" cy="369332"/>
           </a:xfrm>
           <a:prstGeom prst="rect">
@@ -9764,10 +9881,10 @@
       </p:sp>
       <p:sp>
         <p:nvSpPr>
-          <p:cNvPr id="14" name="ProgressBar">
-            <a:extLst>
-              <a:ext uri="{FF2B5EF4-FFF2-40B4-BE49-F238E27FC236}">
-                <a16:creationId xmlns:a16="http://schemas.microsoft.com/office/drawing/2014/main" id="{E265CCED-A908-4A70-B9BA-80A650216E44}"/>
+          <p:cNvPr id="3" name="ProgressBar">
+            <a:extLst>
+              <a:ext uri="{FF2B5EF4-FFF2-40B4-BE49-F238E27FC236}">
+                <a16:creationId xmlns:a16="http://schemas.microsoft.com/office/drawing/2014/main" id="{85545AAB-3406-AB4F-BDBA-ED46000FAD3E}"/>
               </a:ext>
             </a:extLst>
           </p:cNvPr>
@@ -9777,7 +9894,7 @@
         <p:spPr>
           <a:xfrm>
             <a:off x="0" y="6731000"/>
-            <a:ext cx="6416842" cy="127000"/>
+            <a:ext cx="6096000" cy="127000"/>
           </a:xfrm>
           <a:prstGeom prst="rect">
             <a:avLst/>
@@ -9952,7 +10069,9 @@
               <a:t>担当</a:t>
             </a:r>
             <a:r>
-              <a:rPr lang="en-US" altLang="ja-JP" sz="2800" b="1" dirty="0"/>
+              <a:rPr lang="en-US" altLang="ja-JP" sz="2800" b="1" dirty="0">
+                <a:latin typeface="DIN Alternate" panose="020B0500000000000000" pitchFamily="34" charset="0"/>
+              </a:rPr>
               <a:t>(</a:t>
             </a:r>
             <a:r>
@@ -9960,7 +10079,9 @@
               <a:t>伊藤 光太郎・林田和磨</a:t>
             </a:r>
             <a:r>
-              <a:rPr lang="en-US" altLang="ja-JP" sz="2800" b="1" dirty="0"/>
+              <a:rPr lang="en-US" altLang="ja-JP" sz="2800" b="1" dirty="0">
+                <a:latin typeface="DIN Alternate" panose="020B0500000000000000" pitchFamily="34" charset="0"/>
+              </a:rPr>
               <a:t>)</a:t>
             </a:r>
           </a:p>
@@ -9981,7 +10102,9 @@
               <a:t>担当</a:t>
             </a:r>
             <a:r>
-              <a:rPr lang="en-US" altLang="ja-JP" sz="2800" b="1" dirty="0"/>
+              <a:rPr lang="en-US" altLang="ja-JP" sz="2800" b="1" dirty="0">
+                <a:latin typeface="DIN Alternate" panose="020B0500000000000000" pitchFamily="34" charset="0"/>
+              </a:rPr>
               <a:t>(</a:t>
             </a:r>
             <a:r>
@@ -9989,7 +10112,9 @@
               <a:t>伊藤 広樹・平尾 礼央</a:t>
             </a:r>
             <a:r>
-              <a:rPr lang="en-US" altLang="ja-JP" sz="2800" b="1" dirty="0"/>
+              <a:rPr lang="en-US" altLang="ja-JP" sz="2800" b="1" dirty="0">
+                <a:latin typeface="DIN Alternate" panose="020B0500000000000000" pitchFamily="34" charset="0"/>
+              </a:rPr>
               <a:t>)</a:t>
             </a:r>
           </a:p>
@@ -10141,10 +10266,10 @@
       </p:pic>
       <p:sp>
         <p:nvSpPr>
-          <p:cNvPr id="9" name="ProgressBar">
-            <a:extLst>
-              <a:ext uri="{FF2B5EF4-FFF2-40B4-BE49-F238E27FC236}">
-                <a16:creationId xmlns:a16="http://schemas.microsoft.com/office/drawing/2014/main" id="{4C51CB98-3D1B-47C6-939E-5396DEAC6B35}"/>
+          <p:cNvPr id="4" name="ProgressBar">
+            <a:extLst>
+              <a:ext uri="{FF2B5EF4-FFF2-40B4-BE49-F238E27FC236}">
+                <a16:creationId xmlns:a16="http://schemas.microsoft.com/office/drawing/2014/main" id="{D5320C83-0BD9-4C44-87AC-A74342C7037A}"/>
               </a:ext>
             </a:extLst>
           </p:cNvPr>
@@ -10154,7 +10279,7 @@
         <p:spPr>
           <a:xfrm>
             <a:off x="0" y="6731000"/>
-            <a:ext cx="7058527" cy="127000"/>
+            <a:ext cx="6705600" cy="127000"/>
           </a:xfrm>
           <a:prstGeom prst="rect">
             <a:avLst/>
@@ -10515,10 +10640,10 @@
       </p:pic>
       <p:sp>
         <p:nvSpPr>
-          <p:cNvPr id="8" name="ProgressBar">
-            <a:extLst>
-              <a:ext uri="{FF2B5EF4-FFF2-40B4-BE49-F238E27FC236}">
-                <a16:creationId xmlns:a16="http://schemas.microsoft.com/office/drawing/2014/main" id="{EDD08608-F9E7-4CF9-B5D2-9357D088170E}"/>
+          <p:cNvPr id="7" name="ProgressBar">
+            <a:extLst>
+              <a:ext uri="{FF2B5EF4-FFF2-40B4-BE49-F238E27FC236}">
+                <a16:creationId xmlns:a16="http://schemas.microsoft.com/office/drawing/2014/main" id="{3D58A210-C074-A44E-A77A-381A98586175}"/>
               </a:ext>
             </a:extLst>
           </p:cNvPr>
@@ -10528,7 +10653,7 @@
         <p:spPr>
           <a:xfrm>
             <a:off x="0" y="6731000"/>
-            <a:ext cx="7700211" cy="127000"/>
+            <a:ext cx="7315200" cy="127000"/>
           </a:xfrm>
           <a:prstGeom prst="rect">
             <a:avLst/>
@@ -10961,10 +11086,10 @@
       </p:pic>
       <p:sp>
         <p:nvSpPr>
-          <p:cNvPr id="31" name="ProgressBar">
-            <a:extLst>
-              <a:ext uri="{FF2B5EF4-FFF2-40B4-BE49-F238E27FC236}">
-                <a16:creationId xmlns:a16="http://schemas.microsoft.com/office/drawing/2014/main" id="{C54FCE63-0000-43E5-8A7B-C8BAC9D3D01F}"/>
+          <p:cNvPr id="4" name="ProgressBar">
+            <a:extLst>
+              <a:ext uri="{FF2B5EF4-FFF2-40B4-BE49-F238E27FC236}">
+                <a16:creationId xmlns:a16="http://schemas.microsoft.com/office/drawing/2014/main" id="{2372CBFF-FA57-234E-87B3-CD9ADBA7716D}"/>
               </a:ext>
             </a:extLst>
           </p:cNvPr>
@@ -10974,7 +11099,7 @@
         <p:spPr>
           <a:xfrm>
             <a:off x="0" y="6731000"/>
-            <a:ext cx="8341895" cy="127000"/>
+            <a:ext cx="7924800" cy="127000"/>
           </a:xfrm>
           <a:prstGeom prst="rect">
             <a:avLst/>
@@ -11269,10 +11394,10 @@
       </p:graphicFrame>
       <p:sp>
         <p:nvSpPr>
-          <p:cNvPr id="13" name="ProgressBar">
-            <a:extLst>
-              <a:ext uri="{FF2B5EF4-FFF2-40B4-BE49-F238E27FC236}">
-                <a16:creationId xmlns:a16="http://schemas.microsoft.com/office/drawing/2014/main" id="{39A91937-49D4-4337-A68F-0BEE5921B53F}"/>
+          <p:cNvPr id="4" name="ProgressBar">
+            <a:extLst>
+              <a:ext uri="{FF2B5EF4-FFF2-40B4-BE49-F238E27FC236}">
+                <a16:creationId xmlns:a16="http://schemas.microsoft.com/office/drawing/2014/main" id="{B3834DFE-2EF8-6340-8082-103993F1D931}"/>
               </a:ext>
             </a:extLst>
           </p:cNvPr>
@@ -11282,7 +11407,7 @@
         <p:spPr>
           <a:xfrm>
             <a:off x="0" y="6731000"/>
-            <a:ext cx="8983579" cy="127000"/>
+            <a:ext cx="8534400" cy="127000"/>
           </a:xfrm>
           <a:prstGeom prst="rect">
             <a:avLst/>
@@ -11370,7 +11495,7 @@
           <p:cNvPr id="2" name="タイトル 1">
             <a:extLst>
               <a:ext uri="{FF2B5EF4-FFF2-40B4-BE49-F238E27FC236}">
-                <a16:creationId xmlns:a16="http://schemas.microsoft.com/office/drawing/2014/main" id="{C8FE985A-FE63-46B3-A7FE-0A9F2B094DBC}"/>
+                <a16:creationId xmlns:a16="http://schemas.microsoft.com/office/drawing/2014/main" id="{303B44A6-28C0-C640-B246-554CF01AA028}"/>
               </a:ext>
             </a:extLst>
           </p:cNvPr>
@@ -11387,7 +11512,7 @@
           <a:lstStyle/>
           <a:p>
             <a:r>
-              <a:rPr kumimoji="1" lang="ja-JP" altLang="en-US" dirty="0"/>
+              <a:rPr kumimoji="1" lang="ja-JP" altLang="en-US"/>
               <a:t>考察</a:t>
             </a:r>
           </a:p>
@@ -11398,7 +11523,7 @@
           <p:cNvPr id="3" name="コンテンツ プレースホルダー 2">
             <a:extLst>
               <a:ext uri="{FF2B5EF4-FFF2-40B4-BE49-F238E27FC236}">
-                <a16:creationId xmlns:a16="http://schemas.microsoft.com/office/drawing/2014/main" id="{5FD6BA53-87C6-434B-A8CB-EC8088CDD7A4}"/>
+                <a16:creationId xmlns:a16="http://schemas.microsoft.com/office/drawing/2014/main" id="{CF381E79-D9FC-9C46-8538-2367D5FE84B0}"/>
               </a:ext>
             </a:extLst>
           </p:cNvPr>
@@ -11412,124 +11537,82 @@
         <p:spPr>
           <a:xfrm>
             <a:off x="838200" y="1825625"/>
-            <a:ext cx="6994227" cy="4351338"/>
+            <a:ext cx="10515600" cy="2228215"/>
           </a:xfrm>
         </p:spPr>
         <p:txBody>
-          <a:bodyPr/>
-          <a:lstStyle/>
-          <a:p>
-            <a:r>
-              <a:rPr lang="en-US" altLang="ja-JP" dirty="0">
-                <a:ea typeface="Hiragino Kaku Gothic Pro W3" panose="020B0300000000000000"/>
-              </a:rPr>
-              <a:t>CNN</a:t>
-            </a:r>
-            <a:r>
-              <a:rPr lang="ja-JP" altLang="en-US" dirty="0">
-                <a:ea typeface="Hiragino Kaku Gothic Pro W3" panose="020B0300000000000000"/>
-              </a:rPr>
-              <a:t>を実行すると、学習データに最適化はされたが、検証データでは</a:t>
-            </a:r>
-            <a:r>
-              <a:rPr lang="en-US" altLang="ja-JP" dirty="0">
-                <a:ea typeface="Hiragino Kaku Gothic Pro W3" panose="020B0300000000000000"/>
-              </a:rPr>
-              <a:t>60%</a:t>
-            </a:r>
-            <a:r>
-              <a:rPr lang="ja-JP" altLang="en-US" dirty="0">
-                <a:ea typeface="Hiragino Kaku Gothic Pro W3" panose="020B0300000000000000"/>
-              </a:rPr>
-              <a:t>程度の精度しか出ない</a:t>
-            </a:r>
-            <a:endParaRPr lang="en-US" altLang="ja-JP" dirty="0">
-              <a:ea typeface="Hiragino Kaku Gothic Pro W3" panose="020B0300000000000000"/>
-            </a:endParaRPr>
-          </a:p>
-          <a:p>
-            <a:pPr lvl="1">
-              <a:buFont typeface="Wingdings" panose="05000000000000000000" pitchFamily="2" charset="2"/>
-              <a:buChar char="Ø"/>
-            </a:pPr>
-            <a:r>
-              <a:rPr lang="ja-JP" altLang="en-US" dirty="0">
-                <a:ea typeface="Hiragino Kaku Gothic Pro W3" panose="020B0300000000000000"/>
-              </a:rPr>
-              <a:t>検証データの</a:t>
-            </a:r>
-            <a:r>
-              <a:rPr lang="en-US" altLang="ja-JP" dirty="0">
-                <a:latin typeface="DIN Alternate" panose="020B0500000000000000"/>
-                <a:ea typeface="Hiragino Kaku Gothic Pro W3" panose="020B0300000000000000"/>
-              </a:rPr>
-              <a:t>40%</a:t>
-            </a:r>
-            <a:r>
-              <a:rPr lang="ja-JP" altLang="en-US" dirty="0">
-                <a:ea typeface="Hiragino Kaku Gothic Pro W3" panose="020B0300000000000000"/>
-              </a:rPr>
-              <a:t>程度は間違えているので、</a:t>
-            </a:r>
-            <a:r>
-              <a:rPr lang="ja-JP" altLang="en-US" b="1" dirty="0">
-                <a:solidFill>
-                  <a:schemeClr val="accent2"/>
-                </a:solidFill>
-                <a:ea typeface="Hiragino Kaku Gothic Pro W3" panose="020B0300000000000000"/>
-              </a:rPr>
-              <a:t>過学習</a:t>
-            </a:r>
-            <a:r>
-              <a:rPr lang="ja-JP" altLang="en-US" dirty="0">
-                <a:ea typeface="Hiragino Kaku Gothic Pro W3" panose="020B0300000000000000"/>
-              </a:rPr>
-              <a:t>してしまっている</a:t>
-            </a:r>
-            <a:endParaRPr lang="en-US" altLang="ja-JP" dirty="0">
-              <a:ea typeface="Hiragino Kaku Gothic Pro W3" panose="020B0300000000000000"/>
-            </a:endParaRPr>
-          </a:p>
-          <a:p>
-            <a:r>
-              <a:rPr lang="en-US" altLang="ja-JP" dirty="0" err="1">
-                <a:ea typeface="Hiragino Kaku Gothic Pro W3" panose="020B0300000000000000"/>
-              </a:rPr>
-              <a:t>LightGBM</a:t>
-            </a:r>
-            <a:r>
-              <a:rPr lang="ja-JP" altLang="en-US" dirty="0">
-                <a:ea typeface="Hiragino Kaku Gothic Pro W3" panose="020B0300000000000000"/>
-              </a:rPr>
-              <a:t>で顔の部位を用いた特徴の重要度を出力した</a:t>
-            </a:r>
-            <a:endParaRPr lang="en-US" altLang="ja-JP" dirty="0">
-              <a:ea typeface="Hiragino Kaku Gothic Pro W3" panose="020B0300000000000000"/>
-            </a:endParaRPr>
-          </a:p>
-          <a:p>
-            <a:pPr lvl="1">
-              <a:buFont typeface="Wingdings" panose="05000000000000000000" pitchFamily="2" charset="2"/>
-              <a:buChar char="Ø"/>
-            </a:pPr>
-            <a:r>
-              <a:rPr lang="ja-JP" altLang="en-US" dirty="0">
-                <a:ea typeface="Hiragino Kaku Gothic Pro W3" panose="020B0300000000000000"/>
-              </a:rPr>
-              <a:t>顔の長さ、鼻の幅、眉毛の幅及び高さのような順で重要度が高いことがわかった</a:t>
-            </a:r>
-            <a:endParaRPr lang="en-US" altLang="ja-JP" dirty="0">
-              <a:ea typeface="Hiragino Kaku Gothic Pro W3" panose="020B0300000000000000"/>
-            </a:endParaRPr>
+          <a:bodyPr>
+            <a:normAutofit/>
+          </a:bodyPr>
+          <a:lstStyle/>
+          <a:p>
+            <a:r>
+              <a:rPr lang="en-US" altLang="ja-JP" dirty="0"/>
+              <a:t>DCT</a:t>
+            </a:r>
+            <a:r>
+              <a:rPr lang="ja-JP" altLang="en-US"/>
+              <a:t>マッチングでは、加工を行わなかった画像と、</a:t>
+            </a:r>
+            <a:r>
+              <a:rPr lang="en-US" altLang="ja-JP" dirty="0"/>
+              <a:t>OpenCV</a:t>
+            </a:r>
+            <a:r>
+              <a:rPr lang="ja-JP" altLang="en-US"/>
+              <a:t>を用いた</a:t>
+            </a:r>
+            <a:r>
+              <a:rPr lang="en-US" altLang="ja-JP" dirty="0"/>
+              <a:t>Canny</a:t>
+            </a:r>
+            <a:r>
+              <a:rPr lang="ja-JP" altLang="en-US"/>
+              <a:t>法でエッジ検出を行なった画像を用いて比較を行なった．その結果、加工を行わなかった場合は認識精度が</a:t>
+            </a:r>
+            <a:r>
+              <a:rPr lang="en-US" altLang="ja-JP" dirty="0"/>
+              <a:t>52%</a:t>
+            </a:r>
+            <a:r>
+              <a:rPr lang="ja-JP" altLang="en-US"/>
+              <a:t>、エッジ検出を行なった場合は</a:t>
+            </a:r>
+            <a:r>
+              <a:rPr lang="en-US" altLang="ja-JP" dirty="0"/>
+              <a:t>79%</a:t>
+            </a:r>
+            <a:r>
+              <a:rPr lang="ja-JP" altLang="en-US"/>
+              <a:t>となった。</a:t>
+            </a:r>
+            <a:r>
+              <a:rPr lang="en-US" altLang="ja-JP" dirty="0"/>
+              <a:t>(</a:t>
+            </a:r>
+            <a:r>
+              <a:rPr lang="ja-JP" altLang="en-US"/>
+              <a:t>一部の成分を抽出</a:t>
+            </a:r>
+            <a:r>
+              <a:rPr lang="en-US" altLang="ja-JP" dirty="0"/>
+              <a:t>)</a:t>
+            </a:r>
+          </a:p>
+          <a:p>
+            <a:r>
+              <a:rPr kumimoji="1" lang="ja-JP" altLang="en-US"/>
+              <a:t>この結果から、エッジ検出は有効であることがわかる。</a:t>
+            </a:r>
           </a:p>
         </p:txBody>
       </p:sp>
       <p:pic>
         <p:nvPicPr>
-          <p:cNvPr id="4" name="図 3" descr="スクリーンショット が含まれている画像&#10;&#10;高い精度で生成された説明">
-            <a:extLst>
-              <a:ext uri="{FF2B5EF4-FFF2-40B4-BE49-F238E27FC236}">
-                <a16:creationId xmlns:a16="http://schemas.microsoft.com/office/drawing/2014/main" id="{F595F36B-7B74-44FD-867B-FBD09D7BE5C2}"/>
+          <p:cNvPr id="6" name="図 5">
+            <a:extLst>
+              <a:ext uri="{FF2B5EF4-FFF2-40B4-BE49-F238E27FC236}">
+                <a16:creationId xmlns:a16="http://schemas.microsoft.com/office/drawing/2014/main" id="{2357BFE7-EB60-7F41-AFC5-07BC748D53B9}"/>
               </a:ext>
             </a:extLst>
           </p:cNvPr>
@@ -11538,75 +11621,28 @@
           </p:cNvPicPr>
           <p:nvPr/>
         </p:nvPicPr>
-        <p:blipFill rotWithShape="1">
+        <p:blipFill>
           <a:blip r:embed="rId2"/>
-          <a:srcRect l="4354" t="14358" r="10387" b="3821"/>
-          <a:stretch/>
+          <a:stretch>
+            <a:fillRect/>
+          </a:stretch>
         </p:blipFill>
         <p:spPr>
           <a:xfrm>
-            <a:off x="8364576" y="387589"/>
-            <a:ext cx="3263499" cy="2568763"/>
+            <a:off x="1213199" y="4384338"/>
+            <a:ext cx="1538941" cy="1538941"/>
           </a:xfrm>
           <a:prstGeom prst="rect">
             <a:avLst/>
           </a:prstGeom>
         </p:spPr>
       </p:pic>
-      <p:sp>
-        <p:nvSpPr>
-          <p:cNvPr id="5" name="正方形/長方形 4">
-            <a:extLst>
-              <a:ext uri="{FF2B5EF4-FFF2-40B4-BE49-F238E27FC236}">
-                <a16:creationId xmlns:a16="http://schemas.microsoft.com/office/drawing/2014/main" id="{21A346A9-4205-43FE-AFE0-AFD912EB880A}"/>
-              </a:ext>
-            </a:extLst>
-          </p:cNvPr>
-          <p:cNvSpPr/>
-          <p:nvPr/>
-        </p:nvSpPr>
-        <p:spPr>
-          <a:xfrm>
-            <a:off x="8655252" y="2956352"/>
-            <a:ext cx="2682145" cy="461665"/>
-          </a:xfrm>
-          <a:prstGeom prst="rect">
-            <a:avLst/>
-          </a:prstGeom>
-        </p:spPr>
-        <p:txBody>
-          <a:bodyPr wrap="none">
-            <a:spAutoFit/>
-          </a:bodyPr>
-          <a:lstStyle/>
-          <a:p>
-            <a:r>
-              <a:rPr lang="en-US" altLang="ja-JP" sz="2400" dirty="0">
-                <a:latin typeface="DIN Alternate" panose="020B0500000000000000"/>
-                <a:ea typeface="Hiragino Kaku Gothic Pro W3" panose="020B0300000000000000" pitchFamily="34" charset="-128"/>
-              </a:rPr>
-              <a:t>train</a:t>
-            </a:r>
-            <a:r>
-              <a:rPr lang="ja-JP" altLang="en-US" sz="2400" dirty="0">
-                <a:latin typeface="Hiragino Kaku Gothic Pro W3" panose="020B0300000000000000" pitchFamily="34" charset="-128"/>
-                <a:ea typeface="Hiragino Kaku Gothic Pro W3" panose="020B0300000000000000" pitchFamily="34" charset="-128"/>
-              </a:rPr>
-              <a:t>データの精度</a:t>
-            </a:r>
-            <a:endParaRPr lang="en-US" altLang="ja-JP" sz="2400" dirty="0">
-              <a:latin typeface="Hiragino Kaku Gothic Pro W3" panose="020B0300000000000000" pitchFamily="34" charset="-128"/>
-              <a:ea typeface="Hiragino Kaku Gothic Pro W3" panose="020B0300000000000000" pitchFamily="34" charset="-128"/>
-            </a:endParaRPr>
-          </a:p>
-        </p:txBody>
-      </p:sp>
       <p:pic>
         <p:nvPicPr>
-          <p:cNvPr id="7" name="図 6" descr="スクリーンショット が含まれている画像&#10;&#10;非常に高い精度で生成された説明">
-            <a:extLst>
-              <a:ext uri="{FF2B5EF4-FFF2-40B4-BE49-F238E27FC236}">
-                <a16:creationId xmlns:a16="http://schemas.microsoft.com/office/drawing/2014/main" id="{A781040C-B6AD-47DD-903E-A82E164DAD12}"/>
+          <p:cNvPr id="8" name="図 7">
+            <a:extLst>
+              <a:ext uri="{FF2B5EF4-FFF2-40B4-BE49-F238E27FC236}">
+                <a16:creationId xmlns:a16="http://schemas.microsoft.com/office/drawing/2014/main" id="{6A172E25-F048-9D47-8701-17F1CA73BC2F}"/>
               </a:ext>
             </a:extLst>
           </p:cNvPr>
@@ -11616,79 +11652,249 @@
           <p:nvPr/>
         </p:nvPicPr>
         <p:blipFill>
-          <a:blip r:embed="rId3">
-            <a:clrChange>
-              <a:clrFrom>
-                <a:srgbClr val="FFFFFF"/>
-              </a:clrFrom>
-              <a:clrTo>
-                <a:srgbClr val="FFFFFF">
-                  <a:alpha val="0"/>
-                </a:srgbClr>
-              </a:clrTo>
-            </a:clrChange>
-          </a:blip>
+          <a:blip r:embed="rId3"/>
           <a:stretch>
             <a:fillRect/>
           </a:stretch>
         </p:blipFill>
         <p:spPr>
           <a:xfrm>
-            <a:off x="8069779" y="3418017"/>
-            <a:ext cx="3853090" cy="2311855"/>
+            <a:off x="6904136" y="4384336"/>
+            <a:ext cx="1538941" cy="1538941"/>
           </a:xfrm>
           <a:prstGeom prst="rect">
             <a:avLst/>
           </a:prstGeom>
         </p:spPr>
       </p:pic>
-      <p:sp>
-        <p:nvSpPr>
-          <p:cNvPr id="8" name="正方形/長方形 7">
-            <a:extLst>
-              <a:ext uri="{FF2B5EF4-FFF2-40B4-BE49-F238E27FC236}">
-                <a16:creationId xmlns:a16="http://schemas.microsoft.com/office/drawing/2014/main" id="{9E3B3E30-AD66-41BB-AD1A-76100C17FB92}"/>
-              </a:ext>
-            </a:extLst>
-          </p:cNvPr>
-          <p:cNvSpPr/>
+      <p:pic>
+        <p:nvPicPr>
+          <p:cNvPr id="10" name="図 9">
+            <a:extLst>
+              <a:ext uri="{FF2B5EF4-FFF2-40B4-BE49-F238E27FC236}">
+                <a16:creationId xmlns:a16="http://schemas.microsoft.com/office/drawing/2014/main" id="{0CCEE53A-E704-1A48-BBA6-EAA1322D9CE8}"/>
+              </a:ext>
+            </a:extLst>
+          </p:cNvPr>
+          <p:cNvPicPr>
+            <a:picLocks noChangeAspect="1"/>
+          </p:cNvPicPr>
           <p:nvPr/>
-        </p:nvSpPr>
+        </p:nvPicPr>
+        <p:blipFill>
+          <a:blip r:embed="rId4"/>
+          <a:stretch>
+            <a:fillRect/>
+          </a:stretch>
+        </p:blipFill>
         <p:spPr>
           <a:xfrm>
-            <a:off x="8826773" y="5752121"/>
-            <a:ext cx="2339102" cy="461665"/>
+            <a:off x="9338275" y="4384334"/>
+            <a:ext cx="1538941" cy="1538941"/>
           </a:xfrm>
           <a:prstGeom prst="rect">
             <a:avLst/>
           </a:prstGeom>
         </p:spPr>
-        <p:txBody>
-          <a:bodyPr wrap="none">
+      </p:pic>
+      <p:pic>
+        <p:nvPicPr>
+          <p:cNvPr id="12" name="図 11">
+            <a:extLst>
+              <a:ext uri="{FF2B5EF4-FFF2-40B4-BE49-F238E27FC236}">
+                <a16:creationId xmlns:a16="http://schemas.microsoft.com/office/drawing/2014/main" id="{B3A84A3B-63B0-8546-BD9E-BD93A93D974B}"/>
+              </a:ext>
+            </a:extLst>
+          </p:cNvPr>
+          <p:cNvPicPr>
+            <a:picLocks noChangeAspect="1"/>
+          </p:cNvPicPr>
+          <p:nvPr/>
+        </p:nvPicPr>
+        <p:blipFill>
+          <a:blip r:embed="rId5"/>
+          <a:stretch>
+            <a:fillRect/>
+          </a:stretch>
+        </p:blipFill>
+        <p:spPr>
+          <a:xfrm>
+            <a:off x="3649955" y="4384335"/>
+            <a:ext cx="1538941" cy="1538941"/>
+          </a:xfrm>
+          <a:prstGeom prst="rect">
+            <a:avLst/>
+          </a:prstGeom>
+        </p:spPr>
+      </p:pic>
+      <p:cxnSp>
+        <p:nvCxnSpPr>
+          <p:cNvPr id="13" name="直線矢印コネクタ 12">
+            <a:extLst>
+              <a:ext uri="{FF2B5EF4-FFF2-40B4-BE49-F238E27FC236}">
+                <a16:creationId xmlns:a16="http://schemas.microsoft.com/office/drawing/2014/main" id="{5F209111-2FA0-EF49-8714-A5657E4A3CFB}"/>
+              </a:ext>
+            </a:extLst>
+          </p:cNvPr>
+          <p:cNvCxnSpPr>
+            <a:cxnSpLocks/>
+            <a:stCxn id="6" idx="3"/>
+            <a:endCxn id="12" idx="1"/>
+          </p:cNvCxnSpPr>
+          <p:nvPr/>
+        </p:nvCxnSpPr>
+        <p:spPr>
+          <a:xfrm flipV="1">
+            <a:off x="2752140" y="5153806"/>
+            <a:ext cx="897815" cy="3"/>
+          </a:xfrm>
+          <a:prstGeom prst="straightConnector1">
+            <a:avLst/>
+          </a:prstGeom>
+          <a:ln w="44450">
+            <a:tailEnd type="triangle" w="lg" len="lg"/>
+          </a:ln>
+        </p:spPr>
+        <p:style>
+          <a:lnRef idx="1">
+            <a:schemeClr val="dk1"/>
+          </a:lnRef>
+          <a:fillRef idx="0">
+            <a:schemeClr val="dk1"/>
+          </a:fillRef>
+          <a:effectRef idx="0">
+            <a:schemeClr val="dk1"/>
+          </a:effectRef>
+          <a:fontRef idx="minor">
+            <a:schemeClr val="tx1"/>
+          </a:fontRef>
+        </p:style>
+      </p:cxnSp>
+      <p:sp>
+        <p:nvSpPr>
+          <p:cNvPr id="18" name="テキスト ボックス 17">
+            <a:extLst>
+              <a:ext uri="{FF2B5EF4-FFF2-40B4-BE49-F238E27FC236}">
+                <a16:creationId xmlns:a16="http://schemas.microsoft.com/office/drawing/2014/main" id="{211E12A5-4EBA-2249-803E-05CCD5DD2A00}"/>
+              </a:ext>
+            </a:extLst>
+          </p:cNvPr>
+          <p:cNvSpPr txBox="1"/>
+          <p:nvPr/>
+        </p:nvSpPr>
+        <p:spPr>
+          <a:xfrm>
+            <a:off x="2847719" y="4692139"/>
+            <a:ext cx="704039" cy="461665"/>
+          </a:xfrm>
+          <a:prstGeom prst="rect">
+            <a:avLst/>
+          </a:prstGeom>
+          <a:noFill/>
+        </p:spPr>
+        <p:txBody>
+          <a:bodyPr wrap="none" rtlCol="0">
             <a:spAutoFit/>
           </a:bodyPr>
           <a:lstStyle/>
           <a:p>
             <a:r>
-              <a:rPr lang="ja-JP" altLang="en-US" sz="2400" dirty="0">
-                <a:latin typeface="DIN Alternate" panose="020B0500000000000000"/>
+              <a:rPr lang="en-US" altLang="ja-JP" sz="2400" b="1" dirty="0">
+                <a:latin typeface="DIN Alternate"/>
                 <a:ea typeface="Hiragino Kaku Gothic Pro W3" panose="020B0300000000000000" pitchFamily="34" charset="-128"/>
               </a:rPr>
-              <a:t>特徴量の重要度</a:t>
-            </a:r>
-            <a:endParaRPr lang="en-US" altLang="ja-JP" sz="2400" dirty="0">
-              <a:latin typeface="Hiragino Kaku Gothic Pro W3" panose="020B0300000000000000" pitchFamily="34" charset="-128"/>
-              <a:ea typeface="Hiragino Kaku Gothic Pro W3" panose="020B0300000000000000" pitchFamily="34" charset="-128"/>
-            </a:endParaRPr>
-          </a:p>
-        </p:txBody>
-      </p:sp>
-      <p:sp>
-        <p:nvSpPr>
-          <p:cNvPr id="10" name="ProgressBar">
-            <a:extLst>
-              <a:ext uri="{FF2B5EF4-FFF2-40B4-BE49-F238E27FC236}">
-                <a16:creationId xmlns:a16="http://schemas.microsoft.com/office/drawing/2014/main" id="{0C1F6260-4A54-40B2-A3C9-2E6AA1E45CE4}"/>
+              <a:t>DCT</a:t>
+            </a:r>
+          </a:p>
+        </p:txBody>
+      </p:sp>
+      <p:cxnSp>
+        <p:nvCxnSpPr>
+          <p:cNvPr id="19" name="直線矢印コネクタ 18">
+            <a:extLst>
+              <a:ext uri="{FF2B5EF4-FFF2-40B4-BE49-F238E27FC236}">
+                <a16:creationId xmlns:a16="http://schemas.microsoft.com/office/drawing/2014/main" id="{4624E4F8-1568-0B46-B60D-70ACFA97098A}"/>
+              </a:ext>
+            </a:extLst>
+          </p:cNvPr>
+          <p:cNvCxnSpPr>
+            <a:cxnSpLocks/>
+            <a:stCxn id="8" idx="3"/>
+            <a:endCxn id="10" idx="1"/>
+          </p:cNvCxnSpPr>
+          <p:nvPr/>
+        </p:nvCxnSpPr>
+        <p:spPr>
+          <a:xfrm flipV="1">
+            <a:off x="8443077" y="5153805"/>
+            <a:ext cx="895198" cy="2"/>
+          </a:xfrm>
+          <a:prstGeom prst="straightConnector1">
+            <a:avLst/>
+          </a:prstGeom>
+          <a:ln w="44450">
+            <a:tailEnd type="triangle" w="lg" len="lg"/>
+          </a:ln>
+        </p:spPr>
+        <p:style>
+          <a:lnRef idx="1">
+            <a:schemeClr val="dk1"/>
+          </a:lnRef>
+          <a:fillRef idx="0">
+            <a:schemeClr val="dk1"/>
+          </a:fillRef>
+          <a:effectRef idx="0">
+            <a:schemeClr val="dk1"/>
+          </a:effectRef>
+          <a:fontRef idx="minor">
+            <a:schemeClr val="tx1"/>
+          </a:fontRef>
+        </p:style>
+      </p:cxnSp>
+      <p:sp>
+        <p:nvSpPr>
+          <p:cNvPr id="20" name="テキスト ボックス 19">
+            <a:extLst>
+              <a:ext uri="{FF2B5EF4-FFF2-40B4-BE49-F238E27FC236}">
+                <a16:creationId xmlns:a16="http://schemas.microsoft.com/office/drawing/2014/main" id="{22664DB6-0099-3548-AB83-3C633AA578B0}"/>
+              </a:ext>
+            </a:extLst>
+          </p:cNvPr>
+          <p:cNvSpPr txBox="1"/>
+          <p:nvPr/>
+        </p:nvSpPr>
+        <p:spPr>
+          <a:xfrm>
+            <a:off x="8538656" y="4692138"/>
+            <a:ext cx="704039" cy="461665"/>
+          </a:xfrm>
+          <a:prstGeom prst="rect">
+            <a:avLst/>
+          </a:prstGeom>
+          <a:noFill/>
+        </p:spPr>
+        <p:txBody>
+          <a:bodyPr wrap="none" rtlCol="0">
+            <a:spAutoFit/>
+          </a:bodyPr>
+          <a:lstStyle/>
+          <a:p>
+            <a:r>
+              <a:rPr lang="en-US" altLang="ja-JP" sz="2400" b="1" dirty="0">
+                <a:latin typeface="DIN Alternate"/>
+                <a:ea typeface="Hiragino Kaku Gothic Pro W3" panose="020B0300000000000000" pitchFamily="34" charset="-128"/>
+              </a:rPr>
+              <a:t>DCT</a:t>
+            </a:r>
+          </a:p>
+        </p:txBody>
+      </p:sp>
+      <p:sp>
+        <p:nvSpPr>
+          <p:cNvPr id="23" name="ProgressBar">
+            <a:extLst>
+              <a:ext uri="{FF2B5EF4-FFF2-40B4-BE49-F238E27FC236}">
+                <a16:creationId xmlns:a16="http://schemas.microsoft.com/office/drawing/2014/main" id="{C8248910-9F41-F041-A4FB-0181C24A6CBE}"/>
               </a:ext>
             </a:extLst>
           </p:cNvPr>
@@ -11698,7 +11904,7 @@
         <p:spPr>
           <a:xfrm>
             <a:off x="0" y="6731000"/>
-            <a:ext cx="9625263" cy="127000"/>
+            <a:ext cx="9144000" cy="127000"/>
           </a:xfrm>
           <a:prstGeom prst="rect">
             <a:avLst/>
@@ -11754,6 +11960,435 @@
     </p:spTree>
     <p:extLst>
       <p:ext uri="{BB962C8B-B14F-4D97-AF65-F5344CB8AC3E}">
+        <p14:creationId xmlns:p14="http://schemas.microsoft.com/office/powerpoint/2010/main" val="203464489"/>
+      </p:ext>
+    </p:extLst>
+  </p:cSld>
+  <p:clrMapOvr>
+    <a:masterClrMapping/>
+  </p:clrMapOvr>
+</p:sld>
+</file>
+
+<file path=ppt/slides/slide16.xml><?xml version="1.0" encoding="utf-8"?>
+<p:sld xmlns:a="http://schemas.openxmlformats.org/drawingml/2006/main" xmlns:r="http://schemas.openxmlformats.org/officeDocument/2006/relationships" xmlns:p="http://schemas.openxmlformats.org/presentationml/2006/main">
+  <p:cSld>
+    <p:spTree>
+      <p:nvGrpSpPr>
+        <p:cNvPr id="1" name=""/>
+        <p:cNvGrpSpPr/>
+        <p:nvPr/>
+      </p:nvGrpSpPr>
+      <p:grpSpPr>
+        <a:xfrm>
+          <a:off x="0" y="0"/>
+          <a:ext cx="0" cy="0"/>
+          <a:chOff x="0" y="0"/>
+          <a:chExt cx="0" cy="0"/>
+        </a:xfrm>
+      </p:grpSpPr>
+      <p:sp>
+        <p:nvSpPr>
+          <p:cNvPr id="2" name="タイトル 1">
+            <a:extLst>
+              <a:ext uri="{FF2B5EF4-FFF2-40B4-BE49-F238E27FC236}">
+                <a16:creationId xmlns:a16="http://schemas.microsoft.com/office/drawing/2014/main" id="{C8FE985A-FE63-46B3-A7FE-0A9F2B094DBC}"/>
+              </a:ext>
+            </a:extLst>
+          </p:cNvPr>
+          <p:cNvSpPr>
+            <a:spLocks noGrp="1"/>
+          </p:cNvSpPr>
+          <p:nvPr>
+            <p:ph type="title"/>
+          </p:nvPr>
+        </p:nvSpPr>
+        <p:spPr/>
+        <p:txBody>
+          <a:bodyPr/>
+          <a:lstStyle/>
+          <a:p>
+            <a:r>
+              <a:rPr kumimoji="1" lang="ja-JP" altLang="en-US" dirty="0"/>
+              <a:t>考察</a:t>
+            </a:r>
+          </a:p>
+        </p:txBody>
+      </p:sp>
+      <p:sp>
+        <p:nvSpPr>
+          <p:cNvPr id="3" name="コンテンツ プレースホルダー 2">
+            <a:extLst>
+              <a:ext uri="{FF2B5EF4-FFF2-40B4-BE49-F238E27FC236}">
+                <a16:creationId xmlns:a16="http://schemas.microsoft.com/office/drawing/2014/main" id="{5FD6BA53-87C6-434B-A8CB-EC8088CDD7A4}"/>
+              </a:ext>
+            </a:extLst>
+          </p:cNvPr>
+          <p:cNvSpPr>
+            <a:spLocks noGrp="1"/>
+          </p:cNvSpPr>
+          <p:nvPr>
+            <p:ph idx="1"/>
+          </p:nvPr>
+        </p:nvSpPr>
+        <p:spPr>
+          <a:xfrm>
+            <a:off x="838200" y="1825625"/>
+            <a:ext cx="7226508" cy="4351338"/>
+          </a:xfrm>
+        </p:spPr>
+        <p:txBody>
+          <a:bodyPr/>
+          <a:lstStyle/>
+          <a:p>
+            <a:r>
+              <a:rPr lang="en-US" altLang="ja-JP" dirty="0">
+                <a:ea typeface="Hiragino Kaku Gothic Pro W3" panose="020B0300000000000000"/>
+              </a:rPr>
+              <a:t>CNN</a:t>
+            </a:r>
+            <a:r>
+              <a:rPr lang="ja-JP" altLang="en-US" dirty="0">
+                <a:ea typeface="Hiragino Kaku Gothic Pro W3" panose="020B0300000000000000"/>
+              </a:rPr>
+              <a:t>を実行すると、学習データに最適化はされたが、検証データでは</a:t>
+            </a:r>
+            <a:r>
+              <a:rPr lang="en-US" altLang="ja-JP" dirty="0">
+                <a:ea typeface="Hiragino Kaku Gothic Pro W3" panose="020B0300000000000000"/>
+              </a:rPr>
+              <a:t>60%</a:t>
+            </a:r>
+            <a:r>
+              <a:rPr lang="ja-JP" altLang="en-US" dirty="0">
+                <a:ea typeface="Hiragino Kaku Gothic Pro W3" panose="020B0300000000000000"/>
+              </a:rPr>
+              <a:t>程度の精度しか出ない</a:t>
+            </a:r>
+            <a:endParaRPr lang="en-US" altLang="ja-JP" dirty="0">
+              <a:ea typeface="Hiragino Kaku Gothic Pro W3" panose="020B0300000000000000"/>
+            </a:endParaRPr>
+          </a:p>
+          <a:p>
+            <a:pPr lvl="1">
+              <a:buFont typeface="Wingdings" panose="05000000000000000000" pitchFamily="2" charset="2"/>
+              <a:buChar char="Ø"/>
+            </a:pPr>
+            <a:r>
+              <a:rPr lang="ja-JP" altLang="en-US">
+                <a:ea typeface="Hiragino Kaku Gothic Pro W3" panose="020B0300000000000000"/>
+              </a:rPr>
+              <a:t>学習データが少なく、検証データに対応出来ていない</a:t>
+            </a:r>
+            <a:r>
+              <a:rPr lang="en-US" altLang="ja-JP" dirty="0">
+                <a:latin typeface="DIN Alternate" panose="020B0500000000000000" pitchFamily="34" charset="0"/>
+                <a:ea typeface="Hiragino Kaku Gothic Pro W3" panose="020B0300000000000000"/>
+              </a:rPr>
+              <a:t>(</a:t>
+            </a:r>
+            <a:r>
+              <a:rPr lang="ja-JP" altLang="en-US" b="1">
+                <a:solidFill>
+                  <a:schemeClr val="accent2"/>
+                </a:solidFill>
+                <a:ea typeface="Hiragino Kaku Gothic Pro W3" panose="020B0300000000000000"/>
+              </a:rPr>
+              <a:t>過</a:t>
+            </a:r>
+            <a:r>
+              <a:rPr lang="ja-JP" altLang="en-US" b="1" dirty="0">
+                <a:solidFill>
+                  <a:schemeClr val="accent2"/>
+                </a:solidFill>
+                <a:ea typeface="Hiragino Kaku Gothic Pro W3" panose="020B0300000000000000"/>
+              </a:rPr>
+              <a:t>学習</a:t>
+            </a:r>
+            <a:r>
+              <a:rPr lang="ja-JP" altLang="en-US" dirty="0">
+                <a:ea typeface="Hiragino Kaku Gothic Pro W3" panose="020B0300000000000000"/>
+              </a:rPr>
+              <a:t>して</a:t>
+            </a:r>
+            <a:r>
+              <a:rPr lang="ja-JP" altLang="en-US">
+                <a:ea typeface="Hiragino Kaku Gothic Pro W3" panose="020B0300000000000000"/>
+              </a:rPr>
+              <a:t>しまっている</a:t>
+            </a:r>
+            <a:r>
+              <a:rPr lang="en-US" altLang="ja-JP" dirty="0">
+                <a:latin typeface="DIN Alternate" panose="020B0500000000000000" pitchFamily="34" charset="0"/>
+                <a:ea typeface="Hiragino Kaku Gothic Pro W3" panose="020B0300000000000000"/>
+              </a:rPr>
+              <a:t>)</a:t>
+            </a:r>
+          </a:p>
+          <a:p>
+            <a:r>
+              <a:rPr lang="en-US" altLang="ja-JP" dirty="0" err="1">
+                <a:ea typeface="Hiragino Kaku Gothic Pro W3" panose="020B0300000000000000"/>
+              </a:rPr>
+              <a:t>LightGBM</a:t>
+            </a:r>
+            <a:r>
+              <a:rPr lang="ja-JP" altLang="en-US" dirty="0">
+                <a:ea typeface="Hiragino Kaku Gothic Pro W3" panose="020B0300000000000000"/>
+              </a:rPr>
+              <a:t>で顔の部位を用いた特徴の重要度を出力した</a:t>
+            </a:r>
+            <a:endParaRPr lang="en-US" altLang="ja-JP" dirty="0">
+              <a:ea typeface="Hiragino Kaku Gothic Pro W3" panose="020B0300000000000000"/>
+            </a:endParaRPr>
+          </a:p>
+          <a:p>
+            <a:pPr lvl="1">
+              <a:buFont typeface="Wingdings" panose="05000000000000000000" pitchFamily="2" charset="2"/>
+              <a:buChar char="Ø"/>
+            </a:pPr>
+            <a:r>
+              <a:rPr lang="ja-JP" altLang="en-US" dirty="0">
+                <a:ea typeface="Hiragino Kaku Gothic Pro W3" panose="020B0300000000000000"/>
+              </a:rPr>
+              <a:t>顔の長さ、鼻の幅、眉毛の幅及び高さのような順で重要度が高いことがわかった</a:t>
+            </a:r>
+            <a:endParaRPr lang="en-US" altLang="ja-JP" dirty="0">
+              <a:ea typeface="Hiragino Kaku Gothic Pro W3" panose="020B0300000000000000"/>
+            </a:endParaRPr>
+          </a:p>
+        </p:txBody>
+      </p:sp>
+      <p:pic>
+        <p:nvPicPr>
+          <p:cNvPr id="4" name="図 3" descr="スクリーンショット が含まれている画像&#10;&#10;高い精度で生成された説明">
+            <a:extLst>
+              <a:ext uri="{FF2B5EF4-FFF2-40B4-BE49-F238E27FC236}">
+                <a16:creationId xmlns:a16="http://schemas.microsoft.com/office/drawing/2014/main" id="{F595F36B-7B74-44FD-867B-FBD09D7BE5C2}"/>
+              </a:ext>
+            </a:extLst>
+          </p:cNvPr>
+          <p:cNvPicPr>
+            <a:picLocks noChangeAspect="1"/>
+          </p:cNvPicPr>
+          <p:nvPr/>
+        </p:nvPicPr>
+        <p:blipFill rotWithShape="1">
+          <a:blip r:embed="rId2"/>
+          <a:srcRect l="4354" t="14358" r="10387" b="3821"/>
+          <a:stretch/>
+        </p:blipFill>
+        <p:spPr>
+          <a:xfrm>
+            <a:off x="8519927" y="406306"/>
+            <a:ext cx="3263499" cy="2568763"/>
+          </a:xfrm>
+          <a:prstGeom prst="rect">
+            <a:avLst/>
+          </a:prstGeom>
+        </p:spPr>
+      </p:pic>
+      <p:sp>
+        <p:nvSpPr>
+          <p:cNvPr id="5" name="正方形/長方形 4">
+            <a:extLst>
+              <a:ext uri="{FF2B5EF4-FFF2-40B4-BE49-F238E27FC236}">
+                <a16:creationId xmlns:a16="http://schemas.microsoft.com/office/drawing/2014/main" id="{21A346A9-4205-43FE-AFE0-AFD912EB880A}"/>
+              </a:ext>
+            </a:extLst>
+          </p:cNvPr>
+          <p:cNvSpPr/>
+          <p:nvPr/>
+        </p:nvSpPr>
+        <p:spPr>
+          <a:xfrm>
+            <a:off x="8836729" y="2886499"/>
+            <a:ext cx="2682145" cy="461665"/>
+          </a:xfrm>
+          <a:prstGeom prst="rect">
+            <a:avLst/>
+          </a:prstGeom>
+        </p:spPr>
+        <p:txBody>
+          <a:bodyPr wrap="none">
+            <a:spAutoFit/>
+          </a:bodyPr>
+          <a:lstStyle/>
+          <a:p>
+            <a:r>
+              <a:rPr lang="en-US" altLang="ja-JP" sz="2400" dirty="0">
+                <a:latin typeface="DIN Alternate" panose="020B0500000000000000"/>
+                <a:ea typeface="Hiragino Kaku Gothic Pro W3" panose="020B0300000000000000" pitchFamily="34" charset="-128"/>
+              </a:rPr>
+              <a:t>train</a:t>
+            </a:r>
+            <a:r>
+              <a:rPr lang="ja-JP" altLang="en-US" sz="2400" dirty="0">
+                <a:latin typeface="Hiragino Kaku Gothic Pro W3" panose="020B0300000000000000" pitchFamily="34" charset="-128"/>
+                <a:ea typeface="Hiragino Kaku Gothic Pro W3" panose="020B0300000000000000" pitchFamily="34" charset="-128"/>
+              </a:rPr>
+              <a:t>データの精度</a:t>
+            </a:r>
+            <a:endParaRPr lang="en-US" altLang="ja-JP" sz="2400" dirty="0">
+              <a:latin typeface="Hiragino Kaku Gothic Pro W3" panose="020B0300000000000000" pitchFamily="34" charset="-128"/>
+              <a:ea typeface="Hiragino Kaku Gothic Pro W3" panose="020B0300000000000000" pitchFamily="34" charset="-128"/>
+            </a:endParaRPr>
+          </a:p>
+        </p:txBody>
+      </p:sp>
+      <p:pic>
+        <p:nvPicPr>
+          <p:cNvPr id="7" name="図 6" descr="スクリーンショット が含まれている画像&#10;&#10;非常に高い精度で生成された説明">
+            <a:extLst>
+              <a:ext uri="{FF2B5EF4-FFF2-40B4-BE49-F238E27FC236}">
+                <a16:creationId xmlns:a16="http://schemas.microsoft.com/office/drawing/2014/main" id="{A781040C-B6AD-47DD-903E-A82E164DAD12}"/>
+              </a:ext>
+            </a:extLst>
+          </p:cNvPr>
+          <p:cNvPicPr>
+            <a:picLocks noChangeAspect="1"/>
+          </p:cNvPicPr>
+          <p:nvPr/>
+        </p:nvPicPr>
+        <p:blipFill>
+          <a:blip r:embed="rId3">
+            <a:clrChange>
+              <a:clrFrom>
+                <a:srgbClr val="FFFFFF"/>
+              </a:clrFrom>
+              <a:clrTo>
+                <a:srgbClr val="FFFFFF">
+                  <a:alpha val="0"/>
+                </a:srgbClr>
+              </a:clrTo>
+            </a:clrChange>
+          </a:blip>
+          <a:stretch>
+            <a:fillRect/>
+          </a:stretch>
+        </p:blipFill>
+        <p:spPr>
+          <a:xfrm>
+            <a:off x="8223731" y="3510389"/>
+            <a:ext cx="3699137" cy="2219483"/>
+          </a:xfrm>
+          <a:prstGeom prst="rect">
+            <a:avLst/>
+          </a:prstGeom>
+        </p:spPr>
+      </p:pic>
+      <p:sp>
+        <p:nvSpPr>
+          <p:cNvPr id="8" name="正方形/長方形 7">
+            <a:extLst>
+              <a:ext uri="{FF2B5EF4-FFF2-40B4-BE49-F238E27FC236}">
+                <a16:creationId xmlns:a16="http://schemas.microsoft.com/office/drawing/2014/main" id="{9E3B3E30-AD66-41BB-AD1A-76100C17FB92}"/>
+              </a:ext>
+            </a:extLst>
+          </p:cNvPr>
+          <p:cNvSpPr/>
+          <p:nvPr/>
+        </p:nvSpPr>
+        <p:spPr>
+          <a:xfrm>
+            <a:off x="8982126" y="5729872"/>
+            <a:ext cx="2339102" cy="461665"/>
+          </a:xfrm>
+          <a:prstGeom prst="rect">
+            <a:avLst/>
+          </a:prstGeom>
+        </p:spPr>
+        <p:txBody>
+          <a:bodyPr wrap="none">
+            <a:spAutoFit/>
+          </a:bodyPr>
+          <a:lstStyle/>
+          <a:p>
+            <a:r>
+              <a:rPr lang="ja-JP" altLang="en-US" sz="2400" dirty="0">
+                <a:latin typeface="DIN Alternate" panose="020B0500000000000000"/>
+                <a:ea typeface="Hiragino Kaku Gothic Pro W3" panose="020B0300000000000000" pitchFamily="34" charset="-128"/>
+              </a:rPr>
+              <a:t>特徴量の重要度</a:t>
+            </a:r>
+            <a:endParaRPr lang="en-US" altLang="ja-JP" sz="2400" dirty="0">
+              <a:latin typeface="Hiragino Kaku Gothic Pro W3" panose="020B0300000000000000" pitchFamily="34" charset="-128"/>
+              <a:ea typeface="Hiragino Kaku Gothic Pro W3" panose="020B0300000000000000" pitchFamily="34" charset="-128"/>
+            </a:endParaRPr>
+          </a:p>
+        </p:txBody>
+      </p:sp>
+      <p:sp>
+        <p:nvSpPr>
+          <p:cNvPr id="6" name="ProgressBar">
+            <a:extLst>
+              <a:ext uri="{FF2B5EF4-FFF2-40B4-BE49-F238E27FC236}">
+                <a16:creationId xmlns:a16="http://schemas.microsoft.com/office/drawing/2014/main" id="{E558D520-869C-324A-9E1C-35EE6A440DA5}"/>
+              </a:ext>
+            </a:extLst>
+          </p:cNvPr>
+          <p:cNvSpPr/>
+          <p:nvPr/>
+        </p:nvSpPr>
+        <p:spPr>
+          <a:xfrm>
+            <a:off x="0" y="6731000"/>
+            <a:ext cx="9753600" cy="127000"/>
+          </a:xfrm>
+          <a:prstGeom prst="rect">
+            <a:avLst/>
+          </a:prstGeom>
+          <a:solidFill>
+            <a:srgbClr val="009900"/>
+          </a:solidFill>
+          <a:ln w="12700" cap="flat" cmpd="sng" algn="ctr">
+            <a:noFill/>
+            <a:prstDash val="solid"/>
+            <a:miter lim="800000"/>
+          </a:ln>
+          <a:effectLst/>
+          <a:extLst>
+            <a:ext uri="{91240B29-F687-4F45-9708-019B960494DF}">
+              <a14:hiddenLine xmlns:a14="http://schemas.microsoft.com/office/drawing/2010/main" w="12700" cap="flat" cmpd="sng" algn="ctr">
+                <a:solidFill>
+                  <a:schemeClr val="accent1">
+                    <a:shade val="50000"/>
+                  </a:schemeClr>
+                </a:solidFill>
+                <a:prstDash val="solid"/>
+                <a:miter lim="800000"/>
+              </a14:hiddenLine>
+            </a:ext>
+          </a:extLst>
+        </p:spPr>
+        <p:style>
+          <a:lnRef idx="2">
+            <a:schemeClr val="accent1">
+              <a:shade val="50000"/>
+            </a:schemeClr>
+          </a:lnRef>
+          <a:fillRef idx="1">
+            <a:schemeClr val="accent1"/>
+          </a:fillRef>
+          <a:effectRef idx="0">
+            <a:schemeClr val="accent1"/>
+          </a:effectRef>
+          <a:fontRef idx="minor">
+            <a:schemeClr val="lt1"/>
+          </a:fontRef>
+        </p:style>
+        <p:txBody>
+          <a:bodyPr rtlCol="0" anchor="ctr"/>
+          <a:lstStyle/>
+          <a:p>
+            <a:pPr algn="ctr"/>
+            <a:endParaRPr kumimoji="1" lang="ja-JP" altLang="en-US"/>
+          </a:p>
+        </p:txBody>
+      </p:sp>
+    </p:spTree>
+    <p:extLst>
+      <p:ext uri="{BB962C8B-B14F-4D97-AF65-F5344CB8AC3E}">
         <p14:creationId xmlns:p14="http://schemas.microsoft.com/office/powerpoint/2010/main" val="1179272331"/>
       </p:ext>
     </p:extLst>
@@ -11764,7 +12399,7 @@
 </p:sld>
 </file>
 
-<file path=ppt/slides/slide16.xml><?xml version="1.0" encoding="utf-8"?>
+<file path=ppt/slides/slide17.xml><?xml version="1.0" encoding="utf-8"?>
 <p:sld xmlns:a="http://schemas.openxmlformats.org/drawingml/2006/main" xmlns:r="http://schemas.openxmlformats.org/officeDocument/2006/relationships" xmlns:p="http://schemas.openxmlformats.org/presentationml/2006/main">
   <p:cSld>
     <p:spTree>
@@ -12403,10 +13038,10 @@
           </a:lstStyle>
           <a:p>
             <a:r>
-              <a:rPr lang="ja-JP" altLang="en-US" dirty="0">
+              <a:rPr lang="ja-JP" altLang="en-US">
                 <a:ea typeface="Hiragino Kaku Gothic Pro W3" panose="020B0300000000000000"/>
               </a:rPr>
-              <a:t>少なくとも上記の</a:t>
+              <a:t>この</a:t>
             </a:r>
             <a:r>
               <a:rPr lang="en-US" altLang="ja-JP" dirty="0">
@@ -12415,10 +13050,16 @@
               <a:t>3</a:t>
             </a:r>
             <a:r>
+              <a:rPr lang="ja-JP" altLang="en-US">
+                <a:ea typeface="Hiragino Kaku Gothic Pro W3" panose="020B0300000000000000"/>
+              </a:rPr>
+              <a:t>人は上記の項目</a:t>
+            </a:r>
+            <a:r>
               <a:rPr lang="ja-JP" altLang="en-US" dirty="0">
                 <a:ea typeface="Hiragino Kaku Gothic Pro W3" panose="020B0300000000000000"/>
               </a:rPr>
-              <a:t>人はこの項目を見れば分類できると考えられる</a:t>
+              <a:t>を見れば分類できると考えられる</a:t>
             </a:r>
             <a:endParaRPr lang="en-US" altLang="ja-JP" dirty="0">
               <a:ea typeface="Hiragino Kaku Gothic Pro W3" panose="020B0300000000000000"/>
@@ -12439,10 +13080,10 @@
       </p:sp>
       <p:sp>
         <p:nvSpPr>
-          <p:cNvPr id="23" name="ProgressBar">
-            <a:extLst>
-              <a:ext uri="{FF2B5EF4-FFF2-40B4-BE49-F238E27FC236}">
-                <a16:creationId xmlns:a16="http://schemas.microsoft.com/office/drawing/2014/main" id="{85A1F898-E518-45DC-A8FD-77F7595B2309}"/>
+          <p:cNvPr id="4" name="ProgressBar">
+            <a:extLst>
+              <a:ext uri="{FF2B5EF4-FFF2-40B4-BE49-F238E27FC236}">
+                <a16:creationId xmlns:a16="http://schemas.microsoft.com/office/drawing/2014/main" id="{9A3E8BEA-2A0B-744D-B345-70C5AF312260}"/>
               </a:ext>
             </a:extLst>
           </p:cNvPr>
@@ -12452,7 +13093,7 @@
         <p:spPr>
           <a:xfrm>
             <a:off x="0" y="6731000"/>
-            <a:ext cx="10266948" cy="127000"/>
+            <a:ext cx="10363200" cy="127000"/>
           </a:xfrm>
           <a:prstGeom prst="rect">
             <a:avLst/>
@@ -12518,7 +13159,7 @@
 </p:sld>
 </file>
 
-<file path=ppt/slides/slide17.xml><?xml version="1.0" encoding="utf-8"?>
+<file path=ppt/slides/slide18.xml><?xml version="1.0" encoding="utf-8"?>
 <p:sld xmlns:a="http://schemas.openxmlformats.org/drawingml/2006/main" xmlns:r="http://schemas.openxmlformats.org/officeDocument/2006/relationships" xmlns:p="http://schemas.openxmlformats.org/presentationml/2006/main">
   <p:cSld>
     <p:spTree>
@@ -12807,10 +13448,10 @@
       </p:sp>
       <p:sp>
         <p:nvSpPr>
-          <p:cNvPr id="11" name="ProgressBar">
-            <a:extLst>
-              <a:ext uri="{FF2B5EF4-FFF2-40B4-BE49-F238E27FC236}">
-                <a16:creationId xmlns:a16="http://schemas.microsoft.com/office/drawing/2014/main" id="{BFEA3EEE-7C9A-4437-84CF-D33AF506B0A7}"/>
+          <p:cNvPr id="4" name="ProgressBar">
+            <a:extLst>
+              <a:ext uri="{FF2B5EF4-FFF2-40B4-BE49-F238E27FC236}">
+                <a16:creationId xmlns:a16="http://schemas.microsoft.com/office/drawing/2014/main" id="{0F1E94D3-62AE-DD4F-AC7A-871A3C834B88}"/>
               </a:ext>
             </a:extLst>
           </p:cNvPr>
@@ -12820,7 +13461,7 @@
         <p:spPr>
           <a:xfrm>
             <a:off x="0" y="6731000"/>
-            <a:ext cx="10908632" cy="127000"/>
+            <a:ext cx="10972800" cy="127000"/>
           </a:xfrm>
           <a:prstGeom prst="rect">
             <a:avLst/>
@@ -12886,7 +13527,7 @@
 </p:sld>
 </file>
 
-<file path=ppt/slides/slide18.xml><?xml version="1.0" encoding="utf-8"?>
+<file path=ppt/slides/slide19.xml><?xml version="1.0" encoding="utf-8"?>
 <p:sld xmlns:a="http://schemas.openxmlformats.org/drawingml/2006/main" xmlns:r="http://schemas.openxmlformats.org/officeDocument/2006/relationships" xmlns:p="http://schemas.openxmlformats.org/presentationml/2006/main">
   <p:cSld>
     <p:spTree>
@@ -13035,10 +13676,10 @@
       </p:sp>
       <p:sp>
         <p:nvSpPr>
-          <p:cNvPr id="5" name="ProgressBar">
-            <a:extLst>
-              <a:ext uri="{FF2B5EF4-FFF2-40B4-BE49-F238E27FC236}">
-                <a16:creationId xmlns:a16="http://schemas.microsoft.com/office/drawing/2014/main" id="{DC270628-5BED-4443-AAC7-BDF2C4CA4648}"/>
+          <p:cNvPr id="4" name="ProgressBar">
+            <a:extLst>
+              <a:ext uri="{FF2B5EF4-FFF2-40B4-BE49-F238E27FC236}">
+                <a16:creationId xmlns:a16="http://schemas.microsoft.com/office/drawing/2014/main" id="{DA636699-9E61-3F4E-A2BA-34FAE5D40391}"/>
               </a:ext>
             </a:extLst>
           </p:cNvPr>
@@ -13048,7 +13689,7 @@
         <p:spPr>
           <a:xfrm>
             <a:off x="0" y="6731000"/>
-            <a:ext cx="11550316" cy="127000"/>
+            <a:ext cx="11582400" cy="127000"/>
           </a:xfrm>
           <a:prstGeom prst="rect">
             <a:avLst/>
@@ -13114,7 +13755,7 @@
 </p:sld>
 </file>
 
-<file path=ppt/slides/slide19.xml><?xml version="1.0" encoding="utf-8"?>
+<file path=ppt/slides/slide2.xml><?xml version="1.0" encoding="utf-8"?>
 <p:sld xmlns:a="http://schemas.openxmlformats.org/drawingml/2006/main" xmlns:r="http://schemas.openxmlformats.org/officeDocument/2006/relationships" xmlns:p="http://schemas.openxmlformats.org/presentationml/2006/main">
   <p:cSld>
     <p:spTree>
@@ -13136,7 +13777,7 @@
           <p:cNvPr id="2" name="タイトル 1">
             <a:extLst>
               <a:ext uri="{FF2B5EF4-FFF2-40B4-BE49-F238E27FC236}">
-                <a16:creationId xmlns:a16="http://schemas.microsoft.com/office/drawing/2014/main" id="{CAC664D1-7272-0F4F-AE7D-6EF153CDB207}"/>
+                <a16:creationId xmlns:a16="http://schemas.microsoft.com/office/drawing/2014/main" id="{5BA164F5-142F-5E4A-9887-30AFF2D2ED0B}"/>
               </a:ext>
             </a:extLst>
           </p:cNvPr>
@@ -13147,6 +13788,296 @@
             <p:ph type="title"/>
           </p:nvPr>
         </p:nvSpPr>
+        <p:spPr/>
+        <p:txBody>
+          <a:bodyPr/>
+          <a:lstStyle/>
+          <a:p>
+            <a:r>
+              <a:rPr kumimoji="1" lang="ja-JP" altLang="en-US" dirty="0"/>
+              <a:t>実験目的</a:t>
+            </a:r>
+          </a:p>
+        </p:txBody>
+      </p:sp>
+      <p:sp>
+        <p:nvSpPr>
+          <p:cNvPr id="3" name="コンテンツ プレースホルダー 2">
+            <a:extLst>
+              <a:ext uri="{FF2B5EF4-FFF2-40B4-BE49-F238E27FC236}">
+                <a16:creationId xmlns:a16="http://schemas.microsoft.com/office/drawing/2014/main" id="{089DEB74-39BB-4043-8ED9-52520153567C}"/>
+              </a:ext>
+            </a:extLst>
+          </p:cNvPr>
+          <p:cNvSpPr>
+            <a:spLocks noGrp="1"/>
+          </p:cNvSpPr>
+          <p:nvPr>
+            <p:ph idx="1"/>
+          </p:nvPr>
+        </p:nvSpPr>
+        <p:spPr>
+          <a:xfrm>
+            <a:off x="838200" y="1825625"/>
+            <a:ext cx="9717350" cy="3831463"/>
+          </a:xfrm>
+        </p:spPr>
+        <p:txBody>
+          <a:bodyPr>
+            <a:normAutofit fontScale="92500" lnSpcReduction="20000"/>
+          </a:bodyPr>
+          <a:lstStyle/>
+          <a:p>
+            <a:pPr marL="0" indent="0">
+              <a:lnSpc>
+                <a:spcPct val="170000"/>
+              </a:lnSpc>
+              <a:buNone/>
+            </a:pPr>
+            <a:r>
+              <a:rPr lang="ja-JP" altLang="en-US" sz="3200" dirty="0"/>
+              <a:t>「キムタクに一番似ているのは誰か」という疑問や、「顔をパスワードの代わりとして利用したい」と言った要求に答えるシステムを開発する。代表的なパターン</a:t>
+            </a:r>
+            <a:endParaRPr lang="en-US" altLang="ja-JP" sz="3200" dirty="0"/>
+          </a:p>
+          <a:p>
+            <a:pPr marL="0" indent="0">
+              <a:lnSpc>
+                <a:spcPct val="170000"/>
+              </a:lnSpc>
+              <a:buNone/>
+            </a:pPr>
+            <a:r>
+              <a:rPr lang="ja-JP" altLang="en-US" sz="3200" dirty="0"/>
+              <a:t>識別手法 </a:t>
+            </a:r>
+            <a:r>
+              <a:rPr lang="en-US" altLang="ja-JP" sz="3200" dirty="0"/>
+              <a:t>(K </a:t>
+            </a:r>
+            <a:r>
+              <a:rPr lang="ja-JP" altLang="en-US" sz="3200" dirty="0"/>
+              <a:t>最近傍法、部分空間法等</a:t>
+            </a:r>
+            <a:r>
+              <a:rPr lang="en-US" altLang="ja-JP" sz="3200" dirty="0"/>
+              <a:t>) </a:t>
+            </a:r>
+            <a:r>
+              <a:rPr lang="ja-JP" altLang="en-US" sz="3200" dirty="0"/>
+              <a:t>を学びながら、</a:t>
+            </a:r>
+            <a:endParaRPr lang="en-US" altLang="ja-JP" sz="3200" dirty="0"/>
+          </a:p>
+          <a:p>
+            <a:pPr marL="0" indent="0">
+              <a:lnSpc>
+                <a:spcPct val="170000"/>
+              </a:lnSpc>
+              <a:buNone/>
+            </a:pPr>
+            <a:r>
+              <a:rPr lang="ja-JP" altLang="en-US" sz="3200" dirty="0"/>
+              <a:t>高速で認識率のよいアルゴリズムを作成する。</a:t>
+            </a:r>
+            <a:endParaRPr lang="en-US" altLang="ja-JP" dirty="0"/>
+          </a:p>
+          <a:p>
+            <a:pPr marL="0" indent="0">
+              <a:lnSpc>
+                <a:spcPct val="170000"/>
+              </a:lnSpc>
+              <a:buNone/>
+            </a:pPr>
+            <a:endParaRPr kumimoji="1" lang="ja-JP" altLang="en-US" dirty="0"/>
+          </a:p>
+        </p:txBody>
+      </p:sp>
+      <p:sp>
+        <p:nvSpPr>
+          <p:cNvPr id="4" name="テキスト ボックス 3">
+            <a:extLst>
+              <a:ext uri="{FF2B5EF4-FFF2-40B4-BE49-F238E27FC236}">
+                <a16:creationId xmlns:a16="http://schemas.microsoft.com/office/drawing/2014/main" id="{ED8C36C8-4007-42FD-A640-2406ACF0450F}"/>
+              </a:ext>
+            </a:extLst>
+          </p:cNvPr>
+          <p:cNvSpPr txBox="1"/>
+          <p:nvPr/>
+        </p:nvSpPr>
+        <p:spPr>
+          <a:xfrm>
+            <a:off x="2182368" y="6001623"/>
+            <a:ext cx="9171432" cy="461665"/>
+          </a:xfrm>
+          <a:prstGeom prst="rect">
+            <a:avLst/>
+          </a:prstGeom>
+          <a:noFill/>
+        </p:spPr>
+        <p:txBody>
+          <a:bodyPr wrap="square" rtlCol="0">
+            <a:spAutoFit/>
+          </a:bodyPr>
+          <a:lstStyle/>
+          <a:p>
+            <a:pPr algn="r"/>
+            <a:r>
+              <a:rPr kumimoji="1" lang="en-US" altLang="ja-JP" sz="2400" dirty="0">
+                <a:latin typeface="DIN Alternate" panose="020B0500000000000000" pitchFamily="34" charset="0"/>
+                <a:ea typeface="Hiragino Kaku Gothic Pro W3" panose="020B0300000000000000" pitchFamily="34" charset="-128"/>
+              </a:rPr>
+              <a:t>『</a:t>
+            </a:r>
+            <a:r>
+              <a:rPr kumimoji="1" lang="ja-JP" altLang="en-US" sz="2400" dirty="0">
+                <a:latin typeface="DIN Alternate" panose="020B0500000000000000" pitchFamily="34" charset="0"/>
+                <a:ea typeface="Hiragino Kaku Gothic Pro W3" panose="020B0300000000000000" pitchFamily="34" charset="-128"/>
+              </a:rPr>
+              <a:t>情報プロジェクト</a:t>
+            </a:r>
+            <a:r>
+              <a:rPr lang="ja-JP" altLang="en-US" sz="2400" dirty="0">
+                <a:latin typeface="DIN Alternate" panose="020B0500000000000000" pitchFamily="34" charset="0"/>
+                <a:ea typeface="Hiragino Kaku Gothic Pro W3" panose="020B0300000000000000" pitchFamily="34" charset="-128"/>
+              </a:rPr>
+              <a:t>：マルチメディア情報検索</a:t>
+            </a:r>
+            <a:r>
+              <a:rPr lang="en-US" altLang="ja-JP" sz="2400" dirty="0">
+                <a:latin typeface="DIN Alternate" panose="020B0500000000000000" pitchFamily="34" charset="0"/>
+                <a:ea typeface="Hiragino Kaku Gothic Pro W3" panose="020B0300000000000000" pitchFamily="34" charset="-128"/>
+              </a:rPr>
+              <a:t>』</a:t>
+            </a:r>
+            <a:r>
+              <a:rPr lang="ja-JP" altLang="en-US" sz="2400" dirty="0">
+                <a:latin typeface="DIN Alternate" panose="020B0500000000000000" pitchFamily="34" charset="0"/>
+                <a:ea typeface="Hiragino Kaku Gothic Pro W3" panose="020B0300000000000000" pitchFamily="34" charset="-128"/>
+              </a:rPr>
+              <a:t>配布資料</a:t>
+            </a:r>
+            <a:endParaRPr kumimoji="1" lang="ja-JP" altLang="en-US" sz="2400" dirty="0">
+              <a:latin typeface="DIN Alternate" panose="020B0500000000000000" pitchFamily="34" charset="0"/>
+              <a:ea typeface="Hiragino Kaku Gothic Pro W3" panose="020B0300000000000000" pitchFamily="34" charset="-128"/>
+            </a:endParaRPr>
+          </a:p>
+        </p:txBody>
+      </p:sp>
+      <p:sp>
+        <p:nvSpPr>
+          <p:cNvPr id="5" name="ProgressBar">
+            <a:extLst>
+              <a:ext uri="{FF2B5EF4-FFF2-40B4-BE49-F238E27FC236}">
+                <a16:creationId xmlns:a16="http://schemas.microsoft.com/office/drawing/2014/main" id="{A9BF92DB-E55E-0A4B-9A72-4B365219E428}"/>
+              </a:ext>
+            </a:extLst>
+          </p:cNvPr>
+          <p:cNvSpPr/>
+          <p:nvPr/>
+        </p:nvSpPr>
+        <p:spPr>
+          <a:xfrm>
+            <a:off x="0" y="6731000"/>
+            <a:ext cx="1219200" cy="127000"/>
+          </a:xfrm>
+          <a:prstGeom prst="rect">
+            <a:avLst/>
+          </a:prstGeom>
+          <a:solidFill>
+            <a:srgbClr val="009900"/>
+          </a:solidFill>
+          <a:ln w="12700" cap="flat" cmpd="sng" algn="ctr">
+            <a:noFill/>
+            <a:prstDash val="solid"/>
+            <a:miter lim="800000"/>
+          </a:ln>
+          <a:effectLst/>
+          <a:extLst>
+            <a:ext uri="{91240B29-F687-4F45-9708-019B960494DF}">
+              <a14:hiddenLine xmlns:a14="http://schemas.microsoft.com/office/drawing/2010/main" w="12700" cap="flat" cmpd="sng" algn="ctr">
+                <a:solidFill>
+                  <a:schemeClr val="accent1">
+                    <a:shade val="50000"/>
+                  </a:schemeClr>
+                </a:solidFill>
+                <a:prstDash val="solid"/>
+                <a:miter lim="800000"/>
+              </a14:hiddenLine>
+            </a:ext>
+          </a:extLst>
+        </p:spPr>
+        <p:style>
+          <a:lnRef idx="2">
+            <a:schemeClr val="accent1">
+              <a:shade val="50000"/>
+            </a:schemeClr>
+          </a:lnRef>
+          <a:fillRef idx="1">
+            <a:schemeClr val="accent1"/>
+          </a:fillRef>
+          <a:effectRef idx="0">
+            <a:schemeClr val="accent1"/>
+          </a:effectRef>
+          <a:fontRef idx="minor">
+            <a:schemeClr val="lt1"/>
+          </a:fontRef>
+        </p:style>
+        <p:txBody>
+          <a:bodyPr rtlCol="0" anchor="ctr"/>
+          <a:lstStyle/>
+          <a:p>
+            <a:pPr algn="ctr"/>
+            <a:endParaRPr kumimoji="1" lang="ja-JP" altLang="en-US"/>
+          </a:p>
+        </p:txBody>
+      </p:sp>
+    </p:spTree>
+    <p:extLst>
+      <p:ext uri="{BB962C8B-B14F-4D97-AF65-F5344CB8AC3E}">
+        <p14:creationId xmlns:p14="http://schemas.microsoft.com/office/powerpoint/2010/main" val="3484931465"/>
+      </p:ext>
+    </p:extLst>
+  </p:cSld>
+  <p:clrMapOvr>
+    <a:masterClrMapping/>
+  </p:clrMapOvr>
+</p:sld>
+</file>
+
+<file path=ppt/slides/slide20.xml><?xml version="1.0" encoding="utf-8"?>
+<p:sld xmlns:a="http://schemas.openxmlformats.org/drawingml/2006/main" xmlns:r="http://schemas.openxmlformats.org/officeDocument/2006/relationships" xmlns:p="http://schemas.openxmlformats.org/presentationml/2006/main">
+  <p:cSld>
+    <p:spTree>
+      <p:nvGrpSpPr>
+        <p:cNvPr id="1" name=""/>
+        <p:cNvGrpSpPr/>
+        <p:nvPr/>
+      </p:nvGrpSpPr>
+      <p:grpSpPr>
+        <a:xfrm>
+          <a:off x="0" y="0"/>
+          <a:ext cx="0" cy="0"/>
+          <a:chOff x="0" y="0"/>
+          <a:chExt cx="0" cy="0"/>
+        </a:xfrm>
+      </p:grpSpPr>
+      <p:sp>
+        <p:nvSpPr>
+          <p:cNvPr id="2" name="タイトル 1">
+            <a:extLst>
+              <a:ext uri="{FF2B5EF4-FFF2-40B4-BE49-F238E27FC236}">
+                <a16:creationId xmlns:a16="http://schemas.microsoft.com/office/drawing/2014/main" id="{CAC664D1-7272-0F4F-AE7D-6EF153CDB207}"/>
+              </a:ext>
+            </a:extLst>
+          </p:cNvPr>
+          <p:cNvSpPr>
+            <a:spLocks noGrp="1"/>
+          </p:cNvSpPr>
+          <p:nvPr>
+            <p:ph type="title"/>
+          </p:nvPr>
+        </p:nvSpPr>
         <p:spPr>
           <a:xfrm>
             <a:off x="838200" y="2766218"/>
@@ -13167,10 +14098,10 @@
       </p:sp>
       <p:sp>
         <p:nvSpPr>
-          <p:cNvPr id="4" name="ProgressBar">
-            <a:extLst>
-              <a:ext uri="{FF2B5EF4-FFF2-40B4-BE49-F238E27FC236}">
-                <a16:creationId xmlns:a16="http://schemas.microsoft.com/office/drawing/2014/main" id="{8AE2E9E5-F732-485E-B24C-733439671944}"/>
+          <p:cNvPr id="3" name="ProgressBar">
+            <a:extLst>
+              <a:ext uri="{FF2B5EF4-FFF2-40B4-BE49-F238E27FC236}">
+                <a16:creationId xmlns:a16="http://schemas.microsoft.com/office/drawing/2014/main" id="{DBCB4199-EA22-4843-8EEE-C763318775E4}"/>
               </a:ext>
             </a:extLst>
           </p:cNvPr>
@@ -13246,458 +14177,6 @@
 </p:sld>
 </file>
 
-<file path=ppt/slides/slide2.xml><?xml version="1.0" encoding="utf-8"?>
-<p:sld xmlns:a="http://schemas.openxmlformats.org/drawingml/2006/main" xmlns:r="http://schemas.openxmlformats.org/officeDocument/2006/relationships" xmlns:p="http://schemas.openxmlformats.org/presentationml/2006/main">
-  <p:cSld>
-    <p:spTree>
-      <p:nvGrpSpPr>
-        <p:cNvPr id="1" name=""/>
-        <p:cNvGrpSpPr/>
-        <p:nvPr/>
-      </p:nvGrpSpPr>
-      <p:grpSpPr>
-        <a:xfrm>
-          <a:off x="0" y="0"/>
-          <a:ext cx="0" cy="0"/>
-          <a:chOff x="0" y="0"/>
-          <a:chExt cx="0" cy="0"/>
-        </a:xfrm>
-      </p:grpSpPr>
-      <p:sp>
-        <p:nvSpPr>
-          <p:cNvPr id="2" name="タイトル 1">
-            <a:extLst>
-              <a:ext uri="{FF2B5EF4-FFF2-40B4-BE49-F238E27FC236}">
-                <a16:creationId xmlns:a16="http://schemas.microsoft.com/office/drawing/2014/main" id="{5BA164F5-142F-5E4A-9887-30AFF2D2ED0B}"/>
-              </a:ext>
-            </a:extLst>
-          </p:cNvPr>
-          <p:cNvSpPr>
-            <a:spLocks noGrp="1"/>
-          </p:cNvSpPr>
-          <p:nvPr>
-            <p:ph type="title"/>
-          </p:nvPr>
-        </p:nvSpPr>
-        <p:spPr/>
-        <p:txBody>
-          <a:bodyPr/>
-          <a:lstStyle/>
-          <a:p>
-            <a:r>
-              <a:rPr kumimoji="1" lang="ja-JP" altLang="en-US" dirty="0"/>
-              <a:t>実験目的</a:t>
-            </a:r>
-          </a:p>
-        </p:txBody>
-      </p:sp>
-      <p:sp>
-        <p:nvSpPr>
-          <p:cNvPr id="3" name="コンテンツ プレースホルダー 2">
-            <a:extLst>
-              <a:ext uri="{FF2B5EF4-FFF2-40B4-BE49-F238E27FC236}">
-                <a16:creationId xmlns:a16="http://schemas.microsoft.com/office/drawing/2014/main" id="{089DEB74-39BB-4043-8ED9-52520153567C}"/>
-              </a:ext>
-            </a:extLst>
-          </p:cNvPr>
-          <p:cNvSpPr>
-            <a:spLocks noGrp="1"/>
-          </p:cNvSpPr>
-          <p:nvPr>
-            <p:ph idx="1"/>
-          </p:nvPr>
-        </p:nvSpPr>
-        <p:spPr>
-          <a:xfrm>
-            <a:off x="838200" y="1825625"/>
-            <a:ext cx="9717350" cy="3831463"/>
-          </a:xfrm>
-        </p:spPr>
-        <p:txBody>
-          <a:bodyPr>
-            <a:normAutofit fontScale="92500" lnSpcReduction="20000"/>
-          </a:bodyPr>
-          <a:lstStyle/>
-          <a:p>
-            <a:pPr marL="0" indent="0">
-              <a:lnSpc>
-                <a:spcPct val="170000"/>
-              </a:lnSpc>
-              <a:buNone/>
-            </a:pPr>
-            <a:r>
-              <a:rPr lang="ja-JP" altLang="en-US" sz="3200" dirty="0"/>
-              <a:t>「キムタクに一番似ているのは誰か」という疑問や、「顔をパスワードの代わりとして利用したい」と言った要求に答えるシステムを開発する。代表的なパターン</a:t>
-            </a:r>
-            <a:endParaRPr lang="en-US" altLang="ja-JP" sz="3200" dirty="0"/>
-          </a:p>
-          <a:p>
-            <a:pPr marL="0" indent="0">
-              <a:lnSpc>
-                <a:spcPct val="170000"/>
-              </a:lnSpc>
-              <a:buNone/>
-            </a:pPr>
-            <a:r>
-              <a:rPr lang="ja-JP" altLang="en-US" sz="3200" dirty="0"/>
-              <a:t>識別手法 </a:t>
-            </a:r>
-            <a:r>
-              <a:rPr lang="en-US" altLang="ja-JP" sz="3200" dirty="0"/>
-              <a:t>(K </a:t>
-            </a:r>
-            <a:r>
-              <a:rPr lang="ja-JP" altLang="en-US" sz="3200" dirty="0"/>
-              <a:t>最近傍法、部分空間法等</a:t>
-            </a:r>
-            <a:r>
-              <a:rPr lang="en-US" altLang="ja-JP" sz="3200" dirty="0"/>
-              <a:t>) </a:t>
-            </a:r>
-            <a:r>
-              <a:rPr lang="ja-JP" altLang="en-US" sz="3200" dirty="0"/>
-              <a:t>を学びながら、</a:t>
-            </a:r>
-            <a:endParaRPr lang="en-US" altLang="ja-JP" sz="3200" dirty="0"/>
-          </a:p>
-          <a:p>
-            <a:pPr marL="0" indent="0">
-              <a:lnSpc>
-                <a:spcPct val="170000"/>
-              </a:lnSpc>
-              <a:buNone/>
-            </a:pPr>
-            <a:r>
-              <a:rPr lang="ja-JP" altLang="en-US" sz="3200" dirty="0"/>
-              <a:t>高速で認識率のよいアルゴリズムを作成する。</a:t>
-            </a:r>
-            <a:endParaRPr lang="en-US" altLang="ja-JP" dirty="0"/>
-          </a:p>
-          <a:p>
-            <a:pPr marL="0" indent="0">
-              <a:lnSpc>
-                <a:spcPct val="170000"/>
-              </a:lnSpc>
-              <a:buNone/>
-            </a:pPr>
-            <a:endParaRPr kumimoji="1" lang="ja-JP" altLang="en-US" dirty="0"/>
-          </a:p>
-        </p:txBody>
-      </p:sp>
-      <p:sp>
-        <p:nvSpPr>
-          <p:cNvPr id="4" name="テキスト ボックス 3">
-            <a:extLst>
-              <a:ext uri="{FF2B5EF4-FFF2-40B4-BE49-F238E27FC236}">
-                <a16:creationId xmlns:a16="http://schemas.microsoft.com/office/drawing/2014/main" id="{ED8C36C8-4007-42FD-A640-2406ACF0450F}"/>
-              </a:ext>
-            </a:extLst>
-          </p:cNvPr>
-          <p:cNvSpPr txBox="1"/>
-          <p:nvPr/>
-        </p:nvSpPr>
-        <p:spPr>
-          <a:xfrm>
-            <a:off x="2182368" y="6001623"/>
-            <a:ext cx="9171432" cy="461665"/>
-          </a:xfrm>
-          <a:prstGeom prst="rect">
-            <a:avLst/>
-          </a:prstGeom>
-          <a:noFill/>
-        </p:spPr>
-        <p:txBody>
-          <a:bodyPr wrap="square" rtlCol="0">
-            <a:spAutoFit/>
-          </a:bodyPr>
-          <a:lstStyle/>
-          <a:p>
-            <a:pPr algn="r"/>
-            <a:r>
-              <a:rPr kumimoji="1" lang="en-US" altLang="ja-JP" sz="2400" dirty="0"/>
-              <a:t>『</a:t>
-            </a:r>
-            <a:r>
-              <a:rPr kumimoji="1" lang="ja-JP" altLang="en-US" sz="2400" dirty="0"/>
-              <a:t>情報プロジェクト</a:t>
-            </a:r>
-            <a:r>
-              <a:rPr lang="ja-JP" altLang="en-US" sz="2400" dirty="0"/>
-              <a:t>：マルチメディア情報検索</a:t>
-            </a:r>
-            <a:r>
-              <a:rPr lang="en-US" altLang="ja-JP" sz="2400" dirty="0"/>
-              <a:t>』</a:t>
-            </a:r>
-            <a:r>
-              <a:rPr lang="ja-JP" altLang="en-US" sz="2400" dirty="0"/>
-              <a:t>配布資料</a:t>
-            </a:r>
-            <a:endParaRPr kumimoji="1" lang="ja-JP" altLang="en-US" sz="2400" dirty="0"/>
-          </a:p>
-        </p:txBody>
-      </p:sp>
-      <p:sp>
-        <p:nvSpPr>
-          <p:cNvPr id="6" name="ProgressBar">
-            <a:extLst>
-              <a:ext uri="{FF2B5EF4-FFF2-40B4-BE49-F238E27FC236}">
-                <a16:creationId xmlns:a16="http://schemas.microsoft.com/office/drawing/2014/main" id="{67735FBB-E82C-446A-88B6-23E100973B81}"/>
-              </a:ext>
-            </a:extLst>
-          </p:cNvPr>
-          <p:cNvSpPr/>
-          <p:nvPr/>
-        </p:nvSpPr>
-        <p:spPr>
-          <a:xfrm>
-            <a:off x="0" y="6731000"/>
-            <a:ext cx="1283368" cy="127000"/>
-          </a:xfrm>
-          <a:prstGeom prst="rect">
-            <a:avLst/>
-          </a:prstGeom>
-          <a:solidFill>
-            <a:srgbClr val="009900"/>
-          </a:solidFill>
-          <a:ln w="12700" cap="flat" cmpd="sng" algn="ctr">
-            <a:noFill/>
-            <a:prstDash val="solid"/>
-            <a:miter lim="800000"/>
-          </a:ln>
-          <a:effectLst/>
-          <a:extLst>
-            <a:ext uri="{91240B29-F687-4F45-9708-019B960494DF}">
-              <a14:hiddenLine xmlns:a14="http://schemas.microsoft.com/office/drawing/2010/main" w="12700" cap="flat" cmpd="sng" algn="ctr">
-                <a:solidFill>
-                  <a:schemeClr val="accent1">
-                    <a:shade val="50000"/>
-                  </a:schemeClr>
-                </a:solidFill>
-                <a:prstDash val="solid"/>
-                <a:miter lim="800000"/>
-              </a14:hiddenLine>
-            </a:ext>
-          </a:extLst>
-        </p:spPr>
-        <p:style>
-          <a:lnRef idx="2">
-            <a:schemeClr val="accent1">
-              <a:shade val="50000"/>
-            </a:schemeClr>
-          </a:lnRef>
-          <a:fillRef idx="1">
-            <a:schemeClr val="accent1"/>
-          </a:fillRef>
-          <a:effectRef idx="0">
-            <a:schemeClr val="accent1"/>
-          </a:effectRef>
-          <a:fontRef idx="minor">
-            <a:schemeClr val="lt1"/>
-          </a:fontRef>
-        </p:style>
-        <p:txBody>
-          <a:bodyPr rtlCol="0" anchor="ctr"/>
-          <a:lstStyle/>
-          <a:p>
-            <a:pPr algn="ctr"/>
-            <a:endParaRPr kumimoji="1" lang="ja-JP" altLang="en-US"/>
-          </a:p>
-        </p:txBody>
-      </p:sp>
-    </p:spTree>
-    <p:extLst>
-      <p:ext uri="{BB962C8B-B14F-4D97-AF65-F5344CB8AC3E}">
-        <p14:creationId xmlns:p14="http://schemas.microsoft.com/office/powerpoint/2010/main" val="3484931465"/>
-      </p:ext>
-    </p:extLst>
-  </p:cSld>
-  <p:clrMapOvr>
-    <a:masterClrMapping/>
-  </p:clrMapOvr>
-</p:sld>
-</file>
-
-<file path=ppt/slides/slide20.xml><?xml version="1.0" encoding="utf-8"?>
-<p:sld xmlns:a="http://schemas.openxmlformats.org/drawingml/2006/main" xmlns:r="http://schemas.openxmlformats.org/officeDocument/2006/relationships" xmlns:p="http://schemas.openxmlformats.org/presentationml/2006/main" show="0">
-  <p:cSld>
-    <p:spTree>
-      <p:nvGrpSpPr>
-        <p:cNvPr id="1" name=""/>
-        <p:cNvGrpSpPr/>
-        <p:nvPr/>
-      </p:nvGrpSpPr>
-      <p:grpSpPr>
-        <a:xfrm>
-          <a:off x="0" y="0"/>
-          <a:ext cx="0" cy="0"/>
-          <a:chOff x="0" y="0"/>
-          <a:chExt cx="0" cy="0"/>
-        </a:xfrm>
-      </p:grpSpPr>
-      <p:sp>
-        <p:nvSpPr>
-          <p:cNvPr id="2" name="タイトル 1">
-            <a:extLst>
-              <a:ext uri="{FF2B5EF4-FFF2-40B4-BE49-F238E27FC236}">
-                <a16:creationId xmlns:a16="http://schemas.microsoft.com/office/drawing/2014/main" id="{D88A2AD3-D916-41B2-8097-8A777A4C39B5}"/>
-              </a:ext>
-            </a:extLst>
-          </p:cNvPr>
-          <p:cNvSpPr>
-            <a:spLocks noGrp="1"/>
-          </p:cNvSpPr>
-          <p:nvPr>
-            <p:ph type="title"/>
-          </p:nvPr>
-        </p:nvSpPr>
-        <p:spPr/>
-        <p:txBody>
-          <a:bodyPr/>
-          <a:lstStyle/>
-          <a:p>
-            <a:r>
-              <a:rPr lang="en-US" altLang="ja-JP" dirty="0"/>
-              <a:t>CNN</a:t>
-            </a:r>
-            <a:r>
-              <a:rPr lang="ja-JP" altLang="en-US" dirty="0"/>
-              <a:t>の説明</a:t>
-            </a:r>
-            <a:endParaRPr kumimoji="1" lang="ja-JP" altLang="en-US" dirty="0"/>
-          </a:p>
-        </p:txBody>
-      </p:sp>
-      <p:sp>
-        <p:nvSpPr>
-          <p:cNvPr id="3" name="コンテンツ プレースホルダー 2">
-            <a:extLst>
-              <a:ext uri="{FF2B5EF4-FFF2-40B4-BE49-F238E27FC236}">
-                <a16:creationId xmlns:a16="http://schemas.microsoft.com/office/drawing/2014/main" id="{B73E2C0F-A7BC-404F-B4EF-08881F146D50}"/>
-              </a:ext>
-            </a:extLst>
-          </p:cNvPr>
-          <p:cNvSpPr>
-            <a:spLocks noGrp="1"/>
-          </p:cNvSpPr>
-          <p:nvPr>
-            <p:ph idx="1"/>
-          </p:nvPr>
-        </p:nvSpPr>
-        <p:spPr>
-          <a:xfrm>
-            <a:off x="838200" y="1825624"/>
-            <a:ext cx="10515600" cy="4667251"/>
-          </a:xfrm>
-        </p:spPr>
-        <p:txBody>
-          <a:bodyPr>
-            <a:normAutofit/>
-          </a:bodyPr>
-          <a:lstStyle/>
-          <a:p>
-            <a:r>
-              <a:rPr lang="ja-JP" altLang="en-US" dirty="0"/>
-              <a:t>通常の</a:t>
-            </a:r>
-            <a:r>
-              <a:rPr lang="en-US" altLang="ja-JP" dirty="0"/>
-              <a:t>NN</a:t>
-            </a:r>
-            <a:r>
-              <a:rPr lang="ja-JP" altLang="en-US" dirty="0"/>
-              <a:t>に前処理として畳み込みとプーリングを行う手法</a:t>
-            </a:r>
-            <a:endParaRPr lang="en-US" altLang="ja-JP" dirty="0"/>
-          </a:p>
-          <a:p>
-            <a:r>
-              <a:rPr lang="ja-JP" altLang="en-US" dirty="0"/>
-              <a:t>畳み込み</a:t>
-            </a:r>
-            <a:endParaRPr lang="en-US" altLang="ja-JP" dirty="0"/>
-          </a:p>
-          <a:p>
-            <a:pPr lvl="1"/>
-            <a:r>
-              <a:rPr lang="ja-JP" altLang="en-US" dirty="0"/>
-              <a:t>フィルターを作成し、特徴を抽出する</a:t>
-            </a:r>
-            <a:endParaRPr lang="en-US" altLang="ja-JP" dirty="0"/>
-          </a:p>
-          <a:p>
-            <a:pPr lvl="1"/>
-            <a:r>
-              <a:rPr lang="ja-JP" altLang="en-US" dirty="0"/>
-              <a:t>形が同じものが検出しやすくなる</a:t>
-            </a:r>
-            <a:endParaRPr lang="en-US" altLang="ja-JP" dirty="0"/>
-          </a:p>
-          <a:p>
-            <a:r>
-              <a:rPr lang="ja-JP" altLang="en-US" dirty="0"/>
-              <a:t>プーリング</a:t>
-            </a:r>
-            <a:endParaRPr lang="en-US" altLang="ja-JP" dirty="0"/>
-          </a:p>
-          <a:p>
-            <a:pPr lvl="1"/>
-            <a:r>
-              <a:rPr lang="ja-JP" altLang="en-US" dirty="0"/>
-              <a:t>複数ピクセルの最大値で画像を縮小させる</a:t>
-            </a:r>
-            <a:endParaRPr lang="en-US" altLang="ja-JP" dirty="0"/>
-          </a:p>
-          <a:p>
-            <a:pPr lvl="1"/>
-            <a:r>
-              <a:rPr lang="ja-JP" altLang="en-US" dirty="0"/>
-              <a:t>位置のずれに頑強になる</a:t>
-            </a:r>
-            <a:endParaRPr lang="en-US" altLang="ja-JP" dirty="0"/>
-          </a:p>
-          <a:p>
-            <a:r>
-              <a:rPr lang="ja-JP" altLang="en-US" dirty="0"/>
-              <a:t>全結合</a:t>
-            </a:r>
-            <a:endParaRPr lang="en-US" altLang="ja-JP" dirty="0"/>
-          </a:p>
-          <a:p>
-            <a:pPr lvl="1"/>
-            <a:r>
-              <a:rPr lang="ja-JP" altLang="en-US" dirty="0"/>
-              <a:t>それまでの層からの出力をもとにニューロンを作成、結合</a:t>
-            </a:r>
-            <a:endParaRPr lang="en-US" altLang="ja-JP" dirty="0"/>
-          </a:p>
-          <a:p>
-            <a:pPr lvl="1"/>
-            <a:r>
-              <a:rPr lang="ja-JP" altLang="en-US" dirty="0"/>
-              <a:t>誤差逆伝播法で重みを学習</a:t>
-            </a:r>
-            <a:endParaRPr lang="en-US" altLang="ja-JP" dirty="0"/>
-          </a:p>
-          <a:p>
-            <a:pPr lvl="1"/>
-            <a:endParaRPr lang="en-US" altLang="ja-JP" dirty="0"/>
-          </a:p>
-        </p:txBody>
-      </p:sp>
-    </p:spTree>
-    <p:extLst>
-      <p:ext uri="{BB962C8B-B14F-4D97-AF65-F5344CB8AC3E}">
-        <p14:creationId xmlns:p14="http://schemas.microsoft.com/office/powerpoint/2010/main" val="3185768764"/>
-      </p:ext>
-    </p:extLst>
-  </p:cSld>
-  <p:clrMapOvr>
-    <a:masterClrMapping/>
-  </p:clrMapOvr>
-</p:sld>
-</file>
-
 <file path=ppt/slides/slide21.xml><?xml version="1.0" encoding="utf-8"?>
 <p:sld xmlns:a="http://schemas.openxmlformats.org/drawingml/2006/main" xmlns:r="http://schemas.openxmlformats.org/officeDocument/2006/relationships" xmlns:p="http://schemas.openxmlformats.org/presentationml/2006/main" show="0">
   <p:cSld>
@@ -13737,8 +14216,8 @@
           <a:lstStyle/>
           <a:p>
             <a:r>
-              <a:rPr lang="en-US" altLang="ja-JP" dirty="0" err="1"/>
-              <a:t>LightGradientBoostingMachine</a:t>
+              <a:rPr lang="en-US" altLang="ja-JP" dirty="0"/>
+              <a:t>CNN</a:t>
             </a:r>
             <a:r>
               <a:rPr lang="ja-JP" altLang="en-US" dirty="0"/>
@@ -13750,10 +14229,10 @@
       </p:sp>
       <p:sp>
         <p:nvSpPr>
-          <p:cNvPr id="4" name="コンテンツ プレースホルダー 3">
-            <a:extLst>
-              <a:ext uri="{FF2B5EF4-FFF2-40B4-BE49-F238E27FC236}">
-                <a16:creationId xmlns:a16="http://schemas.microsoft.com/office/drawing/2014/main" id="{5862F328-3EB0-4163-9B32-05E689A3CF31}"/>
+          <p:cNvPr id="3" name="コンテンツ プレースホルダー 2">
+            <a:extLst>
+              <a:ext uri="{FF2B5EF4-FFF2-40B4-BE49-F238E27FC236}">
+                <a16:creationId xmlns:a16="http://schemas.microsoft.com/office/drawing/2014/main" id="{B73E2C0F-A7BC-404F-B4EF-08881F146D50}"/>
               </a:ext>
             </a:extLst>
           </p:cNvPr>
@@ -13766,8 +14245,8 @@
         </p:nvSpPr>
         <p:spPr>
           <a:xfrm>
-            <a:off x="838200" y="1825625"/>
-            <a:ext cx="10515600" cy="4025463"/>
+            <a:off x="838200" y="1825624"/>
+            <a:ext cx="10515600" cy="4667251"/>
           </a:xfrm>
         </p:spPr>
         <p:txBody>
@@ -13777,191 +14256,90 @@
           <a:lstStyle/>
           <a:p>
             <a:r>
+              <a:rPr lang="ja-JP" altLang="en-US" dirty="0"/>
+              <a:t>通常の</a:t>
+            </a:r>
+            <a:r>
               <a:rPr lang="en-US" altLang="ja-JP" dirty="0"/>
-              <a:t>Microsoft</a:t>
+              <a:t>NN</a:t>
             </a:r>
             <a:r>
               <a:rPr lang="ja-JP" altLang="en-US" dirty="0"/>
-              <a:t>の</a:t>
-            </a:r>
-            <a:r>
-              <a:rPr lang="en-US" altLang="ja-JP" dirty="0"/>
-              <a:t>OSS(</a:t>
-            </a:r>
-            <a:r>
-              <a:rPr lang="en-US" altLang="ja-JP" dirty="0" err="1"/>
-              <a:t>LightGBM</a:t>
-            </a:r>
+              <a:t>に前処理として畳み込みとプーリングを行う手法</a:t>
+            </a:r>
+            <a:endParaRPr lang="en-US" altLang="ja-JP" dirty="0"/>
+          </a:p>
+          <a:p>
             <a:r>
               <a:rPr lang="ja-JP" altLang="en-US" dirty="0"/>
-              <a:t>はアルゴリズム名</a:t>
-            </a:r>
-            <a:r>
-              <a:rPr lang="en-US" altLang="ja-JP" dirty="0"/>
-              <a:t>)</a:t>
-            </a:r>
+              <a:t>畳み込み</a:t>
+            </a:r>
+            <a:endParaRPr lang="en-US" altLang="ja-JP" dirty="0"/>
           </a:p>
           <a:p>
             <a:pPr lvl="1"/>
             <a:r>
-              <a:rPr lang="en-US" altLang="ja-JP" dirty="0"/>
-              <a:t>https://github.com/Microsoft/LightGBM</a:t>
-            </a:r>
-          </a:p>
-          <a:p>
-            <a:r>
-              <a:rPr kumimoji="1" lang="en-US" altLang="ja-JP" dirty="0"/>
-              <a:t>2016</a:t>
-            </a:r>
-            <a:r>
-              <a:rPr kumimoji="1" lang="ja-JP" altLang="en-US" dirty="0"/>
-              <a:t>年に他の</a:t>
-            </a:r>
-            <a:r>
-              <a:rPr kumimoji="1" lang="en-US" altLang="ja-JP" dirty="0"/>
-              <a:t>GBDT</a:t>
-            </a:r>
-            <a:r>
-              <a:rPr kumimoji="1" lang="ja-JP" altLang="en-US" dirty="0"/>
-              <a:t>に圧勝した</a:t>
-            </a:r>
-            <a:r>
-              <a:rPr kumimoji="1" lang="en-US" altLang="ja-JP" dirty="0" err="1"/>
-              <a:t>XGBoost</a:t>
-            </a:r>
-            <a:r>
-              <a:rPr kumimoji="1" lang="ja-JP" altLang="en-US" dirty="0"/>
-              <a:t>より高性能</a:t>
-            </a:r>
-            <a:endParaRPr kumimoji="1" lang="en-US" altLang="ja-JP" dirty="0"/>
-          </a:p>
-          <a:p>
-            <a:r>
-              <a:rPr kumimoji="1" lang="en-US" altLang="ja-JP" dirty="0"/>
-              <a:t>GBDT</a:t>
-            </a:r>
-            <a:r>
-              <a:rPr kumimoji="1" lang="ja-JP" altLang="en-US" dirty="0"/>
-              <a:t>は複数の決定木で学習させる手法</a:t>
-            </a:r>
-            <a:r>
-              <a:rPr kumimoji="1" lang="en-US" altLang="ja-JP" dirty="0"/>
-              <a:t>(Random Forest)</a:t>
-            </a:r>
-          </a:p>
-          <a:p>
-            <a:r>
-              <a:rPr lang="en-US" altLang="ja-JP" dirty="0" err="1"/>
-              <a:t>LightGBM</a:t>
-            </a:r>
-            <a:r>
-              <a:rPr lang="en-US" altLang="ja-JP" dirty="0"/>
-              <a:t> = GBDT(Gradient Boosting Decision Tree) + GOSS(</a:t>
-            </a:r>
-            <a:r>
-              <a:rPr lang="en-US" altLang="ja-JP" dirty="0" err="1"/>
-              <a:t>Gradien</a:t>
-            </a:r>
-            <a:r>
-              <a:rPr lang="en-US" altLang="ja-JP" dirty="0"/>
-              <a:t>-based One-side Sampling) + EFB(Exclusive Feature Bundling)</a:t>
-            </a:r>
+              <a:rPr lang="ja-JP" altLang="en-US" dirty="0"/>
+              <a:t>フィルターを作成し、特徴を抽出する</a:t>
+            </a:r>
+            <a:endParaRPr lang="en-US" altLang="ja-JP" dirty="0"/>
           </a:p>
           <a:p>
             <a:pPr lvl="1"/>
             <a:r>
-              <a:rPr lang="en-US" altLang="ja-JP" dirty="0"/>
-              <a:t>GOSS</a:t>
-            </a:r>
-            <a:r>
               <a:rPr lang="ja-JP" altLang="en-US" dirty="0"/>
-              <a:t>で全データを走査せずに分岐スコアを算出</a:t>
+              <a:t>形が同じものが検出しやすくなる</a:t>
             </a:r>
             <a:endParaRPr lang="en-US" altLang="ja-JP" dirty="0"/>
           </a:p>
           <a:p>
+            <a:r>
+              <a:rPr lang="ja-JP" altLang="en-US" dirty="0"/>
+              <a:t>プーリング</a:t>
+            </a:r>
+            <a:endParaRPr lang="en-US" altLang="ja-JP" dirty="0"/>
+          </a:p>
+          <a:p>
             <a:pPr lvl="1"/>
             <a:r>
-              <a:rPr kumimoji="1" lang="en-US" altLang="ja-JP" dirty="0"/>
-              <a:t>EFB</a:t>
-            </a:r>
-            <a:r>
-              <a:rPr kumimoji="1" lang="ja-JP" altLang="en-US" dirty="0"/>
-              <a:t>で特徴量をまとめて計算量を削減</a:t>
-            </a:r>
-            <a:endParaRPr kumimoji="1" lang="en-US" altLang="ja-JP" dirty="0"/>
-          </a:p>
-          <a:p>
-            <a:endParaRPr kumimoji="1" lang="en-US" altLang="ja-JP" dirty="0"/>
-          </a:p>
-          <a:p>
-            <a:endParaRPr kumimoji="1" lang="ja-JP" altLang="en-US" dirty="0"/>
-          </a:p>
-        </p:txBody>
-      </p:sp>
-      <p:sp>
-        <p:nvSpPr>
-          <p:cNvPr id="7" name="正方形/長方形 6">
-            <a:extLst>
-              <a:ext uri="{FF2B5EF4-FFF2-40B4-BE49-F238E27FC236}">
-                <a16:creationId xmlns:a16="http://schemas.microsoft.com/office/drawing/2014/main" id="{8D2A8BBB-744F-4152-B01A-9009C8DF7F00}"/>
-              </a:ext>
-            </a:extLst>
-          </p:cNvPr>
-          <p:cNvSpPr/>
-          <p:nvPr/>
-        </p:nvSpPr>
-        <p:spPr>
-          <a:xfrm>
-            <a:off x="711200" y="5393888"/>
-            <a:ext cx="10769600" cy="1477328"/>
-          </a:xfrm>
-          <a:prstGeom prst="rect">
-            <a:avLst/>
-          </a:prstGeom>
-        </p:spPr>
-        <p:txBody>
-          <a:bodyPr wrap="square">
-            <a:spAutoFit/>
-          </a:bodyPr>
-          <a:lstStyle/>
-          <a:p>
-            <a:r>
-              <a:rPr lang="en-US" altLang="ja-JP" dirty="0" err="1"/>
-              <a:t>LightGBM</a:t>
-            </a:r>
-            <a:r>
               <a:rPr lang="ja-JP" altLang="en-US" dirty="0"/>
-              <a:t>元論文</a:t>
+              <a:t>複数ピクセルの最大値で画像を縮小させる</a:t>
             </a:r>
             <a:endParaRPr lang="en-US" altLang="ja-JP" dirty="0"/>
           </a:p>
           <a:p>
-            <a:r>
-              <a:rPr lang="ja-JP" altLang="en-US" dirty="0">
-                <a:hlinkClick r:id="rId2"/>
-              </a:rPr>
-              <a:t>https://papers.nips.cc/paper/6907-lightgbm-a-highly-efficient-gradient-boosting-decision-tree.pdf</a:t>
+            <a:pPr lvl="1"/>
+            <a:r>
+              <a:rPr lang="ja-JP" altLang="en-US" dirty="0"/>
+              <a:t>位置のずれに頑強になる</a:t>
             </a:r>
             <a:endParaRPr lang="en-US" altLang="ja-JP" dirty="0"/>
           </a:p>
           <a:p>
             <a:r>
               <a:rPr lang="ja-JP" altLang="en-US" dirty="0"/>
-              <a:t>参考スライド</a:t>
+              <a:t>全結合</a:t>
             </a:r>
             <a:endParaRPr lang="en-US" altLang="ja-JP" dirty="0"/>
           </a:p>
           <a:p>
-            <a:r>
-              <a:rPr lang="en-US" altLang="ja-JP" dirty="0">
-                <a:hlinkClick r:id="rId3"/>
-              </a:rPr>
-              <a:t>https://www.slideshare.net/tkm2261/kaggle-in?next_slideshow=1</a:t>
+            <a:pPr lvl="1"/>
+            <a:r>
+              <a:rPr lang="ja-JP" altLang="en-US" dirty="0"/>
+              <a:t>それまでの層からの出力をもとにニューロンを作成、結合</a:t>
             </a:r>
             <a:endParaRPr lang="en-US" altLang="ja-JP" dirty="0"/>
           </a:p>
           <a:p>
+            <a:pPr lvl="1"/>
+            <a:r>
+              <a:rPr lang="ja-JP" altLang="en-US" dirty="0"/>
+              <a:t>誤差逆伝播法で重みを学習</a:t>
+            </a:r>
+            <a:endParaRPr lang="en-US" altLang="ja-JP" dirty="0"/>
+          </a:p>
+          <a:p>
+            <a:pPr lvl="1"/>
             <a:endParaRPr lang="en-US" altLang="ja-JP" dirty="0"/>
           </a:p>
         </p:txBody>
@@ -13969,7 +14347,7 @@
     </p:spTree>
     <p:extLst>
       <p:ext uri="{BB962C8B-B14F-4D97-AF65-F5344CB8AC3E}">
-        <p14:creationId xmlns:p14="http://schemas.microsoft.com/office/powerpoint/2010/main" val="1823018074"/>
+        <p14:creationId xmlns:p14="http://schemas.microsoft.com/office/powerpoint/2010/main" val="2231477069"/>
       </p:ext>
     </p:extLst>
   </p:cSld>
@@ -14001,6 +14379,360 @@
           <p:cNvPr id="2" name="タイトル 1">
             <a:extLst>
               <a:ext uri="{FF2B5EF4-FFF2-40B4-BE49-F238E27FC236}">
+                <a16:creationId xmlns:a16="http://schemas.microsoft.com/office/drawing/2014/main" id="{D88A2AD3-D916-41B2-8097-8A777A4C39B5}"/>
+              </a:ext>
+            </a:extLst>
+          </p:cNvPr>
+          <p:cNvSpPr>
+            <a:spLocks noGrp="1"/>
+          </p:cNvSpPr>
+          <p:nvPr>
+            <p:ph type="title"/>
+          </p:nvPr>
+        </p:nvSpPr>
+        <p:spPr/>
+        <p:txBody>
+          <a:bodyPr>
+            <a:normAutofit/>
+          </a:bodyPr>
+          <a:lstStyle/>
+          <a:p>
+            <a:r>
+              <a:rPr lang="en-US" altLang="ja-JP" sz="4000" dirty="0" err="1"/>
+              <a:t>LightGradientBoostingMachine</a:t>
+            </a:r>
+            <a:r>
+              <a:rPr lang="ja-JP" altLang="en-US" sz="4000" dirty="0"/>
+              <a:t>の説明</a:t>
+            </a:r>
+            <a:endParaRPr kumimoji="1" lang="ja-JP" altLang="en-US" sz="4000" dirty="0"/>
+          </a:p>
+        </p:txBody>
+      </p:sp>
+      <p:sp>
+        <p:nvSpPr>
+          <p:cNvPr id="4" name="コンテンツ プレースホルダー 3">
+            <a:extLst>
+              <a:ext uri="{FF2B5EF4-FFF2-40B4-BE49-F238E27FC236}">
+                <a16:creationId xmlns:a16="http://schemas.microsoft.com/office/drawing/2014/main" id="{5862F328-3EB0-4163-9B32-05E689A3CF31}"/>
+              </a:ext>
+            </a:extLst>
+          </p:cNvPr>
+          <p:cNvSpPr>
+            <a:spLocks noGrp="1"/>
+          </p:cNvSpPr>
+          <p:nvPr>
+            <p:ph idx="1"/>
+          </p:nvPr>
+        </p:nvSpPr>
+        <p:spPr>
+          <a:xfrm>
+            <a:off x="838200" y="1825625"/>
+            <a:ext cx="10515600" cy="4025463"/>
+          </a:xfrm>
+        </p:spPr>
+        <p:txBody>
+          <a:bodyPr>
+            <a:normAutofit fontScale="92500" lnSpcReduction="20000"/>
+          </a:bodyPr>
+          <a:lstStyle/>
+          <a:p>
+            <a:pPr>
+              <a:lnSpc>
+                <a:spcPct val="150000"/>
+              </a:lnSpc>
+            </a:pPr>
+            <a:r>
+              <a:rPr lang="en-US" altLang="ja-JP" sz="2400" dirty="0"/>
+              <a:t>Microsoft</a:t>
+            </a:r>
+            <a:r>
+              <a:rPr lang="ja-JP" altLang="en-US" sz="2400" dirty="0"/>
+              <a:t>の</a:t>
+            </a:r>
+            <a:r>
+              <a:rPr lang="en-US" altLang="ja-JP" sz="2400" dirty="0"/>
+              <a:t>OSS(</a:t>
+            </a:r>
+            <a:r>
+              <a:rPr lang="en-US" altLang="ja-JP" sz="2400" dirty="0" err="1"/>
+              <a:t>LightGBM</a:t>
+            </a:r>
+            <a:r>
+              <a:rPr lang="ja-JP" altLang="en-US" sz="2400" dirty="0"/>
+              <a:t>はアルゴリズム名</a:t>
+            </a:r>
+            <a:r>
+              <a:rPr lang="en-US" altLang="ja-JP" sz="2400" dirty="0"/>
+              <a:t>)</a:t>
+            </a:r>
+          </a:p>
+          <a:p>
+            <a:pPr lvl="1">
+              <a:lnSpc>
+                <a:spcPct val="150000"/>
+              </a:lnSpc>
+            </a:pPr>
+            <a:r>
+              <a:rPr lang="en-US" altLang="ja-JP" sz="2000" dirty="0">
+                <a:latin typeface="DIN Alternate" panose="020B0500000000000000" pitchFamily="34" charset="0"/>
+              </a:rPr>
+              <a:t>https://github.com/Microsoft/LightGBM</a:t>
+            </a:r>
+          </a:p>
+          <a:p>
+            <a:pPr>
+              <a:lnSpc>
+                <a:spcPct val="150000"/>
+              </a:lnSpc>
+            </a:pPr>
+            <a:r>
+              <a:rPr kumimoji="1" lang="en-US" altLang="ja-JP" sz="2400" dirty="0"/>
+              <a:t>2016</a:t>
+            </a:r>
+            <a:r>
+              <a:rPr kumimoji="1" lang="ja-JP" altLang="en-US" sz="2400" dirty="0"/>
+              <a:t>年に他の</a:t>
+            </a:r>
+            <a:r>
+              <a:rPr kumimoji="1" lang="en-US" altLang="ja-JP" sz="2400" dirty="0"/>
+              <a:t>GBDT</a:t>
+            </a:r>
+            <a:r>
+              <a:rPr kumimoji="1" lang="ja-JP" altLang="en-US" sz="2400" dirty="0"/>
+              <a:t>に圧勝した</a:t>
+            </a:r>
+            <a:r>
+              <a:rPr kumimoji="1" lang="en-US" altLang="ja-JP" sz="2400" dirty="0" err="1"/>
+              <a:t>XGBoost</a:t>
+            </a:r>
+            <a:r>
+              <a:rPr kumimoji="1" lang="ja-JP" altLang="en-US" sz="2400" dirty="0"/>
+              <a:t>より高性能</a:t>
+            </a:r>
+            <a:endParaRPr kumimoji="1" lang="en-US" altLang="ja-JP" sz="2400" dirty="0"/>
+          </a:p>
+          <a:p>
+            <a:pPr>
+              <a:lnSpc>
+                <a:spcPct val="150000"/>
+              </a:lnSpc>
+            </a:pPr>
+            <a:r>
+              <a:rPr kumimoji="1" lang="en-US" altLang="ja-JP" sz="2400" dirty="0"/>
+              <a:t>GBDT</a:t>
+            </a:r>
+            <a:r>
+              <a:rPr kumimoji="1" lang="ja-JP" altLang="en-US" sz="2400" dirty="0"/>
+              <a:t>は複数の決定木で学習させる手法</a:t>
+            </a:r>
+            <a:r>
+              <a:rPr kumimoji="1" lang="en-US" altLang="ja-JP" sz="2400" dirty="0"/>
+              <a:t>(Random Forest)</a:t>
+            </a:r>
+          </a:p>
+          <a:p>
+            <a:pPr>
+              <a:lnSpc>
+                <a:spcPct val="150000"/>
+              </a:lnSpc>
+            </a:pPr>
+            <a:r>
+              <a:rPr lang="en-US" altLang="ja-JP" sz="2400" dirty="0" err="1"/>
+              <a:t>LightGBM</a:t>
+            </a:r>
+            <a:r>
+              <a:rPr lang="en-US" altLang="ja-JP" sz="2400" dirty="0"/>
+              <a:t> = GBDT(Gradient Boosting Decision Tree) + GOSS(</a:t>
+            </a:r>
+            <a:r>
+              <a:rPr lang="en-US" altLang="ja-JP" sz="2400" dirty="0" err="1"/>
+              <a:t>Gradien</a:t>
+            </a:r>
+            <a:r>
+              <a:rPr lang="en-US" altLang="ja-JP" sz="2400" dirty="0"/>
+              <a:t>-based One-side Sampling) + EFB(Exclusive Feature Bundling)</a:t>
+            </a:r>
+          </a:p>
+          <a:p>
+            <a:pPr lvl="1">
+              <a:lnSpc>
+                <a:spcPct val="150000"/>
+              </a:lnSpc>
+            </a:pPr>
+            <a:r>
+              <a:rPr lang="en-US" altLang="ja-JP" sz="2000" dirty="0">
+                <a:latin typeface="DIN Alternate" panose="020B0500000000000000" pitchFamily="34" charset="0"/>
+              </a:rPr>
+              <a:t>GOSS</a:t>
+            </a:r>
+            <a:r>
+              <a:rPr lang="ja-JP" altLang="en-US" sz="2000" dirty="0"/>
+              <a:t>で全データを走査せずに分岐スコアを算出</a:t>
+            </a:r>
+            <a:endParaRPr lang="en-US" altLang="ja-JP" sz="2000" dirty="0"/>
+          </a:p>
+          <a:p>
+            <a:pPr lvl="1">
+              <a:lnSpc>
+                <a:spcPct val="150000"/>
+              </a:lnSpc>
+            </a:pPr>
+            <a:r>
+              <a:rPr kumimoji="1" lang="en-US" altLang="ja-JP" sz="2000" dirty="0">
+                <a:latin typeface="DIN Alternate" panose="020B0500000000000000" pitchFamily="34" charset="0"/>
+              </a:rPr>
+              <a:t>EFB</a:t>
+            </a:r>
+            <a:r>
+              <a:rPr kumimoji="1" lang="ja-JP" altLang="en-US" sz="2000" dirty="0"/>
+              <a:t>で特徴量をまとめて計算量を削減</a:t>
+            </a:r>
+            <a:endParaRPr kumimoji="1" lang="en-US" altLang="ja-JP" sz="2000" dirty="0"/>
+          </a:p>
+          <a:p>
+            <a:pPr>
+              <a:lnSpc>
+                <a:spcPct val="150000"/>
+              </a:lnSpc>
+            </a:pPr>
+            <a:endParaRPr kumimoji="1" lang="en-US" altLang="ja-JP" sz="2400" dirty="0"/>
+          </a:p>
+          <a:p>
+            <a:pPr>
+              <a:lnSpc>
+                <a:spcPct val="150000"/>
+              </a:lnSpc>
+            </a:pPr>
+            <a:endParaRPr kumimoji="1" lang="ja-JP" altLang="en-US" sz="2400" dirty="0"/>
+          </a:p>
+        </p:txBody>
+      </p:sp>
+      <p:sp>
+        <p:nvSpPr>
+          <p:cNvPr id="7" name="正方形/長方形 6">
+            <a:extLst>
+              <a:ext uri="{FF2B5EF4-FFF2-40B4-BE49-F238E27FC236}">
+                <a16:creationId xmlns:a16="http://schemas.microsoft.com/office/drawing/2014/main" id="{8D2A8BBB-744F-4152-B01A-9009C8DF7F00}"/>
+              </a:ext>
+            </a:extLst>
+          </p:cNvPr>
+          <p:cNvSpPr/>
+          <p:nvPr/>
+        </p:nvSpPr>
+        <p:spPr>
+          <a:xfrm>
+            <a:off x="711200" y="5842337"/>
+            <a:ext cx="10769600" cy="1015663"/>
+          </a:xfrm>
+          <a:prstGeom prst="rect">
+            <a:avLst/>
+          </a:prstGeom>
+        </p:spPr>
+        <p:txBody>
+          <a:bodyPr wrap="square">
+            <a:spAutoFit/>
+          </a:bodyPr>
+          <a:lstStyle/>
+          <a:p>
+            <a:r>
+              <a:rPr lang="en-US" altLang="ja-JP" sz="1200" dirty="0" err="1">
+                <a:latin typeface="DIN Alternate" panose="020B0500000000000000" pitchFamily="34" charset="0"/>
+                <a:ea typeface="Hiragino Kaku Gothic Pro W3" panose="020B0300000000000000" pitchFamily="34" charset="-128"/>
+              </a:rPr>
+              <a:t>LightGBM</a:t>
+            </a:r>
+            <a:r>
+              <a:rPr lang="ja-JP" altLang="en-US" sz="1200" dirty="0">
+                <a:latin typeface="DIN Alternate" panose="020B0500000000000000" pitchFamily="34" charset="0"/>
+                <a:ea typeface="Hiragino Kaku Gothic Pro W3" panose="020B0300000000000000" pitchFamily="34" charset="-128"/>
+              </a:rPr>
+              <a:t>元論文</a:t>
+            </a:r>
+            <a:endParaRPr lang="en-US" altLang="ja-JP" sz="1200" dirty="0">
+              <a:latin typeface="DIN Alternate" panose="020B0500000000000000" pitchFamily="34" charset="0"/>
+              <a:ea typeface="Hiragino Kaku Gothic Pro W3" panose="020B0300000000000000" pitchFamily="34" charset="-128"/>
+            </a:endParaRPr>
+          </a:p>
+          <a:p>
+            <a:r>
+              <a:rPr lang="ja-JP" altLang="en-US" sz="1200" dirty="0">
+                <a:latin typeface="DIN Alternate" panose="020B0500000000000000" pitchFamily="34" charset="0"/>
+                <a:hlinkClick r:id="rId2"/>
+              </a:rPr>
+              <a:t>https://papers.nips.cc/paper/6907-lightgbm-a-highly-efficient-gradient-boosting-decision-tree.pdf</a:t>
+            </a:r>
+            <a:endParaRPr lang="en-US" altLang="ja-JP" sz="1200" dirty="0">
+              <a:latin typeface="DIN Alternate" panose="020B0500000000000000" pitchFamily="34" charset="0"/>
+            </a:endParaRPr>
+          </a:p>
+          <a:p>
+            <a:r>
+              <a:rPr lang="ja-JP" altLang="en-US" sz="1200" dirty="0">
+                <a:latin typeface="DIN Alternate" panose="020B0500000000000000" pitchFamily="34" charset="0"/>
+                <a:ea typeface="Hiragino Kaku Gothic Pro W3" panose="020B0300000000000000" pitchFamily="34" charset="-128"/>
+              </a:rPr>
+              <a:t>参考スライド</a:t>
+            </a:r>
+            <a:endParaRPr lang="en-US" altLang="ja-JP" sz="1200" dirty="0">
+              <a:latin typeface="DIN Alternate" panose="020B0500000000000000" pitchFamily="34" charset="0"/>
+              <a:ea typeface="Hiragino Kaku Gothic Pro W3" panose="020B0300000000000000" pitchFamily="34" charset="-128"/>
+            </a:endParaRPr>
+          </a:p>
+          <a:p>
+            <a:r>
+              <a:rPr lang="en-US" altLang="ja-JP" sz="1200" dirty="0">
+                <a:latin typeface="DIN Alternate" panose="020B0500000000000000" pitchFamily="34" charset="0"/>
+                <a:hlinkClick r:id="rId3"/>
+              </a:rPr>
+              <a:t>https://www.slideshare.net/tkm2261/kaggle-in?next_slideshow=1</a:t>
+            </a:r>
+            <a:endParaRPr lang="en-US" altLang="ja-JP" sz="1200" dirty="0">
+              <a:latin typeface="DIN Alternate" panose="020B0500000000000000" pitchFamily="34" charset="0"/>
+            </a:endParaRPr>
+          </a:p>
+          <a:p>
+            <a:endParaRPr lang="en-US" altLang="ja-JP" sz="1200" dirty="0">
+              <a:latin typeface="DIN Alternate" panose="020B0500000000000000" pitchFamily="34" charset="0"/>
+            </a:endParaRPr>
+          </a:p>
+        </p:txBody>
+      </p:sp>
+    </p:spTree>
+    <p:extLst>
+      <p:ext uri="{BB962C8B-B14F-4D97-AF65-F5344CB8AC3E}">
+        <p14:creationId xmlns:p14="http://schemas.microsoft.com/office/powerpoint/2010/main" val="3429931711"/>
+      </p:ext>
+    </p:extLst>
+  </p:cSld>
+  <p:clrMapOvr>
+    <a:masterClrMapping/>
+  </p:clrMapOvr>
+</p:sld>
+</file>
+
+<file path=ppt/slides/slide23.xml><?xml version="1.0" encoding="utf-8"?>
+<p:sld xmlns:a="http://schemas.openxmlformats.org/drawingml/2006/main" xmlns:r="http://schemas.openxmlformats.org/officeDocument/2006/relationships" xmlns:p="http://schemas.openxmlformats.org/presentationml/2006/main" show="0">
+  <p:cSld>
+    <p:spTree>
+      <p:nvGrpSpPr>
+        <p:cNvPr id="1" name=""/>
+        <p:cNvGrpSpPr/>
+        <p:nvPr/>
+      </p:nvGrpSpPr>
+      <p:grpSpPr>
+        <a:xfrm>
+          <a:off x="0" y="0"/>
+          <a:ext cx="0" cy="0"/>
+          <a:chOff x="0" y="0"/>
+          <a:chExt cx="0" cy="0"/>
+        </a:xfrm>
+      </p:grpSpPr>
+      <p:sp>
+        <p:nvSpPr>
+          <p:cNvPr id="2" name="タイトル 1">
+            <a:extLst>
+              <a:ext uri="{FF2B5EF4-FFF2-40B4-BE49-F238E27FC236}">
                 <a16:creationId xmlns:a16="http://schemas.microsoft.com/office/drawing/2014/main" id="{405D6DE6-4161-4EB4-BC54-F70853C9136E}"/>
               </a:ext>
             </a:extLst>
@@ -14102,8 +14834,8 @@
         </p:nvSpPr>
         <p:spPr>
           <a:xfrm>
-            <a:off x="527968" y="6169709"/>
-            <a:ext cx="6252033" cy="369332"/>
+            <a:off x="889285" y="6095024"/>
+            <a:ext cx="5529399" cy="369332"/>
           </a:xfrm>
           <a:prstGeom prst="rect">
             <a:avLst/>
@@ -14116,11 +14848,15 @@
           <a:lstStyle/>
           <a:p>
             <a:r>
-              <a:rPr lang="en-US" altLang="ja-JP" dirty="0" err="1"/>
+              <a:rPr lang="en-US" altLang="ja-JP" dirty="0" err="1">
+                <a:latin typeface="DIN Alternate" panose="020B0500000000000000" pitchFamily="34" charset="0"/>
+              </a:rPr>
               <a:t>XGBoost</a:t>
             </a:r>
             <a:r>
-              <a:rPr lang="en-US" altLang="ja-JP" dirty="0"/>
+              <a:rPr lang="en-US" altLang="ja-JP" dirty="0">
+                <a:latin typeface="DIN Alternate" panose="020B0500000000000000" pitchFamily="34" charset="0"/>
+              </a:rPr>
               <a:t>: A Scalable Tree Boosting System(Chen+ 2016)</a:t>
             </a:r>
           </a:p>
@@ -14170,8 +14906,8 @@
         </p:nvSpPr>
         <p:spPr>
           <a:xfrm>
-            <a:off x="7502411" y="6095024"/>
-            <a:ext cx="2534668" cy="369332"/>
+            <a:off x="7645078" y="6095024"/>
+            <a:ext cx="2249334" cy="369332"/>
           </a:xfrm>
           <a:prstGeom prst="rect">
             <a:avLst/>
@@ -14184,25 +14920,33 @@
           <a:lstStyle/>
           <a:p>
             <a:r>
-              <a:rPr lang="en-US" altLang="ja-JP" dirty="0" err="1"/>
+              <a:rPr lang="en-US" altLang="ja-JP" dirty="0" err="1">
+                <a:latin typeface="DIN Alternate" panose="020B0500000000000000" pitchFamily="34" charset="0"/>
+              </a:rPr>
               <a:t>LightGBM</a:t>
             </a:r>
             <a:r>
-              <a:rPr lang="en-US" altLang="ja-JP" dirty="0"/>
+              <a:rPr lang="en-US" altLang="ja-JP" dirty="0">
+                <a:latin typeface="DIN Alternate" panose="020B0500000000000000" pitchFamily="34" charset="0"/>
+              </a:rPr>
               <a:t> vs </a:t>
             </a:r>
             <a:r>
-              <a:rPr lang="en-US" altLang="ja-JP" dirty="0" err="1"/>
+              <a:rPr lang="en-US" altLang="ja-JP" dirty="0" err="1">
+                <a:latin typeface="DIN Alternate" panose="020B0500000000000000" pitchFamily="34" charset="0"/>
+              </a:rPr>
               <a:t>XGboost</a:t>
             </a:r>
-            <a:endParaRPr lang="en-US" altLang="ja-JP" dirty="0"/>
+            <a:endParaRPr lang="en-US" altLang="ja-JP" dirty="0">
+              <a:latin typeface="DIN Alternate" panose="020B0500000000000000" pitchFamily="34" charset="0"/>
+            </a:endParaRPr>
           </a:p>
         </p:txBody>
       </p:sp>
     </p:spTree>
     <p:extLst>
       <p:ext uri="{BB962C8B-B14F-4D97-AF65-F5344CB8AC3E}">
-        <p14:creationId xmlns:p14="http://schemas.microsoft.com/office/powerpoint/2010/main" val="483041265"/>
+        <p14:creationId xmlns:p14="http://schemas.microsoft.com/office/powerpoint/2010/main" val="3199253219"/>
       </p:ext>
     </p:extLst>
   </p:cSld>
@@ -14319,7 +15063,9 @@
               </a:lnSpc>
             </a:pPr>
             <a:r>
-              <a:rPr kumimoji="1" lang="ja-JP" altLang="en-US" sz="3600" dirty="0"/>
+              <a:rPr kumimoji="1" lang="ja-JP" altLang="en-US" sz="3600" dirty="0">
+                <a:latin typeface="Hiragino Kaku Gothic Pro W3" panose="020B0300000000000000" pitchFamily="34" charset="-128"/>
+              </a:rPr>
               <a:t>検証用のクエリデータは</a:t>
             </a:r>
             <a:r>
@@ -14327,10 +15073,14 @@
               <a:t>58</a:t>
             </a:r>
             <a:r>
-              <a:rPr kumimoji="1" lang="ja-JP" altLang="en-US" sz="3600" dirty="0"/>
+              <a:rPr kumimoji="1" lang="ja-JP" altLang="en-US" sz="3600" dirty="0">
+                <a:latin typeface="Hiragino Kaku Gothic Pro W3" panose="020B0300000000000000" pitchFamily="34" charset="-128"/>
+              </a:rPr>
               <a:t>枚</a:t>
             </a:r>
-            <a:endParaRPr lang="en-US" altLang="ja-JP" sz="3600" dirty="0"/>
+            <a:endParaRPr lang="en-US" altLang="ja-JP" sz="3600" dirty="0">
+              <a:latin typeface="Hiragino Kaku Gothic Pro W3" panose="020B0300000000000000" pitchFamily="34" charset="-128"/>
+            </a:endParaRPr>
           </a:p>
           <a:p>
             <a:pPr lvl="1">
@@ -14338,10 +15088,16 @@
               <a:buChar char="Ø"/>
             </a:pPr>
             <a:r>
-              <a:rPr lang="ja-JP" altLang="en-US" sz="3600" dirty="0"/>
+              <a:rPr lang="ja-JP" altLang="en-US" sz="3600" dirty="0">
+                <a:latin typeface="Hiragino Kaku Gothic Pro W3" panose="020B0300000000000000" pitchFamily="34" charset="-128"/>
+                <a:ea typeface="Hiragino Kaku Gothic Pro W3" panose="020B0300000000000000" pitchFamily="34" charset="-128"/>
+              </a:rPr>
               <a:t>人によって枚数は異なる</a:t>
             </a:r>
-            <a:endParaRPr lang="en-US" altLang="ja-JP" sz="3600" dirty="0"/>
+            <a:endParaRPr lang="en-US" altLang="ja-JP" sz="3600" dirty="0">
+              <a:latin typeface="Hiragino Kaku Gothic Pro W3" panose="020B0300000000000000" pitchFamily="34" charset="-128"/>
+              <a:ea typeface="Hiragino Kaku Gothic Pro W3" panose="020B0300000000000000" pitchFamily="34" charset="-128"/>
+            </a:endParaRPr>
           </a:p>
           <a:p>
             <a:pPr lvl="1">
@@ -14349,19 +15105,31 @@
               <a:buChar char="Ø"/>
             </a:pPr>
             <a:r>
-              <a:rPr lang="en-US" altLang="ja-JP" sz="3600" dirty="0"/>
+              <a:rPr lang="en-US" altLang="ja-JP" sz="3600" dirty="0">
+                <a:latin typeface="DIN Alternate" panose="020B0500000000000000" pitchFamily="34" charset="0"/>
+                <a:ea typeface="Hiragino Kaku Gothic Pro W3" panose="020B0300000000000000" pitchFamily="34" charset="-128"/>
+              </a:rPr>
               <a:t>58</a:t>
             </a:r>
             <a:r>
-              <a:rPr lang="ja-JP" altLang="en-US" sz="3600" dirty="0"/>
+              <a:rPr lang="ja-JP" altLang="en-US" sz="3600" dirty="0">
+                <a:latin typeface="Hiragino Kaku Gothic Pro W3" panose="020B0300000000000000" pitchFamily="34" charset="-128"/>
+                <a:ea typeface="Hiragino Kaku Gothic Pro W3" panose="020B0300000000000000" pitchFamily="34" charset="-128"/>
+              </a:rPr>
               <a:t>枚の内</a:t>
             </a:r>
             <a:r>
-              <a:rPr lang="en-US" altLang="ja-JP" sz="3600" dirty="0"/>
+              <a:rPr lang="en-US" altLang="ja-JP" sz="3600" dirty="0">
+                <a:latin typeface="DIN Alternate" panose="020B0500000000000000" pitchFamily="34" charset="0"/>
+                <a:ea typeface="Hiragino Kaku Gothic Pro W3" panose="020B0300000000000000" pitchFamily="34" charset="-128"/>
+              </a:rPr>
               <a:t>2</a:t>
             </a:r>
             <a:r>
-              <a:rPr lang="ja-JP" altLang="en-US" sz="3600" dirty="0"/>
+              <a:rPr lang="ja-JP" altLang="en-US" sz="3600" dirty="0">
+                <a:latin typeface="Hiragino Kaku Gothic Pro W3" panose="020B0300000000000000" pitchFamily="34" charset="-128"/>
+                <a:ea typeface="Hiragino Kaku Gothic Pro W3" panose="020B0300000000000000" pitchFamily="34" charset="-128"/>
+              </a:rPr>
               <a:t>枚は</a:t>
             </a:r>
             <a:r>
@@ -14369,14 +15137,22 @@
                 <a:solidFill>
                   <a:schemeClr val="accent2"/>
                 </a:solidFill>
+                <a:latin typeface="Hiragino Kaku Gothic Pro W3" panose="020B0300000000000000" pitchFamily="34" charset="-128"/>
+                <a:ea typeface="Hiragino Kaku Gothic Pro W3" panose="020B0300000000000000" pitchFamily="34" charset="-128"/>
               </a:rPr>
               <a:t>登録されていない</a:t>
             </a:r>
             <a:r>
-              <a:rPr lang="ja-JP" altLang="en-US" sz="3600" dirty="0"/>
+              <a:rPr lang="ja-JP" altLang="en-US" sz="3600" dirty="0">
+                <a:latin typeface="Hiragino Kaku Gothic Pro W3" panose="020B0300000000000000" pitchFamily="34" charset="-128"/>
+                <a:ea typeface="Hiragino Kaku Gothic Pro W3" panose="020B0300000000000000" pitchFamily="34" charset="-128"/>
+              </a:rPr>
               <a:t>人物</a:t>
             </a:r>
-            <a:endParaRPr lang="en-US" altLang="ja-JP" sz="3600" dirty="0"/>
+            <a:endParaRPr lang="en-US" altLang="ja-JP" sz="3600" dirty="0">
+              <a:latin typeface="Hiragino Kaku Gothic Pro W3" panose="020B0300000000000000" pitchFamily="34" charset="-128"/>
+              <a:ea typeface="Hiragino Kaku Gothic Pro W3" panose="020B0300000000000000" pitchFamily="34" charset="-128"/>
+            </a:endParaRPr>
           </a:p>
           <a:p>
             <a:pPr>
@@ -14454,10 +15230,10 @@
       </p:sp>
       <p:sp>
         <p:nvSpPr>
-          <p:cNvPr id="5" name="ProgressBar">
-            <a:extLst>
-              <a:ext uri="{FF2B5EF4-FFF2-40B4-BE49-F238E27FC236}">
-                <a16:creationId xmlns:a16="http://schemas.microsoft.com/office/drawing/2014/main" id="{2C9B418D-AF8C-42DE-A639-A1B875B8AEAC}"/>
+          <p:cNvPr id="4" name="ProgressBar">
+            <a:extLst>
+              <a:ext uri="{FF2B5EF4-FFF2-40B4-BE49-F238E27FC236}">
+                <a16:creationId xmlns:a16="http://schemas.microsoft.com/office/drawing/2014/main" id="{96EDEBC3-0451-0240-BD59-22DA12C73819}"/>
               </a:ext>
             </a:extLst>
           </p:cNvPr>
@@ -14467,7 +15243,7 @@
         <p:spPr>
           <a:xfrm>
             <a:off x="0" y="6731000"/>
-            <a:ext cx="1925053" cy="127000"/>
+            <a:ext cx="1828800" cy="127000"/>
           </a:xfrm>
           <a:prstGeom prst="rect">
             <a:avLst/>
@@ -15863,10 +16639,10 @@
       </p:sp>
       <p:sp>
         <p:nvSpPr>
-          <p:cNvPr id="119" name="ProgressBar">
-            <a:extLst>
-              <a:ext uri="{FF2B5EF4-FFF2-40B4-BE49-F238E27FC236}">
-                <a16:creationId xmlns:a16="http://schemas.microsoft.com/office/drawing/2014/main" id="{1215B0BA-BD49-4F8D-A097-11F5231B94CB}"/>
+          <p:cNvPr id="4" name="ProgressBar">
+            <a:extLst>
+              <a:ext uri="{FF2B5EF4-FFF2-40B4-BE49-F238E27FC236}">
+                <a16:creationId xmlns:a16="http://schemas.microsoft.com/office/drawing/2014/main" id="{ECEF9231-62FA-C549-B39F-2F716EC2BA41}"/>
               </a:ext>
             </a:extLst>
           </p:cNvPr>
@@ -15876,7 +16652,7 @@
         <p:spPr>
           <a:xfrm>
             <a:off x="0" y="6731000"/>
-            <a:ext cx="2566737" cy="127000"/>
+            <a:ext cx="2438400" cy="127000"/>
           </a:xfrm>
           <a:prstGeom prst="rect">
             <a:avLst/>
@@ -16093,7 +16869,7 @@
         </p:nvSpPr>
         <p:spPr>
           <a:xfrm>
-            <a:off x="760650" y="6392446"/>
+            <a:off x="460202" y="6392446"/>
             <a:ext cx="5592933" cy="338554"/>
           </a:xfrm>
           <a:prstGeom prst="rect">
@@ -16242,7 +17018,7 @@
         </p:nvSpPr>
         <p:spPr>
           <a:xfrm>
-            <a:off x="8014403" y="6392446"/>
+            <a:off x="7348198" y="6392446"/>
             <a:ext cx="2998770" cy="338554"/>
           </a:xfrm>
           <a:prstGeom prst="rect">
@@ -16267,10 +17043,172 @@
       </p:sp>
       <p:sp>
         <p:nvSpPr>
-          <p:cNvPr id="5" name="ProgressBar">
-            <a:extLst>
-              <a:ext uri="{FF2B5EF4-FFF2-40B4-BE49-F238E27FC236}">
-                <a16:creationId xmlns:a16="http://schemas.microsoft.com/office/drawing/2014/main" id="{FC103E0D-B7CC-4F3B-9C40-F548FD54D5D2}"/>
+          <p:cNvPr id="6" name="正方形/長方形 5">
+            <a:extLst>
+              <a:ext uri="{FF2B5EF4-FFF2-40B4-BE49-F238E27FC236}">
+                <a16:creationId xmlns:a16="http://schemas.microsoft.com/office/drawing/2014/main" id="{5A349E19-1C75-446E-A2ED-371273D1852A}"/>
+              </a:ext>
+            </a:extLst>
+          </p:cNvPr>
+          <p:cNvSpPr/>
+          <p:nvPr/>
+        </p:nvSpPr>
+        <p:spPr>
+          <a:xfrm>
+            <a:off x="7033846" y="5597221"/>
+            <a:ext cx="4959885" cy="707886"/>
+          </a:xfrm>
+          <a:prstGeom prst="rect">
+            <a:avLst/>
+          </a:prstGeom>
+        </p:spPr>
+        <p:txBody>
+          <a:bodyPr wrap="square">
+            <a:spAutoFit/>
+          </a:bodyPr>
+          <a:lstStyle/>
+          <a:p>
+            <a:pPr marL="285750" indent="-285750">
+              <a:buFont typeface="Arial" panose="020B0604020202020204" pitchFamily="34" charset="0"/>
+              <a:buChar char="•"/>
+            </a:pPr>
+            <a:r>
+              <a:rPr lang="ja-JP" altLang="en-US" sz="2000" dirty="0">
+                <a:ea typeface="Hiragino Kaku Gothic Pro W3" panose="020B0300000000000000"/>
+              </a:rPr>
+              <a:t>全体</a:t>
+            </a:r>
+            <a:r>
+              <a:rPr lang="en-US" altLang="ja-JP" sz="2000" dirty="0">
+                <a:ea typeface="Hiragino Kaku Gothic Pro W3" panose="020B0300000000000000"/>
+              </a:rPr>
+              <a:t>/</a:t>
+            </a:r>
+            <a:r>
+              <a:rPr lang="ja-JP" altLang="en-US" sz="2000" dirty="0">
+                <a:ea typeface="Hiragino Kaku Gothic Pro W3" panose="020B0300000000000000"/>
+              </a:rPr>
+              <a:t>部位ごとのトリミングも可能</a:t>
+            </a:r>
+            <a:endParaRPr lang="en-US" altLang="ja-JP" sz="2000" dirty="0">
+              <a:ea typeface="Hiragino Kaku Gothic Pro W3" panose="020B0300000000000000"/>
+            </a:endParaRPr>
+          </a:p>
+          <a:p>
+            <a:pPr marL="285750" indent="-285750">
+              <a:buFont typeface="Arial" panose="020B0604020202020204" pitchFamily="34" charset="0"/>
+              <a:buChar char="•"/>
+            </a:pPr>
+            <a:r>
+              <a:rPr lang="ja-JP" altLang="en-US" sz="2000" dirty="0">
+                <a:ea typeface="Hiragino Kaku Gothic Pro W3" panose="020B0300000000000000"/>
+              </a:rPr>
+              <a:t>点の座標から特徴抽出</a:t>
+            </a:r>
+          </a:p>
+        </p:txBody>
+      </p:sp>
+      <p:sp>
+        <p:nvSpPr>
+          <p:cNvPr id="9" name="正方形/長方形 8">
+            <a:extLst>
+              <a:ext uri="{FF2B5EF4-FFF2-40B4-BE49-F238E27FC236}">
+                <a16:creationId xmlns:a16="http://schemas.microsoft.com/office/drawing/2014/main" id="{313D5E84-E01F-458D-AF16-86E0A87E7B85}"/>
+              </a:ext>
+            </a:extLst>
+          </p:cNvPr>
+          <p:cNvSpPr/>
+          <p:nvPr/>
+        </p:nvSpPr>
+        <p:spPr>
+          <a:xfrm>
+            <a:off x="1155604" y="5515283"/>
+            <a:ext cx="5197979" cy="707886"/>
+          </a:xfrm>
+          <a:prstGeom prst="rect">
+            <a:avLst/>
+          </a:prstGeom>
+        </p:spPr>
+        <p:txBody>
+          <a:bodyPr wrap="square">
+            <a:spAutoFit/>
+          </a:bodyPr>
+          <a:lstStyle/>
+          <a:p>
+            <a:pPr marL="342900" indent="-342900">
+              <a:buFont typeface="Arial" panose="020B0604020202020204" pitchFamily="34" charset="0"/>
+              <a:buChar char="•"/>
+            </a:pPr>
+            <a:r>
+              <a:rPr lang="en-US" altLang="ja-JP" sz="2000" dirty="0">
+                <a:latin typeface="DIN Alternate" panose="020B0500000000000000"/>
+                <a:ea typeface="Hiragino Kaku Gothic Pro W3" panose="020B0300000000000000"/>
+              </a:rPr>
+              <a:t>cascade</a:t>
+            </a:r>
+            <a:r>
+              <a:rPr lang="ja-JP" altLang="en-US" sz="2000" dirty="0">
+                <a:latin typeface="DIN Alternate" panose="020B0500000000000000"/>
+                <a:ea typeface="Hiragino Kaku Gothic Pro W3" panose="020B0300000000000000"/>
+              </a:rPr>
+              <a:t>分類器</a:t>
+            </a:r>
+            <a:r>
+              <a:rPr lang="en-US" altLang="ja-JP" sz="2000" dirty="0">
+                <a:latin typeface="DIN Alternate" panose="020B0500000000000000"/>
+                <a:ea typeface="Hiragino Kaku Gothic Pro W3" panose="020B0300000000000000"/>
+              </a:rPr>
+              <a:t>(</a:t>
+            </a:r>
+            <a:r>
+              <a:rPr lang="en-US" altLang="ja-JP" sz="2000" dirty="0" err="1">
+                <a:latin typeface="DIN Alternate" panose="020B0500000000000000"/>
+                <a:ea typeface="Hiragino Kaku Gothic Pro W3" panose="020B0300000000000000"/>
+              </a:rPr>
+              <a:t>Haar</a:t>
+            </a:r>
+            <a:r>
+              <a:rPr lang="en-US" altLang="ja-JP" sz="2000" dirty="0">
+                <a:latin typeface="DIN Alternate" panose="020B0500000000000000"/>
+                <a:ea typeface="Hiragino Kaku Gothic Pro W3" panose="020B0300000000000000"/>
+              </a:rPr>
+              <a:t>-Like</a:t>
+            </a:r>
+            <a:r>
+              <a:rPr lang="ja-JP" altLang="en-US" sz="2000" dirty="0">
+                <a:latin typeface="DIN Alternate" panose="020B0500000000000000"/>
+                <a:ea typeface="Hiragino Kaku Gothic Pro W3" panose="020B0300000000000000"/>
+              </a:rPr>
+              <a:t>特徴</a:t>
+            </a:r>
+            <a:r>
+              <a:rPr lang="en-US" altLang="ja-JP" sz="2000" dirty="0">
+                <a:latin typeface="DIN Alternate" panose="020B0500000000000000"/>
+                <a:ea typeface="Hiragino Kaku Gothic Pro W3" panose="020B0300000000000000"/>
+              </a:rPr>
+              <a:t>)</a:t>
+            </a:r>
+          </a:p>
+          <a:p>
+            <a:pPr marL="342900" indent="-342900">
+              <a:buFont typeface="Arial" panose="020B0604020202020204" pitchFamily="34" charset="0"/>
+              <a:buChar char="•"/>
+            </a:pPr>
+            <a:r>
+              <a:rPr lang="ja-JP" altLang="en-US" sz="2000" dirty="0">
+                <a:ea typeface="Hiragino Kaku Gothic Pro W3" panose="020B0300000000000000"/>
+              </a:rPr>
+              <a:t>検出領域の明暗差により特徴を捉える</a:t>
+            </a:r>
+          </a:p>
+        </p:txBody>
+      </p:sp>
+      <p:sp>
+        <p:nvSpPr>
+          <p:cNvPr id="4" name="ProgressBar">
+            <a:extLst>
+              <a:ext uri="{FF2B5EF4-FFF2-40B4-BE49-F238E27FC236}">
+                <a16:creationId xmlns:a16="http://schemas.microsoft.com/office/drawing/2014/main" id="{15F39575-6E2A-2947-A763-364FDA02D29E}"/>
               </a:ext>
             </a:extLst>
           </p:cNvPr>
@@ -16280,7 +17218,7 @@
         <p:spPr>
           <a:xfrm>
             <a:off x="0" y="6731000"/>
-            <a:ext cx="3208421" cy="127000"/>
+            <a:ext cx="3048000" cy="127000"/>
           </a:xfrm>
           <a:prstGeom prst="rect">
             <a:avLst/>
@@ -16330,168 +17268,6 @@
           <a:p>
             <a:pPr algn="ctr"/>
             <a:endParaRPr kumimoji="1" lang="ja-JP" altLang="en-US"/>
-          </a:p>
-        </p:txBody>
-      </p:sp>
-      <p:sp>
-        <p:nvSpPr>
-          <p:cNvPr id="6" name="正方形/長方形 5">
-            <a:extLst>
-              <a:ext uri="{FF2B5EF4-FFF2-40B4-BE49-F238E27FC236}">
-                <a16:creationId xmlns:a16="http://schemas.microsoft.com/office/drawing/2014/main" id="{5A349E19-1C75-446E-A2ED-371273D1852A}"/>
-              </a:ext>
-            </a:extLst>
-          </p:cNvPr>
-          <p:cNvSpPr/>
-          <p:nvPr/>
-        </p:nvSpPr>
-        <p:spPr>
-          <a:xfrm>
-            <a:off x="7033846" y="5597221"/>
-            <a:ext cx="4959885" cy="707886"/>
-          </a:xfrm>
-          <a:prstGeom prst="rect">
-            <a:avLst/>
-          </a:prstGeom>
-        </p:spPr>
-        <p:txBody>
-          <a:bodyPr wrap="square">
-            <a:spAutoFit/>
-          </a:bodyPr>
-          <a:lstStyle/>
-          <a:p>
-            <a:pPr marL="285750" indent="-285750">
-              <a:buFont typeface="Arial" panose="020B0604020202020204" pitchFamily="34" charset="0"/>
-              <a:buChar char="•"/>
-            </a:pPr>
-            <a:r>
-              <a:rPr lang="ja-JP" altLang="en-US" sz="2000" dirty="0">
-                <a:ea typeface="Hiragino Kaku Gothic Pro W3" panose="020B0300000000000000"/>
-              </a:rPr>
-              <a:t>全体</a:t>
-            </a:r>
-            <a:r>
-              <a:rPr lang="en-US" altLang="ja-JP" sz="2000" dirty="0">
-                <a:ea typeface="Hiragino Kaku Gothic Pro W3" panose="020B0300000000000000"/>
-              </a:rPr>
-              <a:t>/</a:t>
-            </a:r>
-            <a:r>
-              <a:rPr lang="ja-JP" altLang="en-US" sz="2000" dirty="0">
-                <a:ea typeface="Hiragino Kaku Gothic Pro W3" panose="020B0300000000000000"/>
-              </a:rPr>
-              <a:t>部位ごとのトリミングも可能</a:t>
-            </a:r>
-            <a:endParaRPr lang="en-US" altLang="ja-JP" sz="2000" dirty="0">
-              <a:ea typeface="Hiragino Kaku Gothic Pro W3" panose="020B0300000000000000"/>
-            </a:endParaRPr>
-          </a:p>
-          <a:p>
-            <a:pPr marL="285750" indent="-285750">
-              <a:buFont typeface="Arial" panose="020B0604020202020204" pitchFamily="34" charset="0"/>
-              <a:buChar char="•"/>
-            </a:pPr>
-            <a:r>
-              <a:rPr lang="ja-JP" altLang="en-US" sz="2000" dirty="0">
-                <a:ea typeface="Hiragino Kaku Gothic Pro W3" panose="020B0300000000000000"/>
-              </a:rPr>
-              <a:t>点の座標から特徴抽出</a:t>
-            </a:r>
-          </a:p>
-        </p:txBody>
-      </p:sp>
-      <p:sp>
-        <p:nvSpPr>
-          <p:cNvPr id="9" name="正方形/長方形 8">
-            <a:extLst>
-              <a:ext uri="{FF2B5EF4-FFF2-40B4-BE49-F238E27FC236}">
-                <a16:creationId xmlns:a16="http://schemas.microsoft.com/office/drawing/2014/main" id="{313D5E84-E01F-458D-AF16-86E0A87E7B85}"/>
-              </a:ext>
-            </a:extLst>
-          </p:cNvPr>
-          <p:cNvSpPr/>
-          <p:nvPr/>
-        </p:nvSpPr>
-        <p:spPr>
-          <a:xfrm>
-            <a:off x="1155604" y="5515283"/>
-            <a:ext cx="5197979" cy="707886"/>
-          </a:xfrm>
-          <a:prstGeom prst="rect">
-            <a:avLst/>
-          </a:prstGeom>
-        </p:spPr>
-        <p:txBody>
-          <a:bodyPr wrap="square">
-            <a:spAutoFit/>
-          </a:bodyPr>
-          <a:lstStyle/>
-          <a:p>
-            <a:pPr marL="342900" indent="-342900">
-              <a:buFont typeface="Arial" panose="020B0604020202020204" pitchFamily="34" charset="0"/>
-              <a:buChar char="•"/>
-            </a:pPr>
-            <a:r>
-              <a:rPr lang="en-US" altLang="ja-JP" sz="2000" dirty="0">
-                <a:latin typeface="DIN Alternate" panose="020B0500000000000000"/>
-                <a:ea typeface="Hiragino Kaku Gothic Pro W3" panose="020B0300000000000000"/>
-              </a:rPr>
-              <a:t>cascade</a:t>
-            </a:r>
-            <a:r>
-              <a:rPr lang="ja-JP" altLang="en-US" sz="2000" dirty="0">
-                <a:latin typeface="DIN Alternate" panose="020B0500000000000000"/>
-                <a:ea typeface="Hiragino Kaku Gothic Pro W3" panose="020B0300000000000000"/>
-              </a:rPr>
-              <a:t>分類器</a:t>
-            </a:r>
-            <a:r>
-              <a:rPr lang="en-US" altLang="ja-JP" sz="2000" dirty="0">
-                <a:latin typeface="DIN Alternate" panose="020B0500000000000000"/>
-                <a:ea typeface="Hiragino Kaku Gothic Pro W3" panose="020B0300000000000000"/>
-              </a:rPr>
-              <a:t>(</a:t>
-            </a:r>
-            <a:r>
-              <a:rPr lang="en-US" altLang="ja-JP" sz="2000" dirty="0" err="1">
-                <a:latin typeface="DIN Alternate" panose="020B0500000000000000"/>
-                <a:ea typeface="Hiragino Kaku Gothic Pro W3" panose="020B0300000000000000"/>
-              </a:rPr>
-              <a:t>Haar</a:t>
-            </a:r>
-            <a:r>
-              <a:rPr lang="en-US" altLang="ja-JP" sz="2000" dirty="0">
-                <a:latin typeface="DIN Alternate" panose="020B0500000000000000"/>
-                <a:ea typeface="Hiragino Kaku Gothic Pro W3" panose="020B0300000000000000"/>
-              </a:rPr>
-              <a:t>-Like</a:t>
-            </a:r>
-            <a:r>
-              <a:rPr lang="ja-JP" altLang="en-US" sz="2000" dirty="0">
-                <a:latin typeface="DIN Alternate" panose="020B0500000000000000"/>
-                <a:ea typeface="Hiragino Kaku Gothic Pro W3" panose="020B0300000000000000"/>
-              </a:rPr>
-              <a:t>特徴</a:t>
-            </a:r>
-            <a:r>
-              <a:rPr lang="en-US" altLang="ja-JP" sz="2000" dirty="0">
-                <a:latin typeface="DIN Alternate" panose="020B0500000000000000"/>
-                <a:ea typeface="Hiragino Kaku Gothic Pro W3" panose="020B0300000000000000"/>
-              </a:rPr>
-              <a:t>)</a:t>
-            </a:r>
-          </a:p>
-          <a:p>
-            <a:pPr marL="342900" indent="-342900">
-              <a:buFont typeface="Arial" panose="020B0604020202020204" pitchFamily="34" charset="0"/>
-              <a:buChar char="•"/>
-            </a:pPr>
-            <a:r>
-              <a:rPr lang="ja-JP" altLang="en-US" sz="2000" dirty="0">
-                <a:ea typeface="Hiragino Kaku Gothic Pro W3" panose="020B0300000000000000"/>
-              </a:rPr>
-              <a:t>検出領域の明暗差により特徴を捉える</a:t>
-            </a:r>
           </a:p>
         </p:txBody>
       </p:sp>
@@ -17200,10 +17976,10 @@
       </p:pic>
       <p:sp>
         <p:nvSpPr>
-          <p:cNvPr id="5" name="ProgressBar">
-            <a:extLst>
-              <a:ext uri="{FF2B5EF4-FFF2-40B4-BE49-F238E27FC236}">
-                <a16:creationId xmlns:a16="http://schemas.microsoft.com/office/drawing/2014/main" id="{F3F2750A-54E2-4D5F-8E86-46E446FDC815}"/>
+          <p:cNvPr id="4" name="ProgressBar">
+            <a:extLst>
+              <a:ext uri="{FF2B5EF4-FFF2-40B4-BE49-F238E27FC236}">
+                <a16:creationId xmlns:a16="http://schemas.microsoft.com/office/drawing/2014/main" id="{96AFEAB3-69BE-2744-9D4C-5BA51F749D90}"/>
               </a:ext>
             </a:extLst>
           </p:cNvPr>
@@ -17213,7 +17989,7 @@
         <p:spPr>
           <a:xfrm>
             <a:off x="0" y="6731000"/>
-            <a:ext cx="3850105" cy="127000"/>
+            <a:ext cx="3657600" cy="127000"/>
           </a:xfrm>
           <a:prstGeom prst="rect">
             <a:avLst/>
@@ -17547,8 +18323,8 @@
         </p:blipFill>
         <p:spPr>
           <a:xfrm>
-            <a:off x="6853083" y="2870700"/>
-            <a:ext cx="4412283" cy="2046223"/>
+            <a:off x="6507141" y="2516875"/>
+            <a:ext cx="5101876" cy="2366026"/>
           </a:xfrm>
           <a:prstGeom prst="rect">
             <a:avLst/>
@@ -17587,10 +18363,10 @@
       </p:pic>
       <p:sp>
         <p:nvSpPr>
-          <p:cNvPr id="6" name="ProgressBar">
-            <a:extLst>
-              <a:ext uri="{FF2B5EF4-FFF2-40B4-BE49-F238E27FC236}">
-                <a16:creationId xmlns:a16="http://schemas.microsoft.com/office/drawing/2014/main" id="{3984453C-9062-45EB-8035-61BC97983534}"/>
+          <p:cNvPr id="3" name="ProgressBar">
+            <a:extLst>
+              <a:ext uri="{FF2B5EF4-FFF2-40B4-BE49-F238E27FC236}">
+                <a16:creationId xmlns:a16="http://schemas.microsoft.com/office/drawing/2014/main" id="{B453B0D8-110C-024A-A5C9-E9C8BB2C1F76}"/>
               </a:ext>
             </a:extLst>
           </p:cNvPr>
@@ -17600,7 +18376,7 @@
         <p:spPr>
           <a:xfrm>
             <a:off x="0" y="6731000"/>
-            <a:ext cx="4491789" cy="127000"/>
+            <a:ext cx="4267200" cy="127000"/>
           </a:xfrm>
           <a:prstGeom prst="rect">
             <a:avLst/>
@@ -19133,10 +19909,10 @@
       </p:sp>
       <p:sp>
         <p:nvSpPr>
-          <p:cNvPr id="30" name="ProgressBar">
-            <a:extLst>
-              <a:ext uri="{FF2B5EF4-FFF2-40B4-BE49-F238E27FC236}">
-                <a16:creationId xmlns:a16="http://schemas.microsoft.com/office/drawing/2014/main" id="{5830CBDA-B3A2-4FC6-91DA-C9B0F687AAA5}"/>
+          <p:cNvPr id="4" name="ProgressBar">
+            <a:extLst>
+              <a:ext uri="{FF2B5EF4-FFF2-40B4-BE49-F238E27FC236}">
+                <a16:creationId xmlns:a16="http://schemas.microsoft.com/office/drawing/2014/main" id="{A9226160-9B6C-4642-B90A-10DA4655CE68}"/>
               </a:ext>
             </a:extLst>
           </p:cNvPr>
@@ -19146,7 +19922,7 @@
         <p:spPr>
           <a:xfrm>
             <a:off x="0" y="6731000"/>
-            <a:ext cx="5133474" cy="127000"/>
+            <a:ext cx="4876800" cy="127000"/>
           </a:xfrm>
           <a:prstGeom prst="rect">
             <a:avLst/>
@@ -22092,10 +22868,10 @@
       </p:grpSp>
       <p:sp>
         <p:nvSpPr>
-          <p:cNvPr id="13" name="ProgressBar">
-            <a:extLst>
-              <a:ext uri="{FF2B5EF4-FFF2-40B4-BE49-F238E27FC236}">
-                <a16:creationId xmlns:a16="http://schemas.microsoft.com/office/drawing/2014/main" id="{90133568-F0EA-4A00-9F91-D7FC4CFD5F03}"/>
+          <p:cNvPr id="3" name="ProgressBar">
+            <a:extLst>
+              <a:ext uri="{FF2B5EF4-FFF2-40B4-BE49-F238E27FC236}">
+                <a16:creationId xmlns:a16="http://schemas.microsoft.com/office/drawing/2014/main" id="{065E872E-6EF4-844C-BE18-17ABF36E6DEB}"/>
               </a:ext>
             </a:extLst>
           </p:cNvPr>
@@ -22105,7 +22881,7 @@
         <p:spPr>
           <a:xfrm>
             <a:off x="0" y="6731000"/>
-            <a:ext cx="5775158" cy="127000"/>
+            <a:ext cx="5486400" cy="127000"/>
           </a:xfrm>
           <a:prstGeom prst="rect">
             <a:avLst/>

--- a/プロジェクト実験　中間発表/プロジェクト実験中間発表.pptx
+++ b/プロジェクト実験　中間発表/プロジェクト実験中間発表.pptx
@@ -1099,7 +1099,7 @@
           <a:p>
             <a:fld id="{FF1647EB-3155-494F-BA82-C3F1D9480B24}" type="datetimeFigureOut">
               <a:rPr kumimoji="1" lang="ja-JP" altLang="en-US" smtClean="0"/>
-              <a:t>2018/11/28</a:t>
+              <a:t>2018/11/29</a:t>
             </a:fld>
             <a:endParaRPr kumimoji="1" lang="ja-JP" altLang="en-US"/>
           </a:p>
@@ -2307,7 +2307,7 @@
           <a:p>
             <a:fld id="{E7D511BB-4569-984B-89A7-0CAB83200160}" type="datetimeFigureOut">
               <a:rPr kumimoji="1" lang="ja-JP" altLang="en-US" smtClean="0"/>
-              <a:t>2018/11/28</a:t>
+              <a:t>2018/11/29</a:t>
             </a:fld>
             <a:endParaRPr kumimoji="1" lang="ja-JP" altLang="en-US"/>
           </a:p>
@@ -2512,7 +2512,7 @@
           <a:p>
             <a:fld id="{E7D511BB-4569-984B-89A7-0CAB83200160}" type="datetimeFigureOut">
               <a:rPr kumimoji="1" lang="ja-JP" altLang="en-US" smtClean="0"/>
-              <a:t>2018/11/28</a:t>
+              <a:t>2018/11/29</a:t>
             </a:fld>
             <a:endParaRPr kumimoji="1" lang="ja-JP" altLang="en-US"/>
           </a:p>
@@ -2727,7 +2727,7 @@
           <a:p>
             <a:fld id="{E7D511BB-4569-984B-89A7-0CAB83200160}" type="datetimeFigureOut">
               <a:rPr kumimoji="1" lang="ja-JP" altLang="en-US" smtClean="0"/>
-              <a:t>2018/11/28</a:t>
+              <a:t>2018/11/29</a:t>
             </a:fld>
             <a:endParaRPr kumimoji="1" lang="ja-JP" altLang="en-US"/>
           </a:p>
@@ -2947,7 +2947,7 @@
           <a:p>
             <a:fld id="{33261070-0EEB-F446-BBEF-DA4E29C9CA29}" type="datetimeFigureOut">
               <a:rPr kumimoji="1" lang="ja-JP" altLang="en-US" smtClean="0"/>
-              <a:t>2018/11/28</a:t>
+              <a:t>2018/11/29</a:t>
             </a:fld>
             <a:endParaRPr kumimoji="1" lang="ja-JP" altLang="en-US"/>
           </a:p>
@@ -3152,7 +3152,7 @@
           <a:p>
             <a:fld id="{33261070-0EEB-F446-BBEF-DA4E29C9CA29}" type="datetimeFigureOut">
               <a:rPr kumimoji="1" lang="ja-JP" altLang="en-US" smtClean="0"/>
-              <a:t>2018/11/28</a:t>
+              <a:t>2018/11/29</a:t>
             </a:fld>
             <a:endParaRPr kumimoji="1" lang="ja-JP" altLang="en-US"/>
           </a:p>
@@ -3462,7 +3462,7 @@
           <a:p>
             <a:fld id="{33261070-0EEB-F446-BBEF-DA4E29C9CA29}" type="datetimeFigureOut">
               <a:rPr kumimoji="1" lang="ja-JP" altLang="en-US" smtClean="0"/>
-              <a:t>2018/11/28</a:t>
+              <a:t>2018/11/29</a:t>
             </a:fld>
             <a:endParaRPr kumimoji="1" lang="ja-JP" altLang="en-US"/>
           </a:p>
@@ -3741,7 +3741,7 @@
           <a:p>
             <a:fld id="{33261070-0EEB-F446-BBEF-DA4E29C9CA29}" type="datetimeFigureOut">
               <a:rPr kumimoji="1" lang="ja-JP" altLang="en-US" smtClean="0"/>
-              <a:t>2018/11/28</a:t>
+              <a:t>2018/11/29</a:t>
             </a:fld>
             <a:endParaRPr kumimoji="1" lang="ja-JP" altLang="en-US"/>
           </a:p>
@@ -4237,7 +4237,7 @@
           <a:p>
             <a:fld id="{33261070-0EEB-F446-BBEF-DA4E29C9CA29}" type="datetimeFigureOut">
               <a:rPr kumimoji="1" lang="ja-JP" altLang="en-US" smtClean="0"/>
-              <a:t>2018/11/28</a:t>
+              <a:t>2018/11/29</a:t>
             </a:fld>
             <a:endParaRPr kumimoji="1" lang="ja-JP" altLang="en-US"/>
           </a:p>
@@ -4378,7 +4378,7 @@
           <a:p>
             <a:fld id="{33261070-0EEB-F446-BBEF-DA4E29C9CA29}" type="datetimeFigureOut">
               <a:rPr kumimoji="1" lang="ja-JP" altLang="en-US" smtClean="0"/>
-              <a:t>2018/11/28</a:t>
+              <a:t>2018/11/29</a:t>
             </a:fld>
             <a:endParaRPr kumimoji="1" lang="ja-JP" altLang="en-US"/>
           </a:p>
@@ -4491,7 +4491,7 @@
           <a:p>
             <a:fld id="{33261070-0EEB-F446-BBEF-DA4E29C9CA29}" type="datetimeFigureOut">
               <a:rPr kumimoji="1" lang="ja-JP" altLang="en-US" smtClean="0"/>
-              <a:t>2018/11/28</a:t>
+              <a:t>2018/11/29</a:t>
             </a:fld>
             <a:endParaRPr kumimoji="1" lang="ja-JP" altLang="en-US"/>
           </a:p>
@@ -4844,7 +4844,7 @@
           <a:p>
             <a:fld id="{33261070-0EEB-F446-BBEF-DA4E29C9CA29}" type="datetimeFigureOut">
               <a:rPr kumimoji="1" lang="ja-JP" altLang="en-US" smtClean="0"/>
-              <a:t>2018/11/28</a:t>
+              <a:t>2018/11/29</a:t>
             </a:fld>
             <a:endParaRPr kumimoji="1" lang="ja-JP" altLang="en-US"/>
           </a:p>
@@ -5049,7 +5049,7 @@
           <a:p>
             <a:fld id="{E7D511BB-4569-984B-89A7-0CAB83200160}" type="datetimeFigureOut">
               <a:rPr kumimoji="1" lang="ja-JP" altLang="en-US" smtClean="0"/>
-              <a:t>2018/11/28</a:t>
+              <a:t>2018/11/29</a:t>
             </a:fld>
             <a:endParaRPr kumimoji="1" lang="ja-JP" altLang="en-US"/>
           </a:p>
@@ -5372,7 +5372,7 @@
           <a:p>
             <a:fld id="{33261070-0EEB-F446-BBEF-DA4E29C9CA29}" type="datetimeFigureOut">
               <a:rPr kumimoji="1" lang="ja-JP" altLang="en-US" smtClean="0"/>
-              <a:t>2018/11/28</a:t>
+              <a:t>2018/11/29</a:t>
             </a:fld>
             <a:endParaRPr kumimoji="1" lang="ja-JP" altLang="en-US"/>
           </a:p>
@@ -5577,7 +5577,7 @@
           <a:p>
             <a:fld id="{33261070-0EEB-F446-BBEF-DA4E29C9CA29}" type="datetimeFigureOut">
               <a:rPr kumimoji="1" lang="ja-JP" altLang="en-US" smtClean="0"/>
-              <a:t>2018/11/28</a:t>
+              <a:t>2018/11/29</a:t>
             </a:fld>
             <a:endParaRPr kumimoji="1" lang="ja-JP" altLang="en-US"/>
           </a:p>
@@ -5792,7 +5792,7 @@
           <a:p>
             <a:fld id="{33261070-0EEB-F446-BBEF-DA4E29C9CA29}" type="datetimeFigureOut">
               <a:rPr kumimoji="1" lang="ja-JP" altLang="en-US" smtClean="0"/>
-              <a:t>2018/11/28</a:t>
+              <a:t>2018/11/29</a:t>
             </a:fld>
             <a:endParaRPr kumimoji="1" lang="ja-JP" altLang="en-US"/>
           </a:p>
@@ -6102,7 +6102,7 @@
           <a:p>
             <a:fld id="{E7D511BB-4569-984B-89A7-0CAB83200160}" type="datetimeFigureOut">
               <a:rPr kumimoji="1" lang="ja-JP" altLang="en-US" smtClean="0"/>
-              <a:t>2018/11/28</a:t>
+              <a:t>2018/11/29</a:t>
             </a:fld>
             <a:endParaRPr kumimoji="1" lang="ja-JP" altLang="en-US"/>
           </a:p>
@@ -6381,7 +6381,7 @@
           <a:p>
             <a:fld id="{E7D511BB-4569-984B-89A7-0CAB83200160}" type="datetimeFigureOut">
               <a:rPr kumimoji="1" lang="ja-JP" altLang="en-US" smtClean="0"/>
-              <a:t>2018/11/28</a:t>
+              <a:t>2018/11/29</a:t>
             </a:fld>
             <a:endParaRPr kumimoji="1" lang="ja-JP" altLang="en-US"/>
           </a:p>
@@ -6877,7 +6877,7 @@
           <a:p>
             <a:fld id="{E7D511BB-4569-984B-89A7-0CAB83200160}" type="datetimeFigureOut">
               <a:rPr kumimoji="1" lang="ja-JP" altLang="en-US" smtClean="0"/>
-              <a:t>2018/11/28</a:t>
+              <a:t>2018/11/29</a:t>
             </a:fld>
             <a:endParaRPr kumimoji="1" lang="ja-JP" altLang="en-US"/>
           </a:p>
@@ -7018,7 +7018,7 @@
           <a:p>
             <a:fld id="{E7D511BB-4569-984B-89A7-0CAB83200160}" type="datetimeFigureOut">
               <a:rPr kumimoji="1" lang="ja-JP" altLang="en-US" smtClean="0"/>
-              <a:t>2018/11/28</a:t>
+              <a:t>2018/11/29</a:t>
             </a:fld>
             <a:endParaRPr kumimoji="1" lang="ja-JP" altLang="en-US"/>
           </a:p>
@@ -7131,7 +7131,7 @@
           <a:p>
             <a:fld id="{E7D511BB-4569-984B-89A7-0CAB83200160}" type="datetimeFigureOut">
               <a:rPr kumimoji="1" lang="ja-JP" altLang="en-US" smtClean="0"/>
-              <a:t>2018/11/28</a:t>
+              <a:t>2018/11/29</a:t>
             </a:fld>
             <a:endParaRPr kumimoji="1" lang="ja-JP" altLang="en-US"/>
           </a:p>
@@ -7484,7 +7484,7 @@
           <a:p>
             <a:fld id="{E7D511BB-4569-984B-89A7-0CAB83200160}" type="datetimeFigureOut">
               <a:rPr kumimoji="1" lang="ja-JP" altLang="en-US" smtClean="0"/>
-              <a:t>2018/11/28</a:t>
+              <a:t>2018/11/29</a:t>
             </a:fld>
             <a:endParaRPr kumimoji="1" lang="ja-JP" altLang="en-US"/>
           </a:p>
@@ -7807,7 +7807,7 @@
           <a:p>
             <a:fld id="{E7D511BB-4569-984B-89A7-0CAB83200160}" type="datetimeFigureOut">
               <a:rPr kumimoji="1" lang="ja-JP" altLang="en-US" smtClean="0"/>
-              <a:t>2018/11/28</a:t>
+              <a:t>2018/11/29</a:t>
             </a:fld>
             <a:endParaRPr kumimoji="1" lang="ja-JP" altLang="en-US"/>
           </a:p>
@@ -8055,7 +8055,7 @@
           <a:p>
             <a:fld id="{E7D511BB-4569-984B-89A7-0CAB83200160}" type="datetimeFigureOut">
               <a:rPr kumimoji="1" lang="ja-JP" altLang="en-US" smtClean="0"/>
-              <a:t>2018/11/28</a:t>
+              <a:t>2018/11/29</a:t>
             </a:fld>
             <a:endParaRPr kumimoji="1" lang="ja-JP" altLang="en-US"/>
           </a:p>
@@ -8700,7 +8700,7 @@
           <a:p>
             <a:fld id="{33261070-0EEB-F446-BBEF-DA4E29C9CA29}" type="datetimeFigureOut">
               <a:rPr kumimoji="1" lang="ja-JP" altLang="en-US" smtClean="0"/>
-              <a:t>2018/11/28</a:t>
+              <a:t>2018/11/29</a:t>
             </a:fld>
             <a:endParaRPr kumimoji="1" lang="ja-JP" altLang="en-US"/>
           </a:p>
@@ -13118,23 +13118,15 @@
                   <a:schemeClr val="accent2"/>
                 </a:solidFill>
               </a:rPr>
-              <a:t>意図的に検証データに寄せる</a:t>
-            </a:r>
-            <a:r>
-              <a:rPr lang="en-US" altLang="ja-JP" b="1" dirty="0">
+              <a:t>意図的に検証データ</a:t>
+            </a:r>
+            <a:r>
+              <a:rPr lang="ja-JP" altLang="en-US" b="1">
                 <a:solidFill>
                   <a:schemeClr val="accent2"/>
                 </a:solidFill>
               </a:rPr>
-              <a:t>(Leakage)</a:t>
-            </a:r>
-            <a:r>
-              <a:rPr lang="ja-JP" altLang="en-US" b="1" dirty="0">
-                <a:solidFill>
-                  <a:schemeClr val="accent2"/>
-                </a:solidFill>
-              </a:rPr>
-              <a:t>行為</a:t>
+              <a:t>に寄せる行為</a:t>
             </a:r>
             <a:r>
               <a:rPr lang="ja-JP" altLang="en-US" dirty="0"/>
